--- a/Prezentare/MediArch.pptx
+++ b/Prezentare/MediArch.pptx
@@ -205,7 +205,7 @@
           <a:p>
             <a:fld id="{75ACD4F3-15DE-4D4F-AEC6-1F5D6AEE56EA}" type="datetimeFigureOut">
               <a:rPr lang="ro-RO" smtClean="0"/>
-              <a:t>28.06.2018</a:t>
+              <a:t>29.06.2018</a:t>
             </a:fld>
             <a:endParaRPr lang="ro-RO"/>
           </a:p>
@@ -1214,6 +1214,70 @@
               <a:rPr lang="ro-RO" dirty="0"/>
               <a:t>Navigarea prin aplicație din postura tuturor tipurilor de utilizatori, și parcurgerea tuturor funcționalităților.</a:t>
             </a:r>
+            <a:endParaRPr lang="en-US" dirty="0"/>
+          </a:p>
+          <a:p>
+            <a:endParaRPr lang="en-US" dirty="0"/>
+          </a:p>
+          <a:p>
+            <a:r>
+              <a:rPr lang="en-US" dirty="0" err="1"/>
+              <a:t>Poze</a:t>
+            </a:r>
+            <a:r>
+              <a:rPr lang="en-US" dirty="0"/>
+              <a:t> </a:t>
+            </a:r>
+            <a:r>
+              <a:rPr lang="en-US" dirty="0" err="1"/>
+              <a:t>utilizatori</a:t>
+            </a:r>
+            <a:r>
+              <a:rPr lang="en-US" dirty="0"/>
+              <a:t> - https://</a:t>
+            </a:r>
+            <a:r>
+              <a:rPr lang="en-US" dirty="0" err="1"/>
+              <a:t>www.pexels.com</a:t>
+            </a:r>
+            <a:r>
+              <a:rPr lang="en-US" dirty="0"/>
+              <a:t>/search/face/</a:t>
+            </a:r>
+          </a:p>
+          <a:p>
+            <a:r>
+              <a:rPr lang="en-US" dirty="0" err="1"/>
+              <a:t>Detalii</a:t>
+            </a:r>
+            <a:r>
+              <a:rPr lang="en-US" dirty="0"/>
+              <a:t> </a:t>
+            </a:r>
+            <a:r>
+              <a:rPr lang="en-US" dirty="0" err="1"/>
+              <a:t>medicamente</a:t>
+            </a:r>
+            <a:r>
+              <a:rPr lang="en-US" dirty="0"/>
+              <a:t> - http://</a:t>
+            </a:r>
+            <a:r>
+              <a:rPr lang="en-US" dirty="0" err="1"/>
+              <a:t>www.sfatulmedicului.ro</a:t>
+            </a:r>
+            <a:r>
+              <a:rPr lang="en-US" dirty="0"/>
+              <a:t>/</a:t>
+            </a:r>
+            <a:r>
+              <a:rPr lang="en-US" dirty="0" err="1"/>
+              <a:t>medicamente</a:t>
+            </a:r>
+            <a:endParaRPr lang="ro-RO"/>
+          </a:p>
+          <a:p>
+            <a:endParaRPr lang="ro-RO" dirty="0"/>
           </a:p>
         </p:txBody>
       </p:sp>
@@ -1693,7 +1757,7 @@
           <a:p>
             <a:fld id="{C958B2B8-5FD4-4030-B628-1B443C369329}" type="datetime1">
               <a:rPr lang="en-US" smtClean="0"/>
-              <a:t>6/28/2018</a:t>
+              <a:t>6/29/2018</a:t>
             </a:fld>
             <a:endParaRPr lang="en-US" dirty="0"/>
           </a:p>
@@ -2125,7 +2189,7 @@
           <a:p>
             <a:fld id="{1D802565-6F02-4A1A-83AC-1EA7FE8603A1}" type="datetime1">
               <a:rPr lang="en-US" smtClean="0"/>
-              <a:t>6/28/2018</a:t>
+              <a:t>6/29/2018</a:t>
             </a:fld>
             <a:endParaRPr lang="en-US" dirty="0"/>
           </a:p>
@@ -2371,7 +2435,7 @@
           <a:p>
             <a:fld id="{0A6C096E-90A1-4C77-BB68-5F1F79236B47}" type="datetime1">
               <a:rPr lang="en-US" smtClean="0"/>
-              <a:t>6/28/2018</a:t>
+              <a:t>6/29/2018</a:t>
             </a:fld>
             <a:endParaRPr lang="en-US" dirty="0"/>
           </a:p>
@@ -2675,7 +2739,7 @@
           <a:p>
             <a:fld id="{2AF27C5E-9936-47B0-A7AB-8B5F9D97BF7F}" type="datetime1">
               <a:rPr lang="en-US" smtClean="0"/>
-              <a:t>6/28/2018</a:t>
+              <a:t>6/29/2018</a:t>
             </a:fld>
             <a:endParaRPr lang="en-US" dirty="0"/>
           </a:p>
@@ -2989,7 +3053,7 @@
           <a:p>
             <a:fld id="{45B85652-381A-43F0-83E5-5E7143C0D722}" type="datetime1">
               <a:rPr lang="en-US" smtClean="0"/>
-              <a:t>6/28/2018</a:t>
+              <a:t>6/29/2018</a:t>
             </a:fld>
             <a:endParaRPr lang="en-US" dirty="0"/>
           </a:p>
@@ -3287,7 +3351,7 @@
           <a:p>
             <a:fld id="{58252319-1FA4-4855-BFE5-707997E6B1B2}" type="datetime1">
               <a:rPr lang="en-US" smtClean="0"/>
-              <a:t>6/28/2018</a:t>
+              <a:t>6/29/2018</a:t>
             </a:fld>
             <a:endParaRPr lang="en-US" dirty="0"/>
           </a:p>
@@ -3650,7 +3714,7 @@
           <a:p>
             <a:fld id="{896CFD1C-58B6-4B7E-80C5-C431EDCE5E80}" type="datetime1">
               <a:rPr lang="en-US" smtClean="0"/>
-              <a:t>6/28/2018</a:t>
+              <a:t>6/29/2018</a:t>
             </a:fld>
             <a:endParaRPr lang="en-US" dirty="0"/>
           </a:p>
@@ -3820,7 +3884,7 @@
           <a:p>
             <a:fld id="{175F9B8A-C049-496A-B282-30964A6CE656}" type="datetime1">
               <a:rPr lang="en-US" smtClean="0"/>
-              <a:t>6/28/2018</a:t>
+              <a:t>6/29/2018</a:t>
             </a:fld>
             <a:endParaRPr lang="en-US" dirty="0"/>
           </a:p>
@@ -3996,7 +4060,7 @@
           <a:p>
             <a:fld id="{4F78F913-0A29-416B-9809-244D70044AE6}" type="datetime1">
               <a:rPr lang="en-US" smtClean="0"/>
-              <a:t>6/28/2018</a:t>
+              <a:t>6/29/2018</a:t>
             </a:fld>
             <a:endParaRPr lang="en-US" dirty="0"/>
           </a:p>
@@ -4162,7 +4226,7 @@
           <a:p>
             <a:fld id="{51F6254D-21E2-429F-B828-59B6F855C1D6}" type="datetime1">
               <a:rPr lang="en-US" smtClean="0"/>
-              <a:t>6/28/2018</a:t>
+              <a:t>6/29/2018</a:t>
             </a:fld>
             <a:endParaRPr lang="en-US" dirty="0"/>
           </a:p>
@@ -4408,7 +4472,7 @@
           <a:p>
             <a:fld id="{E06C85DE-F8B0-4C19-8645-E1AAF8C11D03}" type="datetime1">
               <a:rPr lang="en-US" smtClean="0"/>
-              <a:t>6/28/2018</a:t>
+              <a:t>6/29/2018</a:t>
             </a:fld>
             <a:endParaRPr lang="en-US" dirty="0"/>
           </a:p>
@@ -4640,7 +4704,7 @@
           <a:p>
             <a:fld id="{14665515-A5A2-45E2-9A85-819308C1EC03}" type="datetime1">
               <a:rPr lang="en-US" smtClean="0"/>
-              <a:t>6/28/2018</a:t>
+              <a:t>6/29/2018</a:t>
             </a:fld>
             <a:endParaRPr lang="en-US" dirty="0"/>
           </a:p>
@@ -5018,7 +5082,7 @@
           <a:p>
             <a:fld id="{0E9F3CE2-3339-45DD-AE9F-90F9BDB0384B}" type="datetime1">
               <a:rPr lang="en-US" smtClean="0"/>
-              <a:t>6/28/2018</a:t>
+              <a:t>6/29/2018</a:t>
             </a:fld>
             <a:endParaRPr lang="en-US" dirty="0"/>
           </a:p>
@@ -5132,7 +5196,7 @@
           <a:p>
             <a:fld id="{B722747C-D21A-4C05-AE56-93898B266987}" type="datetime1">
               <a:rPr lang="en-US" smtClean="0"/>
-              <a:t>6/28/2018</a:t>
+              <a:t>6/29/2018</a:t>
             </a:fld>
             <a:endParaRPr lang="en-US" dirty="0"/>
           </a:p>
@@ -5223,7 +5287,7 @@
           <a:p>
             <a:fld id="{1357CAB8-2962-4BCB-9060-900D11BE3456}" type="datetime1">
               <a:rPr lang="en-US" smtClean="0"/>
-              <a:t>6/28/2018</a:t>
+              <a:t>6/29/2018</a:t>
             </a:fld>
             <a:endParaRPr lang="en-US" dirty="0"/>
           </a:p>
@@ -5474,7 +5538,7 @@
           <a:p>
             <a:fld id="{5D8138E5-C557-4625-96B1-9DEC121BA909}" type="datetime1">
               <a:rPr lang="en-US" smtClean="0"/>
-              <a:t>6/28/2018</a:t>
+              <a:t>6/29/2018</a:t>
             </a:fld>
             <a:endParaRPr lang="en-US" dirty="0"/>
           </a:p>
@@ -5753,7 +5817,7 @@
           <a:p>
             <a:fld id="{674720CD-71A8-4CD4-8D68-650339AF4228}" type="datetime1">
               <a:rPr lang="en-US" smtClean="0"/>
-              <a:t>6/28/2018</a:t>
+              <a:t>6/29/2018</a:t>
             </a:fld>
             <a:endParaRPr lang="en-US" dirty="0"/>
           </a:p>
@@ -6155,7 +6219,7 @@
           <a:p>
             <a:fld id="{355DA942-3E01-4482-923D-88CEBE6B88B5}" type="datetime1">
               <a:rPr lang="en-US" smtClean="0"/>
-              <a:t>6/28/2018</a:t>
+              <a:t>6/29/2018</a:t>
             </a:fld>
             <a:endParaRPr lang="en-US" dirty="0"/>
           </a:p>

--- a/Prezentare/MediArch.pptx
+++ b/Prezentare/MediArch.pptx
@@ -1274,9 +1274,36 @@
               <a:rPr lang="en-US" dirty="0" err="1"/>
               <a:t>medicamente</a:t>
             </a:r>
-            <a:endParaRPr lang="ro-RO"/>
-          </a:p>
-          <a:p>
+            <a:endParaRPr lang="ro-RO" dirty="0"/>
+          </a:p>
+          <a:p>
+            <a:endParaRPr lang="ro-RO" dirty="0"/>
+          </a:p>
+          <a:p>
+            <a:r>
+              <a:rPr lang="ro-RO" dirty="0"/>
+              <a:t>Backup - </a:t>
+            </a:r>
+            <a:r>
+              <a:rPr lang="ro-RO" dirty="0" err="1"/>
+              <a:t>https</a:t>
+            </a:r>
+            <a:r>
+              <a:rPr lang="ro-RO" dirty="0"/>
+              <a:t>://</a:t>
+            </a:r>
+            <a:r>
+              <a:rPr lang="ro-RO" dirty="0" err="1"/>
+              <a:t>youtu.be</a:t>
+            </a:r>
+            <a:r>
+              <a:rPr lang="ro-RO" dirty="0"/>
+              <a:t>/</a:t>
+            </a:r>
+            <a:r>
+              <a:rPr lang="ro-RO" dirty="0" err="1"/>
+              <a:t>3wNYpVMhC1I</a:t>
+            </a:r>
             <a:endParaRPr lang="ro-RO" dirty="0"/>
           </a:p>
         </p:txBody>

--- a/Prezentare/MediArch.pptx
+++ b/Prezentare/MediArch.pptx
@@ -8,14 +8,14 @@
     <p:notesMasterId r:id="rId11"/>
   </p:notesMasterIdLst>
   <p:sldIdLst>
-    <p:sldId id="273" r:id="rId2"/>
-    <p:sldId id="258" r:id="rId3"/>
-    <p:sldId id="270" r:id="rId4"/>
-    <p:sldId id="264" r:id="rId5"/>
-    <p:sldId id="271" r:id="rId6"/>
-    <p:sldId id="267" r:id="rId7"/>
-    <p:sldId id="263" r:id="rId8"/>
-    <p:sldId id="272" r:id="rId9"/>
+    <p:sldId id="258" r:id="rId2"/>
+    <p:sldId id="270" r:id="rId3"/>
+    <p:sldId id="264" r:id="rId4"/>
+    <p:sldId id="271" r:id="rId5"/>
+    <p:sldId id="267" r:id="rId6"/>
+    <p:sldId id="263" r:id="rId7"/>
+    <p:sldId id="272" r:id="rId8"/>
+    <p:sldId id="274" r:id="rId9"/>
     <p:sldId id="269" r:id="rId10"/>
   </p:sldIdLst>
   <p:sldSz cx="12192000" cy="6858000"/>
@@ -205,7 +205,7 @@
           <a:p>
             <a:fld id="{75ACD4F3-15DE-4D4F-AEC6-1F5D6AEE56EA}" type="datetimeFigureOut">
               <a:rPr lang="ro-RO" smtClean="0"/>
-              <a:t>29.06.2018</a:t>
+              <a:t>01.07.2018</a:t>
             </a:fld>
             <a:endParaRPr lang="ro-RO"/>
           </a:p>
@@ -519,8 +519,17 @@
           <a:p>
             <a:r>
               <a:rPr lang="ro-RO" dirty="0"/>
-              <a:t> </a:t>
-            </a:r>
+              <a:t> Bună, eu sunt George, și aceasta este tema licenței mele</a:t>
+            </a:r>
+            <a:r>
+              <a:rPr lang="en-US" dirty="0"/>
+              <a:t>: </a:t>
+            </a:r>
+            <a:r>
+              <a:rPr lang="en-US" dirty="0" err="1"/>
+              <a:t>MediArch</a:t>
+            </a:r>
+            <a:endParaRPr lang="ro-RO" dirty="0"/>
           </a:p>
         </p:txBody>
       </p:sp>
@@ -550,7 +559,7 @@
     </p:spTree>
     <p:extLst>
       <p:ext uri="{BB962C8B-B14F-4D97-AF65-F5344CB8AC3E}">
-        <p14:creationId xmlns:p14="http://schemas.microsoft.com/office/powerpoint/2010/main" val="1012195325"/>
+        <p14:creationId xmlns:p14="http://schemas.microsoft.com/office/powerpoint/2010/main" val="2559616468"/>
       </p:ext>
     </p:extLst>
   </p:cSld>
@@ -606,8 +615,13 @@
           <a:p>
             <a:r>
               <a:rPr lang="ro-RO" dirty="0"/>
-              <a:t> </a:t>
-            </a:r>
+              <a:t>Aspecte pe care le voi aborda pe parcursul acestei prezentări sunt</a:t>
+            </a:r>
+            <a:r>
+              <a:rPr lang="en-US" dirty="0"/>
+              <a:t>:</a:t>
+            </a:r>
+            <a:endParaRPr lang="ro-RO" dirty="0"/>
           </a:p>
         </p:txBody>
       </p:sp>
@@ -637,7 +651,7 @@
     </p:spTree>
     <p:extLst>
       <p:ext uri="{BB962C8B-B14F-4D97-AF65-F5344CB8AC3E}">
-        <p14:creationId xmlns:p14="http://schemas.microsoft.com/office/powerpoint/2010/main" val="2559616468"/>
+        <p14:creationId xmlns:p14="http://schemas.microsoft.com/office/powerpoint/2010/main" val="707687072"/>
       </p:ext>
     </p:extLst>
   </p:cSld>
@@ -693,13 +707,8 @@
           <a:p>
             <a:r>
               <a:rPr lang="ro-RO" dirty="0"/>
-              <a:t>Aspecte pe care le voi aborda pe parcursul prezentării</a:t>
-            </a:r>
-            <a:r>
-              <a:rPr lang="en-US" dirty="0"/>
-              <a:t>:</a:t>
-            </a:r>
-            <a:endParaRPr lang="ro-RO" dirty="0"/>
+              <a:t> </a:t>
+            </a:r>
           </a:p>
         </p:txBody>
       </p:sp>
@@ -729,7 +738,7 @@
     </p:spTree>
     <p:extLst>
       <p:ext uri="{BB962C8B-B14F-4D97-AF65-F5344CB8AC3E}">
-        <p14:creationId xmlns:p14="http://schemas.microsoft.com/office/powerpoint/2010/main" val="707687072"/>
+        <p14:creationId xmlns:p14="http://schemas.microsoft.com/office/powerpoint/2010/main" val="3401260461"/>
       </p:ext>
     </p:extLst>
   </p:cSld>
@@ -783,9 +792,81 @@
           <a:bodyPr/>
           <a:lstStyle/>
           <a:p>
+            <a:pPr marL="0" marR="0" lvl="0" indent="0" algn="l" defTabSz="914400" rtl="0" eaLnBrk="1" fontAlgn="auto" latinLnBrk="0" hangingPunct="1">
+              <a:lnSpc>
+                <a:spcPct val="100000"/>
+              </a:lnSpc>
+              <a:spcBef>
+                <a:spcPts val="0"/>
+              </a:spcBef>
+              <a:spcAft>
+                <a:spcPts val="0"/>
+              </a:spcAft>
+              <a:buClrTx/>
+              <a:buSzTx/>
+              <a:buFontTx/>
+              <a:buNone/>
+              <a:tabLst/>
+              <a:defRPr/>
+            </a:pPr>
+            <a:r>
+              <a:rPr lang="ro-RO" dirty="0"/>
+              <a:t>Ca și tehnologie principală am folosit ASP</a:t>
+            </a:r>
+            <a:r>
+              <a:rPr lang="en-US" dirty="0"/>
+              <a:t>.NET</a:t>
+            </a:r>
+            <a:r>
+              <a:rPr lang="ro-RO" dirty="0"/>
+              <a:t>, lucru datorat în mare parte proiectului dezvoltat la cursului de </a:t>
+            </a:r>
+            <a:r>
+              <a:rPr lang="en-US" dirty="0"/>
+              <a:t>“</a:t>
+            </a:r>
+            <a:r>
+              <a:rPr lang="ro-RO" dirty="0"/>
+              <a:t>Introducere în .NET</a:t>
+            </a:r>
+            <a:r>
+              <a:rPr lang="en-US" dirty="0"/>
+              <a:t>”</a:t>
+            </a:r>
             <a:r>
               <a:rPr lang="ro-RO" dirty="0"/>
               <a:t> </a:t>
+            </a:r>
+          </a:p>
+          <a:p>
+            <a:pPr marL="0" marR="0" lvl="0" indent="0" algn="l" defTabSz="914400" rtl="0" eaLnBrk="1" fontAlgn="auto" latinLnBrk="0" hangingPunct="1">
+              <a:lnSpc>
+                <a:spcPct val="100000"/>
+              </a:lnSpc>
+              <a:spcBef>
+                <a:spcPts val="0"/>
+              </a:spcBef>
+              <a:spcAft>
+                <a:spcPts val="0"/>
+              </a:spcAft>
+              <a:buClrTx/>
+              <a:buSzTx/>
+              <a:buFontTx/>
+              <a:buNone/>
+              <a:tabLst/>
+              <a:defRPr/>
+            </a:pPr>
+            <a:r>
+              <a:rPr lang="ro-RO" dirty="0"/>
+              <a:t>din anul 3, semestrul 1, unde au intervenit foarte multe lucruri interesante care mi-au deschis apetitul pentru </a:t>
+            </a:r>
+            <a:r>
+              <a:rPr lang="ro-RO" dirty="0" err="1"/>
+              <a:t>ASP.NET</a:t>
+            </a:r>
+            <a:r>
+              <a:rPr lang="ro-RO" dirty="0"/>
+              <a:t>.</a:t>
             </a:r>
           </a:p>
         </p:txBody>
@@ -816,7 +897,7 @@
     </p:spTree>
     <p:extLst>
       <p:ext uri="{BB962C8B-B14F-4D97-AF65-F5344CB8AC3E}">
-        <p14:creationId xmlns:p14="http://schemas.microsoft.com/office/powerpoint/2010/main" val="3401260461"/>
+        <p14:creationId xmlns:p14="http://schemas.microsoft.com/office/powerpoint/2010/main" val="2583997264"/>
       </p:ext>
     </p:extLst>
   </p:cSld>
@@ -871,59 +952,207 @@
           <a:lstStyle/>
           <a:p>
             <a:r>
-              <a:rPr lang="ro-RO" dirty="0"/>
-              <a:t>Am ales </a:t>
-            </a:r>
-            <a:r>
-              <a:rPr lang="ro-RO" dirty="0" err="1"/>
-              <a:t>ASP.NET</a:t>
-            </a:r>
-            <a:r>
-              <a:rPr lang="ro-RO" dirty="0"/>
-              <a:t> ca și tehnologie principală datorită proiectului la </a:t>
-            </a:r>
-            <a:r>
-              <a:rPr lang="en-US" dirty="0"/>
-              <a:t>“</a:t>
-            </a:r>
-            <a:r>
-              <a:rPr lang="ro-RO" dirty="0"/>
-              <a:t>Introducere în .NET</a:t>
-            </a:r>
-            <a:r>
-              <a:rPr lang="en-US" dirty="0"/>
-              <a:t>”</a:t>
-            </a:r>
-            <a:r>
-              <a:rPr lang="ro-RO" dirty="0"/>
-              <a:t> din semestrul 1, anul 3, </a:t>
-            </a:r>
-          </a:p>
-          <a:p>
-            <a:r>
-              <a:rPr lang="ro-RO" dirty="0"/>
-              <a:t>deoarece această materie mi-a trezit cu adevărat interesul</a:t>
-            </a:r>
-            <a:r>
-              <a:rPr lang="en-US" dirty="0"/>
-              <a:t>;</a:t>
-            </a:r>
-            <a:r>
-              <a:rPr lang="ro-RO" dirty="0"/>
-              <a:t> și am decis să </a:t>
-            </a:r>
-            <a:r>
-              <a:rPr lang="en-US" dirty="0" err="1"/>
-              <a:t>aprofundez</a:t>
-            </a:r>
-            <a:r>
-              <a:rPr lang="en-US" dirty="0"/>
+              <a:rPr lang="ro-RO" dirty="0">
+                <a:latin typeface="Times New Roman" panose="02020603050405020304" pitchFamily="18" charset="0"/>
+                <a:cs typeface="Times New Roman" panose="02020603050405020304" pitchFamily="18" charset="0"/>
+              </a:rPr>
+              <a:t>Deși există pe piață și aplicații similare (, cum ar fi aplicația de la Arcadia, sau </a:t>
+            </a:r>
+            <a:r>
+              <a:rPr lang="ro-RO" dirty="0" err="1">
+                <a:latin typeface="Times New Roman" panose="02020603050405020304" pitchFamily="18" charset="0"/>
+                <a:cs typeface="Times New Roman" panose="02020603050405020304" pitchFamily="18" charset="0"/>
+              </a:rPr>
+              <a:t>MedLife</a:t>
+            </a:r>
+            <a:r>
+              <a:rPr lang="ro-RO" dirty="0">
+                <a:latin typeface="Times New Roman" panose="02020603050405020304" pitchFamily="18" charset="0"/>
+                <a:cs typeface="Times New Roman" panose="02020603050405020304" pitchFamily="18" charset="0"/>
+              </a:rPr>
+              <a:t>), aplicația mea aduce următoarele </a:t>
+            </a:r>
+            <a:r>
+              <a:rPr lang="ro-RO" dirty="0" err="1">
+                <a:latin typeface="Times New Roman" panose="02020603050405020304" pitchFamily="18" charset="0"/>
+                <a:cs typeface="Times New Roman" panose="02020603050405020304" pitchFamily="18" charset="0"/>
+              </a:rPr>
+              <a:t>controbuții</a:t>
+            </a:r>
+            <a:r>
+              <a:rPr lang="en-US" dirty="0">
+                <a:latin typeface="Times New Roman" panose="02020603050405020304" pitchFamily="18" charset="0"/>
+                <a:cs typeface="Times New Roman" panose="02020603050405020304" pitchFamily="18" charset="0"/>
+              </a:rPr>
+              <a:t>:</a:t>
+            </a:r>
+          </a:p>
+          <a:p>
+            <a:r>
+              <a:rPr lang="en-US" dirty="0" err="1">
+                <a:latin typeface="Times New Roman" panose="02020603050405020304" pitchFamily="18" charset="0"/>
+                <a:cs typeface="Times New Roman" panose="02020603050405020304" pitchFamily="18" charset="0"/>
+              </a:rPr>
+              <a:t>Datorit</a:t>
+            </a:r>
+            <a:r>
+              <a:rPr lang="ro-RO" dirty="0">
+                <a:latin typeface="Times New Roman" panose="02020603050405020304" pitchFamily="18" charset="0"/>
+                <a:cs typeface="Times New Roman" panose="02020603050405020304" pitchFamily="18" charset="0"/>
+              </a:rPr>
+              <a:t>ă intrării în vigoare a </a:t>
+            </a:r>
+            <a:r>
+              <a:rPr lang="ro-RO" dirty="0" err="1">
+                <a:latin typeface="Times New Roman" panose="02020603050405020304" pitchFamily="18" charset="0"/>
+                <a:cs typeface="Times New Roman" panose="02020603050405020304" pitchFamily="18" charset="0"/>
+              </a:rPr>
+              <a:t>GDPR</a:t>
+            </a:r>
+            <a:r>
+              <a:rPr lang="ro-RO" dirty="0">
+                <a:latin typeface="Times New Roman" panose="02020603050405020304" pitchFamily="18" charset="0"/>
+                <a:cs typeface="Times New Roman" panose="02020603050405020304" pitchFamily="18" charset="0"/>
+              </a:rPr>
+              <a:t> (</a:t>
+            </a:r>
+            <a:r>
+              <a:rPr lang="ro-RO" sz="1200" b="0" i="0" kern="1200" dirty="0">
+                <a:solidFill>
+                  <a:schemeClr val="tx1"/>
+                </a:solidFill>
+                <a:effectLst/>
+                <a:latin typeface="+mn-lt"/>
+                <a:ea typeface="+mn-ea"/>
+                <a:cs typeface="+mn-cs"/>
+              </a:rPr>
+              <a:t>General Data </a:t>
+            </a:r>
+            <a:r>
+              <a:rPr lang="ro-RO" sz="1200" b="0" i="0" kern="1200" dirty="0" err="1">
+                <a:solidFill>
+                  <a:schemeClr val="tx1"/>
+                </a:solidFill>
+                <a:effectLst/>
+                <a:latin typeface="+mn-lt"/>
+                <a:ea typeface="+mn-ea"/>
+                <a:cs typeface="+mn-cs"/>
+              </a:rPr>
+              <a:t>Protection</a:t>
+            </a:r>
+            <a:r>
+              <a:rPr lang="ro-RO" sz="1200" b="0" i="0" kern="1200" dirty="0">
+                <a:solidFill>
+                  <a:schemeClr val="tx1"/>
+                </a:solidFill>
+                <a:effectLst/>
+                <a:latin typeface="+mn-lt"/>
+                <a:ea typeface="+mn-ea"/>
+                <a:cs typeface="+mn-cs"/>
+              </a:rPr>
               <a:t> </a:t>
             </a:r>
             <a:r>
-              <a:rPr lang="ro-RO" dirty="0"/>
-              <a:t>acele informații.</a:t>
-            </a:r>
+              <a:rPr lang="ro-RO" sz="1200" b="0" i="0" kern="1200" dirty="0" err="1">
+                <a:solidFill>
+                  <a:schemeClr val="tx1"/>
+                </a:solidFill>
+                <a:effectLst/>
+                <a:latin typeface="+mn-lt"/>
+                <a:ea typeface="+mn-ea"/>
+                <a:cs typeface="+mn-cs"/>
+              </a:rPr>
+              <a:t>Regulation</a:t>
+            </a:r>
+            <a:r>
+              <a:rPr lang="ro-RO" dirty="0">
+                <a:latin typeface="Times New Roman" panose="02020603050405020304" pitchFamily="18" charset="0"/>
+                <a:cs typeface="Times New Roman" panose="02020603050405020304" pitchFamily="18" charset="0"/>
+              </a:rPr>
+              <a:t>) din data de 25 a lunii Mai.</a:t>
+            </a:r>
+            <a:r>
+              <a:rPr lang="en-US" dirty="0">
+                <a:latin typeface="Times New Roman" panose="02020603050405020304" pitchFamily="18" charset="0"/>
+                <a:cs typeface="Times New Roman" panose="02020603050405020304" pitchFamily="18" charset="0"/>
+              </a:rPr>
+              <a:t> </a:t>
+            </a:r>
+            <a:r>
+              <a:rPr lang="en-US" dirty="0" err="1">
+                <a:latin typeface="Times New Roman" panose="02020603050405020304" pitchFamily="18" charset="0"/>
+                <a:cs typeface="Times New Roman" panose="02020603050405020304" pitchFamily="18" charset="0"/>
+              </a:rPr>
+              <a:t>Acest</a:t>
+            </a:r>
+            <a:r>
+              <a:rPr lang="en-US" dirty="0">
+                <a:latin typeface="Times New Roman" panose="02020603050405020304" pitchFamily="18" charset="0"/>
+                <a:cs typeface="Times New Roman" panose="02020603050405020304" pitchFamily="18" charset="0"/>
+              </a:rPr>
+              <a:t> </a:t>
+            </a:r>
+            <a:r>
+              <a:rPr lang="en-US" dirty="0" err="1">
+                <a:latin typeface="Times New Roman" panose="02020603050405020304" pitchFamily="18" charset="0"/>
+                <a:cs typeface="Times New Roman" panose="02020603050405020304" pitchFamily="18" charset="0"/>
+              </a:rPr>
+              <a:t>lucru</a:t>
+            </a:r>
+            <a:r>
+              <a:rPr lang="en-US" dirty="0">
+                <a:latin typeface="Times New Roman" panose="02020603050405020304" pitchFamily="18" charset="0"/>
+                <a:cs typeface="Times New Roman" panose="02020603050405020304" pitchFamily="18" charset="0"/>
+              </a:rPr>
+              <a:t> </a:t>
+            </a:r>
+            <a:r>
+              <a:rPr lang="en-US" dirty="0" err="1">
+                <a:latin typeface="Times New Roman" panose="02020603050405020304" pitchFamily="18" charset="0"/>
+                <a:cs typeface="Times New Roman" panose="02020603050405020304" pitchFamily="18" charset="0"/>
+              </a:rPr>
+              <a:t>implic</a:t>
+            </a:r>
+            <a:r>
+              <a:rPr lang="ro-RO" dirty="0">
+                <a:latin typeface="Times New Roman" panose="02020603050405020304" pitchFamily="18" charset="0"/>
+                <a:cs typeface="Times New Roman" panose="02020603050405020304" pitchFamily="18" charset="0"/>
+              </a:rPr>
+              <a:t>ă salvarea criptată a datelor senzitive.</a:t>
+            </a:r>
+            <a:endParaRPr lang="en-US" dirty="0">
+              <a:latin typeface="Times New Roman" panose="02020603050405020304" pitchFamily="18" charset="0"/>
+              <a:cs typeface="Times New Roman" panose="02020603050405020304" pitchFamily="18" charset="0"/>
+            </a:endParaRPr>
+          </a:p>
+          <a:p>
+            <a:r>
+              <a:rPr lang="en-US" dirty="0">
+                <a:latin typeface="Times New Roman" panose="02020603050405020304" pitchFamily="18" charset="0"/>
+                <a:cs typeface="Times New Roman" panose="02020603050405020304" pitchFamily="18" charset="0"/>
+              </a:rPr>
+              <a:t>…</a:t>
+            </a:r>
+          </a:p>
+          <a:p>
+            <a:r>
+              <a:rPr lang="ro-RO" dirty="0">
+                <a:latin typeface="Times New Roman" panose="02020603050405020304" pitchFamily="18" charset="0"/>
+                <a:cs typeface="Times New Roman" panose="02020603050405020304" pitchFamily="18" charset="0"/>
+              </a:rPr>
+              <a:t>Este o aplicație ușor de gestionat, monitorizarea datelor făcându-se în secțiunea denumită </a:t>
+            </a:r>
+            <a:r>
+              <a:rPr lang="en-US" dirty="0">
+                <a:latin typeface="Times New Roman" panose="02020603050405020304" pitchFamily="18" charset="0"/>
+                <a:cs typeface="Times New Roman" panose="02020603050405020304" pitchFamily="18" charset="0"/>
+              </a:rPr>
+              <a:t>“Data Records”</a:t>
+            </a:r>
+            <a:endParaRPr lang="ro-RO" dirty="0">
+              <a:latin typeface="Times New Roman" panose="02020603050405020304" pitchFamily="18" charset="0"/>
+              <a:cs typeface="Times New Roman" panose="02020603050405020304" pitchFamily="18" charset="0"/>
+            </a:endParaRPr>
           </a:p>
         </p:txBody>
       </p:sp>
@@ -953,7 +1182,7 @@
     </p:spTree>
     <p:extLst>
       <p:ext uri="{BB962C8B-B14F-4D97-AF65-F5344CB8AC3E}">
-        <p14:creationId xmlns:p14="http://schemas.microsoft.com/office/powerpoint/2010/main" val="2583997264"/>
+        <p14:creationId xmlns:p14="http://schemas.microsoft.com/office/powerpoint/2010/main" val="1920983661"/>
       </p:ext>
     </p:extLst>
   </p:cSld>
@@ -1008,125 +1237,100 @@
           <a:lstStyle/>
           <a:p>
             <a:r>
-              <a:rPr lang="en-US" dirty="0" err="1">
-                <a:latin typeface="Times New Roman" panose="02020603050405020304" pitchFamily="18" charset="0"/>
-                <a:cs typeface="Times New Roman" panose="02020603050405020304" pitchFamily="18" charset="0"/>
-              </a:rPr>
-              <a:t>Printre</a:t>
-            </a:r>
-            <a:r>
-              <a:rPr lang="en-US" dirty="0">
-                <a:latin typeface="Times New Roman" panose="02020603050405020304" pitchFamily="18" charset="0"/>
-                <a:cs typeface="Times New Roman" panose="02020603050405020304" pitchFamily="18" charset="0"/>
-              </a:rPr>
+              <a:rPr lang="ro-RO" dirty="0"/>
+              <a:t>Navigarea prin aplicație din postura tuturor tipurilor de utilizatori, și parcurgerea tuturor funcționalităților.</a:t>
+            </a:r>
+            <a:endParaRPr lang="en-US" dirty="0"/>
+          </a:p>
+          <a:p>
+            <a:endParaRPr lang="en-US" dirty="0"/>
+          </a:p>
+          <a:p>
+            <a:r>
+              <a:rPr lang="en-US" dirty="0" err="1"/>
+              <a:t>Poze</a:t>
+            </a:r>
+            <a:r>
+              <a:rPr lang="en-US" dirty="0"/>
               <a:t> </a:t>
             </a:r>
             <a:r>
-              <a:rPr lang="en-US" dirty="0" err="1">
-                <a:latin typeface="Times New Roman" panose="02020603050405020304" pitchFamily="18" charset="0"/>
-                <a:cs typeface="Times New Roman" panose="02020603050405020304" pitchFamily="18" charset="0"/>
-              </a:rPr>
-              <a:t>contribu</a:t>
-            </a:r>
-            <a:r>
-              <a:rPr lang="ro-RO" dirty="0" err="1">
-                <a:latin typeface="Times New Roman" panose="02020603050405020304" pitchFamily="18" charset="0"/>
-                <a:cs typeface="Times New Roman" panose="02020603050405020304" pitchFamily="18" charset="0"/>
-              </a:rPr>
-              <a:t>țiile</a:t>
-            </a:r>
-            <a:r>
-              <a:rPr lang="ro-RO" dirty="0">
-                <a:latin typeface="Times New Roman" panose="02020603050405020304" pitchFamily="18" charset="0"/>
-                <a:cs typeface="Times New Roman" panose="02020603050405020304" pitchFamily="18" charset="0"/>
-              </a:rPr>
-              <a:t> principale se numără</a:t>
-            </a:r>
-            <a:r>
-              <a:rPr lang="en-US" dirty="0">
-                <a:latin typeface="Times New Roman" panose="02020603050405020304" pitchFamily="18" charset="0"/>
-                <a:cs typeface="Times New Roman" panose="02020603050405020304" pitchFamily="18" charset="0"/>
-              </a:rPr>
-              <a:t>:</a:t>
-            </a:r>
-          </a:p>
-          <a:p>
-            <a:r>
-              <a:rPr lang="en-US" dirty="0">
-                <a:latin typeface="Times New Roman" panose="02020603050405020304" pitchFamily="18" charset="0"/>
-                <a:cs typeface="Times New Roman" panose="02020603050405020304" pitchFamily="18" charset="0"/>
-              </a:rPr>
-              <a:t>  …</a:t>
-            </a:r>
-          </a:p>
-          <a:p>
-            <a:r>
-              <a:rPr lang="ro-RO" dirty="0">
-                <a:latin typeface="Times New Roman" panose="02020603050405020304" pitchFamily="18" charset="0"/>
-                <a:cs typeface="Times New Roman" panose="02020603050405020304" pitchFamily="18" charset="0"/>
-              </a:rPr>
-              <a:t>Este o aplicație ușor de gestionat datorită existenței secțiunii </a:t>
-            </a:r>
-            <a:r>
-              <a:rPr lang="en-US" dirty="0">
-                <a:latin typeface="Times New Roman" panose="02020603050405020304" pitchFamily="18" charset="0"/>
-                <a:cs typeface="Times New Roman" panose="02020603050405020304" pitchFamily="18" charset="0"/>
-              </a:rPr>
-              <a:t>“Data Records” – </a:t>
-            </a:r>
-            <a:r>
-              <a:rPr lang="en-US" dirty="0" err="1">
-                <a:latin typeface="Times New Roman" panose="02020603050405020304" pitchFamily="18" charset="0"/>
-                <a:cs typeface="Times New Roman" panose="02020603050405020304" pitchFamily="18" charset="0"/>
-              </a:rPr>
-              <a:t>locul</a:t>
-            </a:r>
-            <a:r>
-              <a:rPr lang="en-US" dirty="0">
-                <a:latin typeface="Times New Roman" panose="02020603050405020304" pitchFamily="18" charset="0"/>
-                <a:cs typeface="Times New Roman" panose="02020603050405020304" pitchFamily="18" charset="0"/>
-              </a:rPr>
+              <a:rPr lang="en-US" dirty="0" err="1"/>
+              <a:t>utilizatori</a:t>
+            </a:r>
+            <a:r>
+              <a:rPr lang="en-US" dirty="0"/>
+              <a:t> - https://</a:t>
+            </a:r>
+            <a:r>
+              <a:rPr lang="en-US" dirty="0" err="1"/>
+              <a:t>www.pexels.com</a:t>
+            </a:r>
+            <a:r>
+              <a:rPr lang="en-US" dirty="0"/>
+              <a:t>/search/face/</a:t>
+            </a:r>
+          </a:p>
+          <a:p>
+            <a:r>
+              <a:rPr lang="en-US" dirty="0" err="1"/>
+              <a:t>Detalii</a:t>
+            </a:r>
+            <a:r>
+              <a:rPr lang="en-US" dirty="0"/>
               <a:t> </a:t>
             </a:r>
             <a:r>
-              <a:rPr lang="en-US" dirty="0" err="1">
-                <a:latin typeface="Times New Roman" panose="02020603050405020304" pitchFamily="18" charset="0"/>
-                <a:cs typeface="Times New Roman" panose="02020603050405020304" pitchFamily="18" charset="0"/>
-              </a:rPr>
-              <a:t>unde</a:t>
-            </a:r>
-            <a:r>
-              <a:rPr lang="en-US" dirty="0">
-                <a:latin typeface="Times New Roman" panose="02020603050405020304" pitchFamily="18" charset="0"/>
-                <a:cs typeface="Times New Roman" panose="02020603050405020304" pitchFamily="18" charset="0"/>
-              </a:rPr>
-              <a:t> se g</a:t>
-            </a:r>
-            <a:r>
-              <a:rPr lang="ro-RO" dirty="0" err="1">
-                <a:latin typeface="Times New Roman" panose="02020603050405020304" pitchFamily="18" charset="0"/>
-                <a:cs typeface="Times New Roman" panose="02020603050405020304" pitchFamily="18" charset="0"/>
-              </a:rPr>
-              <a:t>ăsesc</a:t>
-            </a:r>
-            <a:r>
-              <a:rPr lang="ro-RO" dirty="0">
-                <a:latin typeface="Times New Roman" panose="02020603050405020304" pitchFamily="18" charset="0"/>
-                <a:cs typeface="Times New Roman" panose="02020603050405020304" pitchFamily="18" charset="0"/>
-              </a:rPr>
-              <a:t> toate datele relevante înregistrate pe aplicație în ultimele 2 săptămâni</a:t>
-            </a:r>
-            <a:r>
-              <a:rPr lang="en-US" dirty="0">
-                <a:latin typeface="Times New Roman" panose="02020603050405020304" pitchFamily="18" charset="0"/>
-                <a:cs typeface="Times New Roman" panose="02020603050405020304" pitchFamily="18" charset="0"/>
-              </a:rPr>
-              <a:t>.</a:t>
-            </a:r>
-            <a:endParaRPr lang="ro-RO" dirty="0">
-              <a:latin typeface="Times New Roman" panose="02020603050405020304" pitchFamily="18" charset="0"/>
-              <a:cs typeface="Times New Roman" panose="02020603050405020304" pitchFamily="18" charset="0"/>
-            </a:endParaRPr>
+              <a:rPr lang="en-US" dirty="0" err="1"/>
+              <a:t>medicamente</a:t>
+            </a:r>
+            <a:r>
+              <a:rPr lang="en-US" dirty="0"/>
+              <a:t> - http://</a:t>
+            </a:r>
+            <a:r>
+              <a:rPr lang="en-US" dirty="0" err="1"/>
+              <a:t>www.sfatulmedicului.ro</a:t>
+            </a:r>
+            <a:r>
+              <a:rPr lang="en-US" dirty="0"/>
+              <a:t>/</a:t>
+            </a:r>
+            <a:r>
+              <a:rPr lang="en-US" dirty="0" err="1"/>
+              <a:t>medicamente</a:t>
+            </a:r>
+            <a:endParaRPr lang="ro-RO" dirty="0"/>
+          </a:p>
+          <a:p>
+            <a:endParaRPr lang="ro-RO" dirty="0"/>
+          </a:p>
+          <a:p>
+            <a:r>
+              <a:rPr lang="ro-RO" dirty="0"/>
+              <a:t>Backup - </a:t>
+            </a:r>
+            <a:r>
+              <a:rPr lang="ro-RO" dirty="0" err="1"/>
+              <a:t>https</a:t>
+            </a:r>
+            <a:r>
+              <a:rPr lang="ro-RO" dirty="0"/>
+              <a:t>://</a:t>
+            </a:r>
+            <a:r>
+              <a:rPr lang="ro-RO" dirty="0" err="1"/>
+              <a:t>youtu.be</a:t>
+            </a:r>
+            <a:r>
+              <a:rPr lang="ro-RO" dirty="0"/>
+              <a:t>/</a:t>
+            </a:r>
+            <a:r>
+              <a:rPr lang="ro-RO" dirty="0" err="1"/>
+              <a:t>3wNYpVMhC1I</a:t>
+            </a:r>
+            <a:endParaRPr lang="ro-RO" dirty="0"/>
           </a:p>
         </p:txBody>
       </p:sp>
@@ -1156,7 +1360,7 @@
     </p:spTree>
     <p:extLst>
       <p:ext uri="{BB962C8B-B14F-4D97-AF65-F5344CB8AC3E}">
-        <p14:creationId xmlns:p14="http://schemas.microsoft.com/office/powerpoint/2010/main" val="1920983661"/>
+        <p14:creationId xmlns:p14="http://schemas.microsoft.com/office/powerpoint/2010/main" val="203783921"/>
       </p:ext>
     </p:extLst>
   </p:cSld>
@@ -1211,18 +1415,26 @@
           <a:lstStyle/>
           <a:p>
             <a:r>
+              <a:rPr lang="en-US" dirty="0"/>
+              <a:t>-</a:t>
+            </a:r>
+          </a:p>
+          <a:p>
+            <a:r>
               <a:rPr lang="ro-RO" dirty="0"/>
-              <a:t>Navigarea prin aplicație din postura tuturor tipurilor de utilizatori, și parcurgerea tuturor funcționalităților.</a:t>
-            </a:r>
-            <a:endParaRPr lang="en-US" dirty="0"/>
-          </a:p>
-          <a:p>
-            <a:endParaRPr lang="en-US" dirty="0"/>
-          </a:p>
-          <a:p>
+              <a:t>Poate fi utilizată de doctori aparținând de diverse clinici, p</a:t>
+            </a:r>
             <a:r>
               <a:rPr lang="en-US" dirty="0" err="1"/>
-              <a:t>Poze</a:t>
+              <a:t>entru</a:t>
+            </a:r>
+            <a:r>
+              <a:rPr lang="en-US" dirty="0"/>
+              <a:t> a </a:t>
+            </a:r>
+            <a:r>
+              <a:rPr lang="en-US" dirty="0" err="1"/>
+              <a:t>avantaja</a:t>
             </a:r>
             <a:r>
               <a:rPr lang="en-US" dirty="0"/>
@@ -1230,81 +1442,71 @@
             </a:r>
             <a:r>
               <a:rPr lang="en-US" dirty="0" err="1"/>
-              <a:t>utilizatori</a:t>
-            </a:r>
+              <a:t>pacien</a:t>
+            </a:r>
+            <a:r>
+              <a:rPr lang="ro-RO" dirty="0"/>
+              <a:t>ții.</a:t>
+            </a:r>
+          </a:p>
+          <a:p>
+            <a:r>
+              <a:rPr lang="ro-RO" dirty="0"/>
+              <a:t>Provocare atât pe front-</a:t>
+            </a:r>
+            <a:r>
+              <a:rPr lang="ro-RO" dirty="0" err="1"/>
+              <a:t>end</a:t>
+            </a:r>
+            <a:r>
+              <a:rPr lang="ro-RO" dirty="0"/>
+              <a:t> (deoarece nu m-am înțeles bine cu această parte la început, </a:t>
+            </a:r>
+          </a:p>
+          <a:p>
+            <a:r>
+              <a:rPr lang="ro-RO" dirty="0"/>
+              <a:t>    dar spre final m-am împăcat cu ea), cât și pe back-</a:t>
+            </a:r>
+            <a:r>
+              <a:rPr lang="ro-RO" dirty="0" err="1"/>
+              <a:t>end</a:t>
+            </a:r>
+            <a:r>
+              <a:rPr lang="ro-RO" dirty="0"/>
+              <a:t> (datorită erorilor întâmpinate).</a:t>
+            </a:r>
+            <a:endParaRPr lang="en-US" dirty="0"/>
+          </a:p>
+          <a:p>
             <a:r>
               <a:rPr lang="en-US" dirty="0"/>
-              <a:t> - https://</a:t>
-            </a:r>
-            <a:r>
-              <a:rPr lang="en-US" dirty="0" err="1"/>
-              <a:t>www.pexels.com</a:t>
-            </a:r>
-            <a:r>
-              <a:rPr lang="en-US" dirty="0"/>
-              <a:t>/search/face/</a:t>
-            </a:r>
-          </a:p>
-          <a:p>
-            <a:r>
-              <a:rPr lang="en-US" dirty="0" err="1"/>
-              <a:t>Detalii</a:t>
-            </a:r>
-            <a:r>
-              <a:rPr lang="en-US" dirty="0"/>
-              <a:t> </a:t>
-            </a:r>
-            <a:r>
-              <a:rPr lang="en-US" dirty="0" err="1"/>
-              <a:t>medicamente</a:t>
-            </a:r>
-            <a:r>
-              <a:rPr lang="en-US" dirty="0"/>
-              <a:t> - http://</a:t>
-            </a:r>
-            <a:r>
-              <a:rPr lang="en-US" dirty="0" err="1"/>
-              <a:t>www.sfatulmedicului.ro</a:t>
-            </a:r>
-            <a:r>
-              <a:rPr lang="en-US" dirty="0"/>
-              <a:t>/</a:t>
-            </a:r>
-            <a:r>
-              <a:rPr lang="en-US" dirty="0" err="1"/>
-              <a:t>medicamente</a:t>
-            </a:r>
-            <a:endParaRPr lang="ro-RO" dirty="0"/>
-          </a:p>
-          <a:p>
-            <a:endParaRPr lang="ro-RO" dirty="0"/>
-          </a:p>
-          <a:p>
+              <a:t>Am </a:t>
+            </a:r>
             <a:r>
               <a:rPr lang="ro-RO" dirty="0"/>
-              <a:t>Backup - </a:t>
+              <a:t>învățat să îmi notez toate ideile care apar, deoarece poate exista potențial.</a:t>
+            </a:r>
+          </a:p>
+          <a:p>
+            <a:r>
+              <a:rPr lang="ro-RO" dirty="0"/>
+              <a:t>-</a:t>
+            </a:r>
+          </a:p>
+          <a:p>
+            <a:r>
+              <a:rPr lang="ro-RO" dirty="0"/>
+              <a:t>M-a ajutat să </a:t>
             </a:r>
             <a:r>
               <a:rPr lang="ro-RO" dirty="0" err="1"/>
-              <a:t>https</a:t>
+              <a:t>înteleg</a:t>
             </a:r>
             <a:r>
               <a:rPr lang="ro-RO" dirty="0"/>
-              <a:t>://</a:t>
-            </a:r>
-            <a:r>
-              <a:rPr lang="ro-RO" dirty="0" err="1"/>
-              <a:t>youtu.be</a:t>
-            </a:r>
-            <a:r>
-              <a:rPr lang="ro-RO" dirty="0"/>
-              <a:t>/</a:t>
-            </a:r>
-            <a:r>
-              <a:rPr lang="ro-RO" dirty="0" err="1"/>
-              <a:t>3wNYpVMhC1I</a:t>
-            </a:r>
-            <a:endParaRPr lang="ro-RO" dirty="0"/>
+              <a:t> anumite aspecte</a:t>
+            </a:r>
           </a:p>
         </p:txBody>
       </p:sp>
@@ -1334,7 +1536,7 @@
     </p:spTree>
     <p:extLst>
       <p:ext uri="{BB962C8B-B14F-4D97-AF65-F5344CB8AC3E}">
-        <p14:creationId xmlns:p14="http://schemas.microsoft.com/office/powerpoint/2010/main" val="203783921"/>
+        <p14:creationId xmlns:p14="http://schemas.microsoft.com/office/powerpoint/2010/main" val="413326989"/>
       </p:ext>
     </p:extLst>
   </p:cSld>
@@ -1390,83 +1592,9 @@
           <a:p>
             <a:r>
               <a:rPr lang="en-US" dirty="0"/>
-              <a:t>-</a:t>
-            </a:r>
-          </a:p>
-          <a:p>
-            <a:r>
-              <a:rPr lang="ro-RO" dirty="0"/>
-              <a:t>Poate fi utilizată de doctori aparținând de diverse clinici, p</a:t>
-            </a:r>
-            <a:r>
-              <a:rPr lang="en-US" dirty="0" err="1"/>
-              <a:t>entru</a:t>
-            </a:r>
-            <a:r>
-              <a:rPr lang="en-US" dirty="0"/>
-              <a:t> a </a:t>
-            </a:r>
-            <a:r>
-              <a:rPr lang="en-US" dirty="0" err="1"/>
-              <a:t>avantaja</a:t>
-            </a:r>
-            <a:r>
-              <a:rPr lang="en-US" dirty="0"/>
               <a:t> </a:t>
             </a:r>
-            <a:r>
-              <a:rPr lang="en-US" dirty="0" err="1"/>
-              <a:t>pacien</a:t>
-            </a:r>
-            <a:r>
-              <a:rPr lang="ro-RO" dirty="0"/>
-              <a:t>ții.</a:t>
-            </a:r>
-          </a:p>
-          <a:p>
-            <a:r>
-              <a:rPr lang="ro-RO" dirty="0"/>
-              <a:t>Provocare atât pe front-</a:t>
-            </a:r>
-            <a:r>
-              <a:rPr lang="ro-RO" dirty="0" err="1"/>
-              <a:t>end</a:t>
-            </a:r>
-            <a:r>
-              <a:rPr lang="ro-RO" dirty="0"/>
-              <a:t> (deoarece nu m-am înțeles bine cu această parte la început, </a:t>
-            </a:r>
-          </a:p>
-          <a:p>
-            <a:r>
-              <a:rPr lang="ro-RO" dirty="0"/>
-              <a:t>    dar spre final m-am împăcat cu ea), cât și pe back-</a:t>
-            </a:r>
-            <a:r>
-              <a:rPr lang="ro-RO" dirty="0" err="1"/>
-              <a:t>end</a:t>
-            </a:r>
-            <a:r>
-              <a:rPr lang="ro-RO" dirty="0"/>
-              <a:t> (datorită erorilor întâmpinate).</a:t>
-            </a:r>
-            <a:endParaRPr lang="en-US" dirty="0"/>
-          </a:p>
-          <a:p>
-            <a:r>
-              <a:rPr lang="en-US" dirty="0"/>
-              <a:t>Am </a:t>
-            </a:r>
-            <a:r>
-              <a:rPr lang="ro-RO" dirty="0"/>
-              <a:t>învățat să îmi notez toate ideile care apar, deoarece poate exista potențial.</a:t>
-            </a:r>
-          </a:p>
-          <a:p>
-            <a:r>
-              <a:rPr lang="ro-RO" dirty="0"/>
-              <a:t>-</a:t>
-            </a:r>
+            <a:endParaRPr lang="ro-RO" dirty="0"/>
           </a:p>
         </p:txBody>
       </p:sp>
@@ -1496,7 +1624,7 @@
     </p:spTree>
     <p:extLst>
       <p:ext uri="{BB962C8B-B14F-4D97-AF65-F5344CB8AC3E}">
-        <p14:creationId xmlns:p14="http://schemas.microsoft.com/office/powerpoint/2010/main" val="413326989"/>
+        <p14:creationId xmlns:p14="http://schemas.microsoft.com/office/powerpoint/2010/main" val="217159824"/>
       </p:ext>
     </p:extLst>
   </p:cSld>
@@ -1784,7 +1912,7 @@
           <a:p>
             <a:fld id="{C958B2B8-5FD4-4030-B628-1B443C369329}" type="datetime1">
               <a:rPr lang="en-US" smtClean="0"/>
-              <a:t>6/29/2018</a:t>
+              <a:t>7/1/2018</a:t>
             </a:fld>
             <a:endParaRPr lang="en-US" dirty="0"/>
           </a:p>
@@ -2216,7 +2344,7 @@
           <a:p>
             <a:fld id="{1D802565-6F02-4A1A-83AC-1EA7FE8603A1}" type="datetime1">
               <a:rPr lang="en-US" smtClean="0"/>
-              <a:t>6/29/2018</a:t>
+              <a:t>7/1/2018</a:t>
             </a:fld>
             <a:endParaRPr lang="en-US" dirty="0"/>
           </a:p>
@@ -2462,7 +2590,7 @@
           <a:p>
             <a:fld id="{0A6C096E-90A1-4C77-BB68-5F1F79236B47}" type="datetime1">
               <a:rPr lang="en-US" smtClean="0"/>
-              <a:t>6/29/2018</a:t>
+              <a:t>7/1/2018</a:t>
             </a:fld>
             <a:endParaRPr lang="en-US" dirty="0"/>
           </a:p>
@@ -2766,7 +2894,7 @@
           <a:p>
             <a:fld id="{2AF27C5E-9936-47B0-A7AB-8B5F9D97BF7F}" type="datetime1">
               <a:rPr lang="en-US" smtClean="0"/>
-              <a:t>6/29/2018</a:t>
+              <a:t>7/1/2018</a:t>
             </a:fld>
             <a:endParaRPr lang="en-US" dirty="0"/>
           </a:p>
@@ -3080,7 +3208,7 @@
           <a:p>
             <a:fld id="{45B85652-381A-43F0-83E5-5E7143C0D722}" type="datetime1">
               <a:rPr lang="en-US" smtClean="0"/>
-              <a:t>6/29/2018</a:t>
+              <a:t>7/1/2018</a:t>
             </a:fld>
             <a:endParaRPr lang="en-US" dirty="0"/>
           </a:p>
@@ -3378,7 +3506,7 @@
           <a:p>
             <a:fld id="{58252319-1FA4-4855-BFE5-707997E6B1B2}" type="datetime1">
               <a:rPr lang="en-US" smtClean="0"/>
-              <a:t>6/29/2018</a:t>
+              <a:t>7/1/2018</a:t>
             </a:fld>
             <a:endParaRPr lang="en-US" dirty="0"/>
           </a:p>
@@ -3741,7 +3869,7 @@
           <a:p>
             <a:fld id="{896CFD1C-58B6-4B7E-80C5-C431EDCE5E80}" type="datetime1">
               <a:rPr lang="en-US" smtClean="0"/>
-              <a:t>6/29/2018</a:t>
+              <a:t>7/1/2018</a:t>
             </a:fld>
             <a:endParaRPr lang="en-US" dirty="0"/>
           </a:p>
@@ -3911,7 +4039,7 @@
           <a:p>
             <a:fld id="{175F9B8A-C049-496A-B282-30964A6CE656}" type="datetime1">
               <a:rPr lang="en-US" smtClean="0"/>
-              <a:t>6/29/2018</a:t>
+              <a:t>7/1/2018</a:t>
             </a:fld>
             <a:endParaRPr lang="en-US" dirty="0"/>
           </a:p>
@@ -4087,7 +4215,7 @@
           <a:p>
             <a:fld id="{4F78F913-0A29-416B-9809-244D70044AE6}" type="datetime1">
               <a:rPr lang="en-US" smtClean="0"/>
-              <a:t>6/29/2018</a:t>
+              <a:t>7/1/2018</a:t>
             </a:fld>
             <a:endParaRPr lang="en-US" dirty="0"/>
           </a:p>
@@ -4253,7 +4381,7 @@
           <a:p>
             <a:fld id="{51F6254D-21E2-429F-B828-59B6F855C1D6}" type="datetime1">
               <a:rPr lang="en-US" smtClean="0"/>
-              <a:t>6/29/2018</a:t>
+              <a:t>7/1/2018</a:t>
             </a:fld>
             <a:endParaRPr lang="en-US" dirty="0"/>
           </a:p>
@@ -4499,7 +4627,7 @@
           <a:p>
             <a:fld id="{E06C85DE-F8B0-4C19-8645-E1AAF8C11D03}" type="datetime1">
               <a:rPr lang="en-US" smtClean="0"/>
-              <a:t>6/29/2018</a:t>
+              <a:t>7/1/2018</a:t>
             </a:fld>
             <a:endParaRPr lang="en-US" dirty="0"/>
           </a:p>
@@ -4731,7 +4859,7 @@
           <a:p>
             <a:fld id="{14665515-A5A2-45E2-9A85-819308C1EC03}" type="datetime1">
               <a:rPr lang="en-US" smtClean="0"/>
-              <a:t>6/29/2018</a:t>
+              <a:t>7/1/2018</a:t>
             </a:fld>
             <a:endParaRPr lang="en-US" dirty="0"/>
           </a:p>
@@ -5109,7 +5237,7 @@
           <a:p>
             <a:fld id="{0E9F3CE2-3339-45DD-AE9F-90F9BDB0384B}" type="datetime1">
               <a:rPr lang="en-US" smtClean="0"/>
-              <a:t>6/29/2018</a:t>
+              <a:t>7/1/2018</a:t>
             </a:fld>
             <a:endParaRPr lang="en-US" dirty="0"/>
           </a:p>
@@ -5223,7 +5351,7 @@
           <a:p>
             <a:fld id="{B722747C-D21A-4C05-AE56-93898B266987}" type="datetime1">
               <a:rPr lang="en-US" smtClean="0"/>
-              <a:t>6/29/2018</a:t>
+              <a:t>7/1/2018</a:t>
             </a:fld>
             <a:endParaRPr lang="en-US" dirty="0"/>
           </a:p>
@@ -5314,7 +5442,7 @@
           <a:p>
             <a:fld id="{1357CAB8-2962-4BCB-9060-900D11BE3456}" type="datetime1">
               <a:rPr lang="en-US" smtClean="0"/>
-              <a:t>6/29/2018</a:t>
+              <a:t>7/1/2018</a:t>
             </a:fld>
             <a:endParaRPr lang="en-US" dirty="0"/>
           </a:p>
@@ -5565,7 +5693,7 @@
           <a:p>
             <a:fld id="{5D8138E5-C557-4625-96B1-9DEC121BA909}" type="datetime1">
               <a:rPr lang="en-US" smtClean="0"/>
-              <a:t>6/29/2018</a:t>
+              <a:t>7/1/2018</a:t>
             </a:fld>
             <a:endParaRPr lang="en-US" dirty="0"/>
           </a:p>
@@ -5844,7 +5972,7 @@
           <a:p>
             <a:fld id="{674720CD-71A8-4CD4-8D68-650339AF4228}" type="datetime1">
               <a:rPr lang="en-US" smtClean="0"/>
-              <a:t>6/29/2018</a:t>
+              <a:t>7/1/2018</a:t>
             </a:fld>
             <a:endParaRPr lang="en-US" dirty="0"/>
           </a:p>
@@ -6246,7 +6374,7 @@
           <a:p>
             <a:fld id="{355DA942-3E01-4482-923D-88CEBE6B88B5}" type="datetime1">
               <a:rPr lang="en-US" smtClean="0"/>
-              <a:t>6/29/2018</a:t>
+              <a:t>7/1/2018</a:t>
             </a:fld>
             <a:endParaRPr lang="en-US" dirty="0"/>
           </a:p>
@@ -6778,36 +6906,6 @@
           <a:chExt cx="0" cy="0"/>
         </a:xfrm>
       </p:grpSpPr>
-    </p:spTree>
-    <p:extLst>
-      <p:ext uri="{BB962C8B-B14F-4D97-AF65-F5344CB8AC3E}">
-        <p14:creationId xmlns:p14="http://schemas.microsoft.com/office/powerpoint/2010/main" val="3101487051"/>
-      </p:ext>
-    </p:extLst>
-  </p:cSld>
-  <p:clrMapOvr>
-    <a:masterClrMapping/>
-  </p:clrMapOvr>
-</p:sld>
-</file>
-
-<file path=ppt/slides/slide2.xml><?xml version="1.0" encoding="utf-8"?>
-<p:sld xmlns:a="http://schemas.openxmlformats.org/drawingml/2006/main" xmlns:r="http://schemas.openxmlformats.org/officeDocument/2006/relationships" xmlns:p="http://schemas.openxmlformats.org/presentationml/2006/main">
-  <p:cSld>
-    <p:spTree>
-      <p:nvGrpSpPr>
-        <p:cNvPr id="1" name=""/>
-        <p:cNvGrpSpPr/>
-        <p:nvPr/>
-      </p:nvGrpSpPr>
-      <p:grpSpPr>
-        <a:xfrm>
-          <a:off x="0" y="0"/>
-          <a:ext cx="0" cy="0"/>
-          <a:chOff x="0" y="0"/>
-          <a:chExt cx="0" cy="0"/>
-        </a:xfrm>
-      </p:grpSpPr>
       <p:sp>
         <p:nvSpPr>
           <p:cNvPr id="3" name="Subtitle 2">
@@ -7024,6 +7122,658 @@
     <p:extLst>
       <p:ext uri="{BB962C8B-B14F-4D97-AF65-F5344CB8AC3E}">
         <p14:creationId xmlns:p14="http://schemas.microsoft.com/office/powerpoint/2010/main" val="3107854468"/>
+      </p:ext>
+    </p:extLst>
+  </p:cSld>
+  <p:clrMapOvr>
+    <a:masterClrMapping/>
+  </p:clrMapOvr>
+  <mc:AlternateContent xmlns:mc="http://schemas.openxmlformats.org/markup-compatibility/2006" xmlns:p14="http://schemas.microsoft.com/office/powerpoint/2010/main">
+    <mc:Choice Requires="p14">
+      <p:transition spd="med" p14:dur="700">
+        <p:fade/>
+      </p:transition>
+    </mc:Choice>
+    <mc:Fallback xmlns="">
+      <p:transition spd="med">
+        <p:fade/>
+      </p:transition>
+    </mc:Fallback>
+  </mc:AlternateContent>
+</p:sld>
+</file>
+
+<file path=ppt/slides/slide2.xml><?xml version="1.0" encoding="utf-8"?>
+<p:sld xmlns:a="http://schemas.openxmlformats.org/drawingml/2006/main" xmlns:r="http://schemas.openxmlformats.org/officeDocument/2006/relationships" xmlns:p="http://schemas.openxmlformats.org/presentationml/2006/main">
+  <p:cSld>
+    <p:spTree>
+      <p:nvGrpSpPr>
+        <p:cNvPr id="1" name=""/>
+        <p:cNvGrpSpPr/>
+        <p:nvPr/>
+      </p:nvGrpSpPr>
+      <p:grpSpPr>
+        <a:xfrm>
+          <a:off x="0" y="0"/>
+          <a:ext cx="0" cy="0"/>
+          <a:chOff x="0" y="0"/>
+          <a:chExt cx="0" cy="0"/>
+        </a:xfrm>
+      </p:grpSpPr>
+      <p:sp>
+        <p:nvSpPr>
+          <p:cNvPr id="10" name="Title 1">
+            <a:extLst>
+              <a:ext uri="{FF2B5EF4-FFF2-40B4-BE49-F238E27FC236}">
+                <a16:creationId xmlns:a16="http://schemas.microsoft.com/office/drawing/2014/main" id="{11255B02-C024-4A77-ADDD-1896DBD6602F}"/>
+              </a:ext>
+            </a:extLst>
+          </p:cNvPr>
+          <p:cNvSpPr txBox="1">
+            <a:spLocks/>
+          </p:cNvSpPr>
+          <p:nvPr/>
+        </p:nvSpPr>
+        <p:spPr>
+          <a:xfrm>
+            <a:off x="1610516" y="911012"/>
+            <a:ext cx="4368252" cy="1507067"/>
+          </a:xfrm>
+          <a:prstGeom prst="rect">
+            <a:avLst/>
+          </a:prstGeom>
+          <a:effectLst/>
+        </p:spPr>
+        <p:txBody>
+          <a:bodyPr vert="horz" lIns="91440" tIns="45720" rIns="91440" bIns="45720" rtlCol="0" anchor="t">
+            <a:normAutofit/>
+          </a:bodyPr>
+          <a:lstStyle>
+            <a:lvl1pPr algn="l" defTabSz="457200" rtl="0" eaLnBrk="1" latinLnBrk="0" hangingPunct="1">
+              <a:spcBef>
+                <a:spcPct val="0"/>
+              </a:spcBef>
+              <a:buNone/>
+              <a:defRPr sz="4800" kern="1200" cap="all">
+                <a:ln w="3175" cmpd="sng">
+                  <a:noFill/>
+                </a:ln>
+                <a:solidFill>
+                  <a:schemeClr val="tx1"/>
+                </a:solidFill>
+                <a:effectLst/>
+                <a:latin typeface="+mj-lt"/>
+                <a:ea typeface="+mj-ea"/>
+                <a:cs typeface="+mj-cs"/>
+              </a:defRPr>
+            </a:lvl1pPr>
+            <a:lvl2pPr eaLnBrk="1" hangingPunct="1">
+              <a:defRPr>
+                <a:solidFill>
+                  <a:schemeClr val="tx2"/>
+                </a:solidFill>
+              </a:defRPr>
+            </a:lvl2pPr>
+            <a:lvl3pPr eaLnBrk="1" hangingPunct="1">
+              <a:defRPr>
+                <a:solidFill>
+                  <a:schemeClr val="tx2"/>
+                </a:solidFill>
+              </a:defRPr>
+            </a:lvl3pPr>
+            <a:lvl4pPr eaLnBrk="1" hangingPunct="1">
+              <a:defRPr>
+                <a:solidFill>
+                  <a:schemeClr val="tx2"/>
+                </a:solidFill>
+              </a:defRPr>
+            </a:lvl4pPr>
+            <a:lvl5pPr eaLnBrk="1" hangingPunct="1">
+              <a:defRPr>
+                <a:solidFill>
+                  <a:schemeClr val="tx2"/>
+                </a:solidFill>
+              </a:defRPr>
+            </a:lvl5pPr>
+            <a:lvl6pPr eaLnBrk="1" hangingPunct="1">
+              <a:defRPr>
+                <a:solidFill>
+                  <a:schemeClr val="tx2"/>
+                </a:solidFill>
+              </a:defRPr>
+            </a:lvl6pPr>
+            <a:lvl7pPr eaLnBrk="1" hangingPunct="1">
+              <a:defRPr>
+                <a:solidFill>
+                  <a:schemeClr val="tx2"/>
+                </a:solidFill>
+              </a:defRPr>
+            </a:lvl7pPr>
+            <a:lvl8pPr eaLnBrk="1" hangingPunct="1">
+              <a:defRPr>
+                <a:solidFill>
+                  <a:schemeClr val="tx2"/>
+                </a:solidFill>
+              </a:defRPr>
+            </a:lvl8pPr>
+            <a:lvl9pPr eaLnBrk="1" hangingPunct="1">
+              <a:defRPr>
+                <a:solidFill>
+                  <a:schemeClr val="tx2"/>
+                </a:solidFill>
+              </a:defRPr>
+            </a:lvl9pPr>
+          </a:lstStyle>
+          <a:p>
+            <a:pPr algn="ctr"/>
+            <a:r>
+              <a:rPr lang="ro-RO" sz="4400" cap="none" dirty="0">
+                <a:latin typeface="Times New Roman" panose="02020603050405020304" pitchFamily="18" charset="0"/>
+                <a:cs typeface="Times New Roman" panose="02020603050405020304" pitchFamily="18" charset="0"/>
+              </a:rPr>
+              <a:t>Aspect</a:t>
+            </a:r>
+            <a:r>
+              <a:rPr lang="en-US" sz="4400" cap="none" dirty="0">
+                <a:latin typeface="Times New Roman" panose="02020603050405020304" pitchFamily="18" charset="0"/>
+                <a:cs typeface="Times New Roman" panose="02020603050405020304" pitchFamily="18" charset="0"/>
+              </a:rPr>
+              <a:t>e </a:t>
+            </a:r>
+            <a:r>
+              <a:rPr lang="en-US" sz="4400" cap="none" dirty="0" err="1">
+                <a:latin typeface="Times New Roman" panose="02020603050405020304" pitchFamily="18" charset="0"/>
+                <a:cs typeface="Times New Roman" panose="02020603050405020304" pitchFamily="18" charset="0"/>
+              </a:rPr>
+              <a:t>abordate</a:t>
+            </a:r>
+            <a:endParaRPr lang="en-US" sz="4400" cap="none" dirty="0">
+              <a:latin typeface="Times New Roman" panose="02020603050405020304" pitchFamily="18" charset="0"/>
+              <a:cs typeface="Times New Roman" panose="02020603050405020304" pitchFamily="18" charset="0"/>
+            </a:endParaRPr>
+          </a:p>
+        </p:txBody>
+      </p:sp>
+      <p:sp>
+        <p:nvSpPr>
+          <p:cNvPr id="11" name="Content Placeholder 2">
+            <a:extLst>
+              <a:ext uri="{FF2B5EF4-FFF2-40B4-BE49-F238E27FC236}">
+                <a16:creationId xmlns:a16="http://schemas.microsoft.com/office/drawing/2014/main" id="{94AC42C0-3378-40DA-AD4D-AB7990D18D16}"/>
+              </a:ext>
+            </a:extLst>
+          </p:cNvPr>
+          <p:cNvSpPr txBox="1">
+            <a:spLocks/>
+          </p:cNvSpPr>
+          <p:nvPr/>
+        </p:nvSpPr>
+        <p:spPr>
+          <a:xfrm>
+            <a:off x="1610517" y="2240280"/>
+            <a:ext cx="4368252" cy="3615267"/>
+          </a:xfrm>
+          <a:prstGeom prst="rect">
+            <a:avLst/>
+          </a:prstGeom>
+        </p:spPr>
+        <p:txBody>
+          <a:bodyPr vert="horz" lIns="91440" tIns="45720" rIns="91440" bIns="45720" rtlCol="0" anchor="t">
+            <a:normAutofit/>
+          </a:bodyPr>
+          <a:lstStyle>
+            <a:lvl1pPr marL="0" indent="0" algn="l" defTabSz="457200" rtl="0" eaLnBrk="1" latinLnBrk="0" hangingPunct="1">
+              <a:spcBef>
+                <a:spcPct val="20000"/>
+              </a:spcBef>
+              <a:spcAft>
+                <a:spcPts val="600"/>
+              </a:spcAft>
+              <a:buClr>
+                <a:schemeClr val="tx1"/>
+              </a:buClr>
+              <a:buSzPct val="80000"/>
+              <a:buFont typeface="Wingdings 3" panose="05040102010807070707" pitchFamily="18" charset="2"/>
+              <a:buNone/>
+              <a:defRPr sz="2100" kern="1200" cap="none">
+                <a:solidFill>
+                  <a:schemeClr val="bg2">
+                    <a:lumMod val="75000"/>
+                  </a:schemeClr>
+                </a:solidFill>
+                <a:effectLst/>
+                <a:latin typeface="+mn-lt"/>
+                <a:ea typeface="+mn-ea"/>
+                <a:cs typeface="+mn-cs"/>
+              </a:defRPr>
+            </a:lvl1pPr>
+            <a:lvl2pPr marL="457200" indent="0" algn="ctr" defTabSz="457200" rtl="0" eaLnBrk="1" latinLnBrk="0" hangingPunct="1">
+              <a:spcBef>
+                <a:spcPct val="20000"/>
+              </a:spcBef>
+              <a:spcAft>
+                <a:spcPts val="600"/>
+              </a:spcAft>
+              <a:buClr>
+                <a:schemeClr val="tx1"/>
+              </a:buClr>
+              <a:buSzPct val="80000"/>
+              <a:buFont typeface="Wingdings 3" panose="05040102010807070707" pitchFamily="18" charset="2"/>
+              <a:buNone/>
+              <a:defRPr sz="1800" kern="1200" cap="none">
+                <a:solidFill>
+                  <a:schemeClr val="tx1">
+                    <a:tint val="75000"/>
+                  </a:schemeClr>
+                </a:solidFill>
+                <a:effectLst/>
+                <a:latin typeface="+mn-lt"/>
+                <a:ea typeface="+mn-ea"/>
+                <a:cs typeface="+mn-cs"/>
+              </a:defRPr>
+            </a:lvl2pPr>
+            <a:lvl3pPr marL="914400" indent="0" algn="ctr" defTabSz="457200" rtl="0" eaLnBrk="1" latinLnBrk="0" hangingPunct="1">
+              <a:spcBef>
+                <a:spcPct val="20000"/>
+              </a:spcBef>
+              <a:spcAft>
+                <a:spcPts val="600"/>
+              </a:spcAft>
+              <a:buClr>
+                <a:schemeClr val="tx1"/>
+              </a:buClr>
+              <a:buSzPct val="80000"/>
+              <a:buFont typeface="Wingdings 3" panose="05040102010807070707" pitchFamily="18" charset="2"/>
+              <a:buNone/>
+              <a:defRPr sz="1600" kern="1200" cap="none">
+                <a:solidFill>
+                  <a:schemeClr val="tx1">
+                    <a:tint val="75000"/>
+                  </a:schemeClr>
+                </a:solidFill>
+                <a:effectLst/>
+                <a:latin typeface="+mn-lt"/>
+                <a:ea typeface="+mn-ea"/>
+                <a:cs typeface="+mn-cs"/>
+              </a:defRPr>
+            </a:lvl3pPr>
+            <a:lvl4pPr marL="1371600" indent="0" algn="ctr" defTabSz="457200" rtl="0" eaLnBrk="1" latinLnBrk="0" hangingPunct="1">
+              <a:spcBef>
+                <a:spcPct val="20000"/>
+              </a:spcBef>
+              <a:spcAft>
+                <a:spcPts val="600"/>
+              </a:spcAft>
+              <a:buClr>
+                <a:schemeClr val="tx1"/>
+              </a:buClr>
+              <a:buSzPct val="80000"/>
+              <a:buFont typeface="Wingdings 3" panose="05040102010807070707" pitchFamily="18" charset="2"/>
+              <a:buNone/>
+              <a:defRPr sz="1400" kern="1200" cap="none">
+                <a:solidFill>
+                  <a:schemeClr val="tx1">
+                    <a:tint val="75000"/>
+                  </a:schemeClr>
+                </a:solidFill>
+                <a:effectLst/>
+                <a:latin typeface="+mn-lt"/>
+                <a:ea typeface="+mn-ea"/>
+                <a:cs typeface="+mn-cs"/>
+              </a:defRPr>
+            </a:lvl4pPr>
+            <a:lvl5pPr marL="1828800" indent="0" algn="ctr" defTabSz="457200" rtl="0" eaLnBrk="1" latinLnBrk="0" hangingPunct="1">
+              <a:spcBef>
+                <a:spcPct val="20000"/>
+              </a:spcBef>
+              <a:spcAft>
+                <a:spcPts val="600"/>
+              </a:spcAft>
+              <a:buClr>
+                <a:schemeClr val="tx1"/>
+              </a:buClr>
+              <a:buSzPct val="80000"/>
+              <a:buFont typeface="Wingdings 3" panose="05040102010807070707" pitchFamily="18" charset="2"/>
+              <a:buNone/>
+              <a:defRPr sz="1400" kern="1200" cap="none">
+                <a:solidFill>
+                  <a:schemeClr val="tx1">
+                    <a:tint val="75000"/>
+                  </a:schemeClr>
+                </a:solidFill>
+                <a:effectLst/>
+                <a:latin typeface="+mn-lt"/>
+                <a:ea typeface="+mn-ea"/>
+                <a:cs typeface="+mn-cs"/>
+              </a:defRPr>
+            </a:lvl5pPr>
+            <a:lvl6pPr marL="2286000" indent="0" algn="ctr" defTabSz="457200" rtl="0" eaLnBrk="1" latinLnBrk="0" hangingPunct="1">
+              <a:spcBef>
+                <a:spcPct val="20000"/>
+              </a:spcBef>
+              <a:spcAft>
+                <a:spcPts val="600"/>
+              </a:spcAft>
+              <a:buClr>
+                <a:schemeClr val="tx1"/>
+              </a:buClr>
+              <a:buSzPct val="80000"/>
+              <a:buFont typeface="Wingdings 3" panose="05040102010807070707" pitchFamily="18" charset="2"/>
+              <a:buNone/>
+              <a:defRPr sz="1400" kern="1200" cap="none">
+                <a:solidFill>
+                  <a:schemeClr val="tx1">
+                    <a:tint val="75000"/>
+                  </a:schemeClr>
+                </a:solidFill>
+                <a:effectLst/>
+                <a:latin typeface="+mn-lt"/>
+                <a:ea typeface="+mn-ea"/>
+                <a:cs typeface="+mn-cs"/>
+              </a:defRPr>
+            </a:lvl6pPr>
+            <a:lvl7pPr marL="2743200" indent="0" algn="ctr" defTabSz="457200" rtl="0" eaLnBrk="1" latinLnBrk="0" hangingPunct="1">
+              <a:spcBef>
+                <a:spcPct val="20000"/>
+              </a:spcBef>
+              <a:spcAft>
+                <a:spcPts val="600"/>
+              </a:spcAft>
+              <a:buClr>
+                <a:schemeClr val="tx1"/>
+              </a:buClr>
+              <a:buSzPct val="80000"/>
+              <a:buFont typeface="Wingdings 3" panose="05040102010807070707" pitchFamily="18" charset="2"/>
+              <a:buNone/>
+              <a:defRPr sz="1400" kern="1200" cap="none">
+                <a:solidFill>
+                  <a:schemeClr val="tx1">
+                    <a:tint val="75000"/>
+                  </a:schemeClr>
+                </a:solidFill>
+                <a:effectLst/>
+                <a:latin typeface="+mn-lt"/>
+                <a:ea typeface="+mn-ea"/>
+                <a:cs typeface="+mn-cs"/>
+              </a:defRPr>
+            </a:lvl7pPr>
+            <a:lvl8pPr marL="3200400" indent="0" algn="ctr" defTabSz="457200" rtl="0" eaLnBrk="1" latinLnBrk="0" hangingPunct="1">
+              <a:spcBef>
+                <a:spcPct val="20000"/>
+              </a:spcBef>
+              <a:spcAft>
+                <a:spcPts val="600"/>
+              </a:spcAft>
+              <a:buClr>
+                <a:schemeClr val="tx1"/>
+              </a:buClr>
+              <a:buSzPct val="80000"/>
+              <a:buFont typeface="Wingdings 3" panose="05040102010807070707" pitchFamily="18" charset="2"/>
+              <a:buNone/>
+              <a:defRPr sz="1400" kern="1200" cap="none">
+                <a:solidFill>
+                  <a:schemeClr val="tx1">
+                    <a:tint val="75000"/>
+                  </a:schemeClr>
+                </a:solidFill>
+                <a:effectLst/>
+                <a:latin typeface="+mn-lt"/>
+                <a:ea typeface="+mn-ea"/>
+                <a:cs typeface="+mn-cs"/>
+              </a:defRPr>
+            </a:lvl8pPr>
+            <a:lvl9pPr marL="3657600" indent="0" algn="ctr" defTabSz="457200" rtl="0" eaLnBrk="1" latinLnBrk="0" hangingPunct="1">
+              <a:spcBef>
+                <a:spcPct val="20000"/>
+              </a:spcBef>
+              <a:spcAft>
+                <a:spcPts val="600"/>
+              </a:spcAft>
+              <a:buClr>
+                <a:schemeClr val="tx1"/>
+              </a:buClr>
+              <a:buSzPct val="80000"/>
+              <a:buFont typeface="Wingdings 3" panose="05040102010807070707" pitchFamily="18" charset="2"/>
+              <a:buNone/>
+              <a:defRPr sz="1400" kern="1200" cap="none">
+                <a:solidFill>
+                  <a:schemeClr val="tx1">
+                    <a:tint val="75000"/>
+                  </a:schemeClr>
+                </a:solidFill>
+                <a:effectLst/>
+                <a:latin typeface="+mn-lt"/>
+                <a:ea typeface="+mn-ea"/>
+                <a:cs typeface="+mn-cs"/>
+              </a:defRPr>
+            </a:lvl9pPr>
+          </a:lstStyle>
+          <a:p>
+            <a:pPr algn="just">
+              <a:buFont typeface="Arial" panose="020B0604020202020204" pitchFamily="34" charset="0"/>
+              <a:buChar char="•"/>
+            </a:pPr>
+            <a:r>
+              <a:rPr lang="ro-RO" sz="2800" dirty="0">
+                <a:solidFill>
+                  <a:schemeClr val="tx1"/>
+                </a:solidFill>
+                <a:latin typeface="Times New Roman" panose="02020603050405020304" pitchFamily="18" charset="0"/>
+                <a:cs typeface="Times New Roman" panose="02020603050405020304" pitchFamily="18" charset="0"/>
+              </a:rPr>
+              <a:t> Motivația și tema aplicație</a:t>
+            </a:r>
+            <a:r>
+              <a:rPr lang="en-US" sz="2800" dirty="0" err="1">
+                <a:solidFill>
+                  <a:schemeClr val="tx1"/>
+                </a:solidFill>
+                <a:latin typeface="Times New Roman" panose="02020603050405020304" pitchFamily="18" charset="0"/>
+                <a:cs typeface="Times New Roman" panose="02020603050405020304" pitchFamily="18" charset="0"/>
+              </a:rPr>
+              <a:t>i</a:t>
+            </a:r>
+            <a:endParaRPr lang="ro-RO" sz="2800" dirty="0">
+              <a:solidFill>
+                <a:schemeClr val="tx1"/>
+              </a:solidFill>
+              <a:latin typeface="Times New Roman" panose="02020603050405020304" pitchFamily="18" charset="0"/>
+              <a:cs typeface="Times New Roman" panose="02020603050405020304" pitchFamily="18" charset="0"/>
+            </a:endParaRPr>
+          </a:p>
+          <a:p>
+            <a:pPr algn="just">
+              <a:buFont typeface="Arial" panose="020B0604020202020204" pitchFamily="34" charset="0"/>
+              <a:buChar char="•"/>
+            </a:pPr>
+            <a:r>
+              <a:rPr lang="en-US" sz="2800" dirty="0">
+                <a:solidFill>
+                  <a:schemeClr val="tx1"/>
+                </a:solidFill>
+                <a:latin typeface="Times New Roman" panose="02020603050405020304" pitchFamily="18" charset="0"/>
+                <a:cs typeface="Times New Roman" panose="02020603050405020304" pitchFamily="18" charset="0"/>
+              </a:rPr>
+              <a:t> </a:t>
+            </a:r>
+            <a:r>
+              <a:rPr lang="ro-RO" sz="2800" dirty="0">
+                <a:solidFill>
+                  <a:schemeClr val="tx1"/>
+                </a:solidFill>
+                <a:latin typeface="Times New Roman" panose="02020603050405020304" pitchFamily="18" charset="0"/>
+                <a:cs typeface="Times New Roman" panose="02020603050405020304" pitchFamily="18" charset="0"/>
+              </a:rPr>
+              <a:t>Tehnologii </a:t>
+            </a:r>
+            <a:r>
+              <a:rPr lang="en-US" sz="2800" dirty="0" err="1">
+                <a:solidFill>
+                  <a:schemeClr val="tx1"/>
+                </a:solidFill>
+                <a:latin typeface="Times New Roman" panose="02020603050405020304" pitchFamily="18" charset="0"/>
+                <a:cs typeface="Times New Roman" panose="02020603050405020304" pitchFamily="18" charset="0"/>
+              </a:rPr>
+              <a:t>utilizate</a:t>
+            </a:r>
+            <a:endParaRPr lang="ro-RO" sz="2800" dirty="0">
+              <a:solidFill>
+                <a:schemeClr val="tx1"/>
+              </a:solidFill>
+              <a:latin typeface="Times New Roman" panose="02020603050405020304" pitchFamily="18" charset="0"/>
+              <a:cs typeface="Times New Roman" panose="02020603050405020304" pitchFamily="18" charset="0"/>
+            </a:endParaRPr>
+          </a:p>
+          <a:p>
+            <a:pPr algn="just">
+              <a:buFont typeface="Arial" panose="020B0604020202020204" pitchFamily="34" charset="0"/>
+              <a:buChar char="•"/>
+            </a:pPr>
+            <a:r>
+              <a:rPr lang="ro-RO" sz="2800" dirty="0">
+                <a:solidFill>
+                  <a:schemeClr val="tx1"/>
+                </a:solidFill>
+                <a:latin typeface="Times New Roman" panose="02020603050405020304" pitchFamily="18" charset="0"/>
+                <a:cs typeface="Times New Roman" panose="02020603050405020304" pitchFamily="18" charset="0"/>
+              </a:rPr>
+              <a:t> Contribuții</a:t>
+            </a:r>
+          </a:p>
+          <a:p>
+            <a:pPr algn="just">
+              <a:buFont typeface="Arial" panose="020B0604020202020204" pitchFamily="34" charset="0"/>
+              <a:buChar char="•"/>
+            </a:pPr>
+            <a:r>
+              <a:rPr lang="ro-RO" sz="2800" dirty="0">
+                <a:solidFill>
+                  <a:schemeClr val="tx1"/>
+                </a:solidFill>
+                <a:latin typeface="Times New Roman" panose="02020603050405020304" pitchFamily="18" charset="0"/>
+                <a:cs typeface="Times New Roman" panose="02020603050405020304" pitchFamily="18" charset="0"/>
+              </a:rPr>
+              <a:t> </a:t>
+            </a:r>
+            <a:r>
+              <a:rPr lang="ro-RO" sz="2800" dirty="0" err="1">
+                <a:solidFill>
+                  <a:schemeClr val="tx1"/>
+                </a:solidFill>
+                <a:latin typeface="Times New Roman" panose="02020603050405020304" pitchFamily="18" charset="0"/>
+                <a:cs typeface="Times New Roman" panose="02020603050405020304" pitchFamily="18" charset="0"/>
+              </a:rPr>
+              <a:t>Demo</a:t>
+            </a:r>
+            <a:endParaRPr lang="en-US" sz="2800" dirty="0">
+              <a:solidFill>
+                <a:schemeClr val="tx1"/>
+              </a:solidFill>
+              <a:latin typeface="Times New Roman" panose="02020603050405020304" pitchFamily="18" charset="0"/>
+              <a:cs typeface="Times New Roman" panose="02020603050405020304" pitchFamily="18" charset="0"/>
+            </a:endParaRPr>
+          </a:p>
+          <a:p>
+            <a:pPr algn="just">
+              <a:buFont typeface="Arial" panose="020B0604020202020204" pitchFamily="34" charset="0"/>
+              <a:buChar char="•"/>
+            </a:pPr>
+            <a:r>
+              <a:rPr lang="en-US" sz="2800" dirty="0">
+                <a:solidFill>
+                  <a:schemeClr val="tx1"/>
+                </a:solidFill>
+                <a:latin typeface="Times New Roman" panose="02020603050405020304" pitchFamily="18" charset="0"/>
+                <a:cs typeface="Times New Roman" panose="02020603050405020304" pitchFamily="18" charset="0"/>
+              </a:rPr>
+              <a:t> </a:t>
+            </a:r>
+            <a:r>
+              <a:rPr lang="en-US" sz="2800" dirty="0" err="1">
+                <a:solidFill>
+                  <a:schemeClr val="tx1"/>
+                </a:solidFill>
+                <a:latin typeface="Times New Roman" panose="02020603050405020304" pitchFamily="18" charset="0"/>
+                <a:cs typeface="Times New Roman" panose="02020603050405020304" pitchFamily="18" charset="0"/>
+              </a:rPr>
+              <a:t>Concluzii</a:t>
+            </a:r>
+            <a:endParaRPr lang="ro-RO" sz="2800" dirty="0">
+              <a:solidFill>
+                <a:schemeClr val="tx1"/>
+              </a:solidFill>
+              <a:latin typeface="Times New Roman" panose="02020603050405020304" pitchFamily="18" charset="0"/>
+              <a:cs typeface="Times New Roman" panose="02020603050405020304" pitchFamily="18" charset="0"/>
+            </a:endParaRPr>
+          </a:p>
+          <a:p>
+            <a:pPr algn="just">
+              <a:buFont typeface="Arial" panose="020B0604020202020204" pitchFamily="34" charset="0"/>
+              <a:buChar char="•"/>
+            </a:pPr>
+            <a:r>
+              <a:rPr lang="ro-RO" sz="2800" dirty="0">
+                <a:solidFill>
+                  <a:schemeClr val="tx1"/>
+                </a:solidFill>
+                <a:latin typeface="Times New Roman" panose="02020603050405020304" pitchFamily="18" charset="0"/>
+                <a:cs typeface="Times New Roman" panose="02020603050405020304" pitchFamily="18" charset="0"/>
+              </a:rPr>
+              <a:t> </a:t>
+            </a:r>
+            <a:r>
+              <a:rPr lang="ro-RO" sz="2800" dirty="0" err="1">
+                <a:solidFill>
+                  <a:schemeClr val="tx1"/>
+                </a:solidFill>
+                <a:latin typeface="Times New Roman" panose="02020603050405020304" pitchFamily="18" charset="0"/>
+                <a:cs typeface="Times New Roman" panose="02020603050405020304" pitchFamily="18" charset="0"/>
+              </a:rPr>
+              <a:t>Q&amp;A</a:t>
+            </a:r>
+            <a:endParaRPr lang="ro-RO" sz="2800" dirty="0">
+              <a:solidFill>
+                <a:schemeClr val="tx1"/>
+              </a:solidFill>
+              <a:latin typeface="Times New Roman" panose="02020603050405020304" pitchFamily="18" charset="0"/>
+              <a:cs typeface="Times New Roman" panose="02020603050405020304" pitchFamily="18" charset="0"/>
+            </a:endParaRPr>
+          </a:p>
+        </p:txBody>
+      </p:sp>
+      <p:sp>
+        <p:nvSpPr>
+          <p:cNvPr id="4" name="Slide Number Placeholder 3">
+            <a:extLst>
+              <a:ext uri="{FF2B5EF4-FFF2-40B4-BE49-F238E27FC236}">
+                <a16:creationId xmlns:a16="http://schemas.microsoft.com/office/drawing/2014/main" id="{FE830B38-E125-4481-BED6-8B464B6CB7B3}"/>
+              </a:ext>
+            </a:extLst>
+          </p:cNvPr>
+          <p:cNvSpPr>
+            <a:spLocks noGrp="1"/>
+          </p:cNvSpPr>
+          <p:nvPr>
+            <p:ph type="sldNum" sz="quarter" idx="12"/>
+          </p:nvPr>
+        </p:nvSpPr>
+        <p:spPr/>
+        <p:txBody>
+          <a:bodyPr/>
+          <a:lstStyle/>
+          <a:p>
+            <a:r>
+              <a:rPr lang="ro-RO" dirty="0"/>
+              <a:t>2</a:t>
+            </a:r>
+            <a:endParaRPr lang="en-US" dirty="0"/>
+          </a:p>
+        </p:txBody>
+      </p:sp>
+    </p:spTree>
+    <p:extLst>
+      <p:ext uri="{BB962C8B-B14F-4D97-AF65-F5344CB8AC3E}">
+        <p14:creationId xmlns:p14="http://schemas.microsoft.com/office/powerpoint/2010/main" val="2671620936"/>
       </p:ext>
     </p:extLst>
   </p:cSld>
@@ -7064,407 +7814,219 @@
       </p:grpSpPr>
       <p:sp>
         <p:nvSpPr>
-          <p:cNvPr id="10" name="Title 1">
+          <p:cNvPr id="7" name="TextBox 6">
             <a:extLst>
               <a:ext uri="{FF2B5EF4-FFF2-40B4-BE49-F238E27FC236}">
-                <a16:creationId xmlns:a16="http://schemas.microsoft.com/office/drawing/2014/main" id="{11255B02-C024-4A77-ADDD-1896DBD6602F}"/>
+                <a16:creationId xmlns:a16="http://schemas.microsoft.com/office/drawing/2014/main" id="{2F9DBB9D-B2CD-48C4-9A3C-26C9A524A502}"/>
               </a:ext>
             </a:extLst>
           </p:cNvPr>
-          <p:cNvSpPr txBox="1">
-            <a:spLocks/>
-          </p:cNvSpPr>
+          <p:cNvSpPr txBox="1"/>
           <p:nvPr/>
         </p:nvSpPr>
         <p:spPr>
           <a:xfrm>
-            <a:off x="1610516" y="911012"/>
-            <a:ext cx="4368252" cy="1507067"/>
+            <a:off x="3613256" y="517646"/>
+            <a:ext cx="4965487" cy="584775"/>
           </a:xfrm>
           <a:prstGeom prst="rect">
             <a:avLst/>
           </a:prstGeom>
-          <a:effectLst/>
+          <a:noFill/>
         </p:spPr>
         <p:txBody>
-          <a:bodyPr vert="horz" lIns="91440" tIns="45720" rIns="91440" bIns="45720" rtlCol="0" anchor="t">
-            <a:normAutofit/>
+          <a:bodyPr wrap="square" rtlCol="0">
+            <a:spAutoFit/>
           </a:bodyPr>
-          <a:lstStyle>
-            <a:lvl1pPr algn="l" defTabSz="457200" rtl="0" eaLnBrk="1" latinLnBrk="0" hangingPunct="1">
-              <a:spcBef>
-                <a:spcPct val="0"/>
-              </a:spcBef>
-              <a:buNone/>
-              <a:defRPr sz="4800" kern="1200" cap="all">
-                <a:ln w="3175" cmpd="sng">
-                  <a:noFill/>
-                </a:ln>
-                <a:solidFill>
-                  <a:schemeClr val="tx1"/>
-                </a:solidFill>
-                <a:effectLst/>
-                <a:latin typeface="+mj-lt"/>
-                <a:ea typeface="+mj-ea"/>
-                <a:cs typeface="+mj-cs"/>
-              </a:defRPr>
-            </a:lvl1pPr>
-            <a:lvl2pPr eaLnBrk="1" hangingPunct="1">
-              <a:defRPr>
-                <a:solidFill>
-                  <a:schemeClr val="tx2"/>
-                </a:solidFill>
-              </a:defRPr>
-            </a:lvl2pPr>
-            <a:lvl3pPr eaLnBrk="1" hangingPunct="1">
-              <a:defRPr>
-                <a:solidFill>
-                  <a:schemeClr val="tx2"/>
-                </a:solidFill>
-              </a:defRPr>
-            </a:lvl3pPr>
-            <a:lvl4pPr eaLnBrk="1" hangingPunct="1">
-              <a:defRPr>
-                <a:solidFill>
-                  <a:schemeClr val="tx2"/>
-                </a:solidFill>
-              </a:defRPr>
-            </a:lvl4pPr>
-            <a:lvl5pPr eaLnBrk="1" hangingPunct="1">
-              <a:defRPr>
-                <a:solidFill>
-                  <a:schemeClr val="tx2"/>
-                </a:solidFill>
-              </a:defRPr>
-            </a:lvl5pPr>
-            <a:lvl6pPr eaLnBrk="1" hangingPunct="1">
-              <a:defRPr>
-                <a:solidFill>
-                  <a:schemeClr val="tx2"/>
-                </a:solidFill>
-              </a:defRPr>
-            </a:lvl6pPr>
-            <a:lvl7pPr eaLnBrk="1" hangingPunct="1">
-              <a:defRPr>
-                <a:solidFill>
-                  <a:schemeClr val="tx2"/>
-                </a:solidFill>
-              </a:defRPr>
-            </a:lvl7pPr>
-            <a:lvl8pPr eaLnBrk="1" hangingPunct="1">
-              <a:defRPr>
-                <a:solidFill>
-                  <a:schemeClr val="tx2"/>
-                </a:solidFill>
-              </a:defRPr>
-            </a:lvl8pPr>
-            <a:lvl9pPr eaLnBrk="1" hangingPunct="1">
-              <a:defRPr>
-                <a:solidFill>
-                  <a:schemeClr val="tx2"/>
-                </a:solidFill>
-              </a:defRPr>
-            </a:lvl9pPr>
-          </a:lstStyle>
+          <a:lstStyle/>
           <a:p>
             <a:pPr algn="ctr"/>
             <a:r>
-              <a:rPr lang="ro-RO" sz="4400" cap="none" dirty="0" err="1">
-                <a:latin typeface="Times New Roman" panose="02020603050405020304" pitchFamily="18" charset="0"/>
-                <a:cs typeface="Times New Roman" panose="02020603050405020304" pitchFamily="18" charset="0"/>
-              </a:rPr>
-              <a:t>Cuprin</a:t>
-            </a:r>
-            <a:r>
-              <a:rPr lang="en-US" sz="4400" cap="none" dirty="0">
-                <a:latin typeface="Times New Roman" panose="02020603050405020304" pitchFamily="18" charset="0"/>
-                <a:cs typeface="Times New Roman" panose="02020603050405020304" pitchFamily="18" charset="0"/>
-              </a:rPr>
-              <a:t>s</a:t>
-            </a:r>
-          </a:p>
-        </p:txBody>
-      </p:sp>
-      <p:sp>
-        <p:nvSpPr>
-          <p:cNvPr id="11" name="Content Placeholder 2">
+              <a:rPr lang="en-US" sz="3200" dirty="0">
+                <a:latin typeface="Times New Roman" panose="02020603050405020304" pitchFamily="18" charset="0"/>
+                <a:cs typeface="Times New Roman" panose="02020603050405020304" pitchFamily="18" charset="0"/>
+              </a:rPr>
+              <a:t>Motiva</a:t>
+            </a:r>
+            <a:r>
+              <a:rPr lang="ro-RO" sz="3200" dirty="0" err="1">
+                <a:latin typeface="Times New Roman" panose="02020603050405020304" pitchFamily="18" charset="0"/>
+                <a:cs typeface="Times New Roman" panose="02020603050405020304" pitchFamily="18" charset="0"/>
+              </a:rPr>
+              <a:t>ția</a:t>
+            </a:r>
+            <a:r>
+              <a:rPr lang="ro-RO" sz="3200" dirty="0">
+                <a:latin typeface="Times New Roman" panose="02020603050405020304" pitchFamily="18" charset="0"/>
+                <a:cs typeface="Times New Roman" panose="02020603050405020304" pitchFamily="18" charset="0"/>
+              </a:rPr>
+              <a:t> și tema aplicației</a:t>
+            </a:r>
+          </a:p>
+        </p:txBody>
+      </p:sp>
+      <p:sp>
+        <p:nvSpPr>
+          <p:cNvPr id="3" name="Content Placeholder 2">
             <a:extLst>
               <a:ext uri="{FF2B5EF4-FFF2-40B4-BE49-F238E27FC236}">
-                <a16:creationId xmlns:a16="http://schemas.microsoft.com/office/drawing/2014/main" id="{94AC42C0-3378-40DA-AD4D-AB7990D18D16}"/>
+                <a16:creationId xmlns:a16="http://schemas.microsoft.com/office/drawing/2014/main" id="{0C216386-99E4-4D88-B0EB-083C6F76DBD5}"/>
               </a:ext>
             </a:extLst>
           </p:cNvPr>
-          <p:cNvSpPr txBox="1">
-            <a:spLocks/>
-          </p:cNvSpPr>
-          <p:nvPr/>
+          <p:cNvSpPr>
+            <a:spLocks noGrp="1"/>
+          </p:cNvSpPr>
+          <p:nvPr>
+            <p:ph idx="1"/>
+          </p:nvPr>
         </p:nvSpPr>
         <p:spPr>
           <a:xfrm>
-            <a:off x="1610517" y="2240280"/>
-            <a:ext cx="4368252" cy="3615267"/>
+            <a:off x="732137" y="1345221"/>
+            <a:ext cx="10727723" cy="3191609"/>
           </a:xfrm>
-          <a:prstGeom prst="rect">
-            <a:avLst/>
-          </a:prstGeom>
         </p:spPr>
         <p:txBody>
-          <a:bodyPr vert="horz" lIns="91440" tIns="45720" rIns="91440" bIns="45720" rtlCol="0" anchor="t">
-            <a:normAutofit/>
+          <a:bodyPr anchor="t">
+            <a:noAutofit/>
           </a:bodyPr>
-          <a:lstStyle>
-            <a:lvl1pPr marL="0" indent="0" algn="l" defTabSz="457200" rtl="0" eaLnBrk="1" latinLnBrk="0" hangingPunct="1">
-              <a:spcBef>
-                <a:spcPct val="20000"/>
-              </a:spcBef>
-              <a:spcAft>
-                <a:spcPts val="600"/>
-              </a:spcAft>
-              <a:buClr>
-                <a:schemeClr val="tx1"/>
-              </a:buClr>
-              <a:buSzPct val="80000"/>
-              <a:buFont typeface="Wingdings 3" panose="05040102010807070707" pitchFamily="18" charset="2"/>
-              <a:buNone/>
-              <a:defRPr sz="2100" kern="1200" cap="none">
-                <a:solidFill>
-                  <a:schemeClr val="bg2">
-                    <a:lumMod val="75000"/>
-                  </a:schemeClr>
-                </a:solidFill>
-                <a:effectLst/>
-                <a:latin typeface="+mn-lt"/>
-                <a:ea typeface="+mn-ea"/>
-                <a:cs typeface="+mn-cs"/>
-              </a:defRPr>
-            </a:lvl1pPr>
-            <a:lvl2pPr marL="457200" indent="0" algn="ctr" defTabSz="457200" rtl="0" eaLnBrk="1" latinLnBrk="0" hangingPunct="1">
-              <a:spcBef>
-                <a:spcPct val="20000"/>
-              </a:spcBef>
-              <a:spcAft>
-                <a:spcPts val="600"/>
-              </a:spcAft>
-              <a:buClr>
-                <a:schemeClr val="tx1"/>
-              </a:buClr>
-              <a:buSzPct val="80000"/>
-              <a:buFont typeface="Wingdings 3" panose="05040102010807070707" pitchFamily="18" charset="2"/>
-              <a:buNone/>
-              <a:defRPr sz="1800" kern="1200" cap="none">
-                <a:solidFill>
-                  <a:schemeClr val="tx1">
-                    <a:tint val="75000"/>
-                  </a:schemeClr>
-                </a:solidFill>
-                <a:effectLst/>
-                <a:latin typeface="+mn-lt"/>
-                <a:ea typeface="+mn-ea"/>
-                <a:cs typeface="+mn-cs"/>
-              </a:defRPr>
-            </a:lvl2pPr>
-            <a:lvl3pPr marL="914400" indent="0" algn="ctr" defTabSz="457200" rtl="0" eaLnBrk="1" latinLnBrk="0" hangingPunct="1">
-              <a:spcBef>
-                <a:spcPct val="20000"/>
-              </a:spcBef>
-              <a:spcAft>
-                <a:spcPts val="600"/>
-              </a:spcAft>
-              <a:buClr>
-                <a:schemeClr val="tx1"/>
-              </a:buClr>
-              <a:buSzPct val="80000"/>
-              <a:buFont typeface="Wingdings 3" panose="05040102010807070707" pitchFamily="18" charset="2"/>
-              <a:buNone/>
-              <a:defRPr sz="1600" kern="1200" cap="none">
-                <a:solidFill>
-                  <a:schemeClr val="tx1">
-                    <a:tint val="75000"/>
-                  </a:schemeClr>
-                </a:solidFill>
-                <a:effectLst/>
-                <a:latin typeface="+mn-lt"/>
-                <a:ea typeface="+mn-ea"/>
-                <a:cs typeface="+mn-cs"/>
-              </a:defRPr>
-            </a:lvl3pPr>
-            <a:lvl4pPr marL="1371600" indent="0" algn="ctr" defTabSz="457200" rtl="0" eaLnBrk="1" latinLnBrk="0" hangingPunct="1">
-              <a:spcBef>
-                <a:spcPct val="20000"/>
-              </a:spcBef>
-              <a:spcAft>
-                <a:spcPts val="600"/>
-              </a:spcAft>
-              <a:buClr>
-                <a:schemeClr val="tx1"/>
-              </a:buClr>
-              <a:buSzPct val="80000"/>
-              <a:buFont typeface="Wingdings 3" panose="05040102010807070707" pitchFamily="18" charset="2"/>
-              <a:buNone/>
-              <a:defRPr sz="1400" kern="1200" cap="none">
-                <a:solidFill>
-                  <a:schemeClr val="tx1">
-                    <a:tint val="75000"/>
-                  </a:schemeClr>
-                </a:solidFill>
-                <a:effectLst/>
-                <a:latin typeface="+mn-lt"/>
-                <a:ea typeface="+mn-ea"/>
-                <a:cs typeface="+mn-cs"/>
-              </a:defRPr>
-            </a:lvl4pPr>
-            <a:lvl5pPr marL="1828800" indent="0" algn="ctr" defTabSz="457200" rtl="0" eaLnBrk="1" latinLnBrk="0" hangingPunct="1">
-              <a:spcBef>
-                <a:spcPct val="20000"/>
-              </a:spcBef>
-              <a:spcAft>
-                <a:spcPts val="600"/>
-              </a:spcAft>
-              <a:buClr>
-                <a:schemeClr val="tx1"/>
-              </a:buClr>
-              <a:buSzPct val="80000"/>
-              <a:buFont typeface="Wingdings 3" panose="05040102010807070707" pitchFamily="18" charset="2"/>
-              <a:buNone/>
-              <a:defRPr sz="1400" kern="1200" cap="none">
-                <a:solidFill>
-                  <a:schemeClr val="tx1">
-                    <a:tint val="75000"/>
-                  </a:schemeClr>
-                </a:solidFill>
-                <a:effectLst/>
-                <a:latin typeface="+mn-lt"/>
-                <a:ea typeface="+mn-ea"/>
-                <a:cs typeface="+mn-cs"/>
-              </a:defRPr>
-            </a:lvl5pPr>
-            <a:lvl6pPr marL="2286000" indent="0" algn="ctr" defTabSz="457200" rtl="0" eaLnBrk="1" latinLnBrk="0" hangingPunct="1">
-              <a:spcBef>
-                <a:spcPct val="20000"/>
-              </a:spcBef>
-              <a:spcAft>
-                <a:spcPts val="600"/>
-              </a:spcAft>
-              <a:buClr>
-                <a:schemeClr val="tx1"/>
-              </a:buClr>
-              <a:buSzPct val="80000"/>
-              <a:buFont typeface="Wingdings 3" panose="05040102010807070707" pitchFamily="18" charset="2"/>
-              <a:buNone/>
-              <a:defRPr sz="1400" kern="1200" cap="none">
-                <a:solidFill>
-                  <a:schemeClr val="tx1">
-                    <a:tint val="75000"/>
-                  </a:schemeClr>
-                </a:solidFill>
-                <a:effectLst/>
-                <a:latin typeface="+mn-lt"/>
-                <a:ea typeface="+mn-ea"/>
-                <a:cs typeface="+mn-cs"/>
-              </a:defRPr>
-            </a:lvl6pPr>
-            <a:lvl7pPr marL="2743200" indent="0" algn="ctr" defTabSz="457200" rtl="0" eaLnBrk="1" latinLnBrk="0" hangingPunct="1">
-              <a:spcBef>
-                <a:spcPct val="20000"/>
-              </a:spcBef>
-              <a:spcAft>
-                <a:spcPts val="600"/>
-              </a:spcAft>
-              <a:buClr>
-                <a:schemeClr val="tx1"/>
-              </a:buClr>
-              <a:buSzPct val="80000"/>
-              <a:buFont typeface="Wingdings 3" panose="05040102010807070707" pitchFamily="18" charset="2"/>
-              <a:buNone/>
-              <a:defRPr sz="1400" kern="1200" cap="none">
-                <a:solidFill>
-                  <a:schemeClr val="tx1">
-                    <a:tint val="75000"/>
-                  </a:schemeClr>
-                </a:solidFill>
-                <a:effectLst/>
-                <a:latin typeface="+mn-lt"/>
-                <a:ea typeface="+mn-ea"/>
-                <a:cs typeface="+mn-cs"/>
-              </a:defRPr>
-            </a:lvl7pPr>
-            <a:lvl8pPr marL="3200400" indent="0" algn="ctr" defTabSz="457200" rtl="0" eaLnBrk="1" latinLnBrk="0" hangingPunct="1">
-              <a:spcBef>
-                <a:spcPct val="20000"/>
-              </a:spcBef>
-              <a:spcAft>
-                <a:spcPts val="600"/>
-              </a:spcAft>
-              <a:buClr>
-                <a:schemeClr val="tx1"/>
-              </a:buClr>
-              <a:buSzPct val="80000"/>
-              <a:buFont typeface="Wingdings 3" panose="05040102010807070707" pitchFamily="18" charset="2"/>
-              <a:buNone/>
-              <a:defRPr sz="1400" kern="1200" cap="none">
-                <a:solidFill>
-                  <a:schemeClr val="tx1">
-                    <a:tint val="75000"/>
-                  </a:schemeClr>
-                </a:solidFill>
-                <a:effectLst/>
-                <a:latin typeface="+mn-lt"/>
-                <a:ea typeface="+mn-ea"/>
-                <a:cs typeface="+mn-cs"/>
-              </a:defRPr>
-            </a:lvl8pPr>
-            <a:lvl9pPr marL="3657600" indent="0" algn="ctr" defTabSz="457200" rtl="0" eaLnBrk="1" latinLnBrk="0" hangingPunct="1">
-              <a:spcBef>
-                <a:spcPct val="20000"/>
-              </a:spcBef>
-              <a:spcAft>
-                <a:spcPts val="600"/>
-              </a:spcAft>
-              <a:buClr>
-                <a:schemeClr val="tx1"/>
-              </a:buClr>
-              <a:buSzPct val="80000"/>
-              <a:buFont typeface="Wingdings 3" panose="05040102010807070707" pitchFamily="18" charset="2"/>
-              <a:buNone/>
-              <a:defRPr sz="1400" kern="1200" cap="none">
-                <a:solidFill>
-                  <a:schemeClr val="tx1">
-                    <a:tint val="75000"/>
-                  </a:schemeClr>
-                </a:solidFill>
-                <a:effectLst/>
-                <a:latin typeface="+mn-lt"/>
-                <a:ea typeface="+mn-ea"/>
-                <a:cs typeface="+mn-cs"/>
-              </a:defRPr>
-            </a:lvl9pPr>
-          </a:lstStyle>
-          <a:p>
-            <a:pPr algn="just">
-              <a:buFont typeface="Arial" panose="020B0604020202020204" pitchFamily="34" charset="0"/>
-              <a:buChar char="•"/>
+          <a:lstStyle/>
+          <a:p>
+            <a:pPr marL="0" indent="0">
+              <a:buNone/>
             </a:pPr>
             <a:r>
-              <a:rPr lang="ro-RO" sz="2800" dirty="0">
-                <a:solidFill>
-                  <a:schemeClr val="tx1"/>
-                </a:solidFill>
-                <a:latin typeface="Times New Roman" panose="02020603050405020304" pitchFamily="18" charset="0"/>
-                <a:cs typeface="Times New Roman" panose="02020603050405020304" pitchFamily="18" charset="0"/>
-              </a:rPr>
-              <a:t> Motivația și tema aplicație</a:t>
-            </a:r>
-            <a:r>
-              <a:rPr lang="en-US" sz="2800" dirty="0" err="1">
-                <a:solidFill>
-                  <a:schemeClr val="tx1"/>
-                </a:solidFill>
-                <a:latin typeface="Times New Roman" panose="02020603050405020304" pitchFamily="18" charset="0"/>
-                <a:cs typeface="Times New Roman" panose="02020603050405020304" pitchFamily="18" charset="0"/>
-              </a:rPr>
-              <a:t>i</a:t>
-            </a:r>
-            <a:endParaRPr lang="ro-RO" sz="2800" dirty="0">
+              <a:rPr lang="ro-RO" sz="2400" dirty="0">
+                <a:solidFill>
+                  <a:schemeClr val="tx1"/>
+                </a:solidFill>
+                <a:latin typeface="Times New Roman" panose="02020603050405020304" pitchFamily="18" charset="0"/>
+                <a:cs typeface="Times New Roman" panose="02020603050405020304" pitchFamily="18" charset="0"/>
+              </a:rPr>
+              <a:t>  În ultima vreme am observat o dezvoltare din ce în ce mai accentuată a domeniului medical și nevoia tot mai mare a unei platforme prin intermediul căreia </a:t>
+            </a:r>
+            <a:r>
+              <a:rPr lang="en-US" sz="2400" dirty="0" err="1">
+                <a:solidFill>
+                  <a:schemeClr val="tx1"/>
+                </a:solidFill>
+                <a:latin typeface="Times New Roman" panose="02020603050405020304" pitchFamily="18" charset="0"/>
+                <a:cs typeface="Times New Roman" panose="02020603050405020304" pitchFamily="18" charset="0"/>
+              </a:rPr>
+              <a:t>utilizatorii</a:t>
+            </a:r>
+            <a:r>
+              <a:rPr lang="ro-RO" sz="2400" dirty="0">
+                <a:solidFill>
+                  <a:schemeClr val="tx1"/>
+                </a:solidFill>
+                <a:latin typeface="Times New Roman" panose="02020603050405020304" pitchFamily="18" charset="0"/>
+                <a:cs typeface="Times New Roman" panose="02020603050405020304" pitchFamily="18" charset="0"/>
+              </a:rPr>
+              <a:t> să își acceseze datele </a:t>
+            </a:r>
+            <a:r>
+              <a:rPr lang="ro-RO" sz="2400" dirty="0" err="1">
+                <a:solidFill>
+                  <a:schemeClr val="tx1"/>
+                </a:solidFill>
+                <a:latin typeface="Times New Roman" panose="02020603050405020304" pitchFamily="18" charset="0"/>
+                <a:cs typeface="Times New Roman" panose="02020603050405020304" pitchFamily="18" charset="0"/>
+              </a:rPr>
+              <a:t>într</a:t>
+            </a:r>
+            <a:r>
+              <a:rPr lang="en-US" sz="2400" dirty="0">
+                <a:solidFill>
+                  <a:schemeClr val="tx1"/>
+                </a:solidFill>
+                <a:latin typeface="Times New Roman" panose="02020603050405020304" pitchFamily="18" charset="0"/>
+                <a:cs typeface="Times New Roman" panose="02020603050405020304" pitchFamily="18" charset="0"/>
+              </a:rPr>
+              <a:t>-</a:t>
+            </a:r>
+            <a:r>
+              <a:rPr lang="ro-RO" sz="2400" dirty="0">
+                <a:solidFill>
+                  <a:schemeClr val="tx1"/>
+                </a:solidFill>
+                <a:latin typeface="Times New Roman" panose="02020603050405020304" pitchFamily="18" charset="0"/>
+                <a:cs typeface="Times New Roman" panose="02020603050405020304" pitchFamily="18" charset="0"/>
+              </a:rPr>
+              <a:t>un mod sigur, </a:t>
+            </a:r>
+            <a:r>
+              <a:rPr lang="en-US" sz="2400" dirty="0">
+                <a:solidFill>
+                  <a:schemeClr val="tx1"/>
+                </a:solidFill>
+                <a:latin typeface="Times New Roman" panose="02020603050405020304" pitchFamily="18" charset="0"/>
+                <a:cs typeface="Times New Roman" panose="02020603050405020304" pitchFamily="18" charset="0"/>
+              </a:rPr>
+              <a:t>de </a:t>
+            </a:r>
+            <a:r>
+              <a:rPr lang="ro-RO" sz="2400" dirty="0">
+                <a:solidFill>
+                  <a:schemeClr val="tx1"/>
+                </a:solidFill>
+                <a:latin typeface="Times New Roman" panose="02020603050405020304" pitchFamily="18" charset="0"/>
+                <a:cs typeface="Times New Roman" panose="02020603050405020304" pitchFamily="18" charset="0"/>
+              </a:rPr>
+              <a:t>oriunde s-ar afla.</a:t>
+            </a:r>
+            <a:r>
+              <a:rPr lang="en-US" sz="2400" dirty="0">
+                <a:solidFill>
+                  <a:schemeClr val="tx1"/>
+                </a:solidFill>
+                <a:latin typeface="Times New Roman" panose="02020603050405020304" pitchFamily="18" charset="0"/>
+                <a:cs typeface="Times New Roman" panose="02020603050405020304" pitchFamily="18" charset="0"/>
+              </a:rPr>
+              <a:t> </a:t>
+            </a:r>
+            <a:r>
+              <a:rPr lang="en-US" sz="2400" dirty="0" err="1">
+                <a:solidFill>
+                  <a:schemeClr val="tx1"/>
+                </a:solidFill>
+                <a:latin typeface="Times New Roman" panose="02020603050405020304" pitchFamily="18" charset="0"/>
+                <a:cs typeface="Times New Roman" panose="02020603050405020304" pitchFamily="18" charset="0"/>
+              </a:rPr>
+              <a:t>Astfel</a:t>
+            </a:r>
+            <a:r>
+              <a:rPr lang="en-US" sz="2400" dirty="0">
+                <a:solidFill>
+                  <a:schemeClr val="tx1"/>
+                </a:solidFill>
+                <a:latin typeface="Times New Roman" panose="02020603050405020304" pitchFamily="18" charset="0"/>
+                <a:cs typeface="Times New Roman" panose="02020603050405020304" pitchFamily="18" charset="0"/>
+              </a:rPr>
+              <a:t> a ap</a:t>
+            </a:r>
+            <a:r>
+              <a:rPr lang="ro-RO" sz="2400" dirty="0" err="1">
+                <a:solidFill>
+                  <a:schemeClr val="tx1"/>
+                </a:solidFill>
+                <a:latin typeface="Times New Roman" panose="02020603050405020304" pitchFamily="18" charset="0"/>
+                <a:cs typeface="Times New Roman" panose="02020603050405020304" pitchFamily="18" charset="0"/>
+              </a:rPr>
+              <a:t>ărut</a:t>
+            </a:r>
+            <a:r>
+              <a:rPr lang="ro-RO" sz="2400" dirty="0">
+                <a:solidFill>
+                  <a:schemeClr val="tx1"/>
+                </a:solidFill>
+                <a:latin typeface="Times New Roman" panose="02020603050405020304" pitchFamily="18" charset="0"/>
+                <a:cs typeface="Times New Roman" panose="02020603050405020304" pitchFamily="18" charset="0"/>
+              </a:rPr>
+              <a:t> tema acestui proiect.</a:t>
+            </a:r>
+            <a:endParaRPr lang="en-US" sz="2400" dirty="0">
               <a:solidFill>
                 <a:schemeClr val="tx1"/>
               </a:solidFill>
@@ -7473,12 +8035,111 @@
             </a:endParaRPr>
           </a:p>
           <a:p>
-            <a:pPr algn="just">
-              <a:buFont typeface="Arial" panose="020B0604020202020204" pitchFamily="34" charset="0"/>
-              <a:buChar char="•"/>
+            <a:pPr marL="0" indent="0">
+              <a:buNone/>
             </a:pPr>
             <a:r>
-              <a:rPr lang="en-US" sz="2800" dirty="0">
+              <a:rPr lang="en-US" sz="2400" dirty="0">
+                <a:solidFill>
+                  <a:schemeClr val="tx1"/>
+                </a:solidFill>
+                <a:latin typeface="Times New Roman" panose="02020603050405020304" pitchFamily="18" charset="0"/>
+                <a:cs typeface="Times New Roman" panose="02020603050405020304" pitchFamily="18" charset="0"/>
+              </a:rPr>
+              <a:t>  </a:t>
+            </a:r>
+            <a:r>
+              <a:rPr lang="en-US" sz="2400" b="1" dirty="0" err="1">
+                <a:solidFill>
+                  <a:schemeClr val="tx1"/>
+                </a:solidFill>
+                <a:latin typeface="Times New Roman" panose="02020603050405020304" pitchFamily="18" charset="0"/>
+                <a:cs typeface="Times New Roman" panose="02020603050405020304" pitchFamily="18" charset="0"/>
+              </a:rPr>
+              <a:t>MediArch</a:t>
+            </a:r>
+            <a:r>
+              <a:rPr lang="en-US" sz="2400" dirty="0">
+                <a:solidFill>
+                  <a:schemeClr val="tx1"/>
+                </a:solidFill>
+                <a:latin typeface="Times New Roman" panose="02020603050405020304" pitchFamily="18" charset="0"/>
+                <a:cs typeface="Times New Roman" panose="02020603050405020304" pitchFamily="18" charset="0"/>
+              </a:rPr>
+              <a:t> (“Medical Archive”) </a:t>
+            </a:r>
+            <a:r>
+              <a:rPr lang="en-US" sz="2400" dirty="0" err="1">
+                <a:solidFill>
+                  <a:schemeClr val="tx1"/>
+                </a:solidFill>
+                <a:latin typeface="Times New Roman" panose="02020603050405020304" pitchFamily="18" charset="0"/>
+                <a:cs typeface="Times New Roman" panose="02020603050405020304" pitchFamily="18" charset="0"/>
+              </a:rPr>
+              <a:t>este</a:t>
+            </a:r>
+            <a:r>
+              <a:rPr lang="en-US" sz="2400" dirty="0">
+                <a:solidFill>
+                  <a:schemeClr val="tx1"/>
+                </a:solidFill>
+                <a:latin typeface="Times New Roman" panose="02020603050405020304" pitchFamily="18" charset="0"/>
+                <a:cs typeface="Times New Roman" panose="02020603050405020304" pitchFamily="18" charset="0"/>
+              </a:rPr>
+              <a:t> o </a:t>
+            </a:r>
+            <a:r>
+              <a:rPr lang="en-US" sz="2400" dirty="0" err="1">
+                <a:solidFill>
+                  <a:schemeClr val="tx1"/>
+                </a:solidFill>
+                <a:latin typeface="Times New Roman" panose="02020603050405020304" pitchFamily="18" charset="0"/>
+                <a:cs typeface="Times New Roman" panose="02020603050405020304" pitchFamily="18" charset="0"/>
+              </a:rPr>
+              <a:t>aplica</a:t>
+            </a:r>
+            <a:r>
+              <a:rPr lang="ro-RO" sz="2400" dirty="0">
+                <a:solidFill>
+                  <a:schemeClr val="tx1"/>
+                </a:solidFill>
+                <a:latin typeface="Times New Roman" panose="02020603050405020304" pitchFamily="18" charset="0"/>
+                <a:cs typeface="Times New Roman" panose="02020603050405020304" pitchFamily="18" charset="0"/>
+              </a:rPr>
+              <a:t>ție web</a:t>
+            </a:r>
+            <a:r>
+              <a:rPr lang="en-US" sz="2400" dirty="0">
+                <a:solidFill>
+                  <a:schemeClr val="tx1"/>
+                </a:solidFill>
+                <a:latin typeface="Times New Roman" panose="02020603050405020304" pitchFamily="18" charset="0"/>
+                <a:cs typeface="Times New Roman" panose="02020603050405020304" pitchFamily="18" charset="0"/>
+              </a:rPr>
+              <a:t>, </a:t>
+            </a:r>
+            <a:r>
+              <a:rPr lang="ro-RO" sz="2400" dirty="0">
+                <a:solidFill>
+                  <a:schemeClr val="tx1"/>
+                </a:solidFill>
+                <a:latin typeface="Times New Roman" panose="02020603050405020304" pitchFamily="18" charset="0"/>
+                <a:cs typeface="Times New Roman" panose="02020603050405020304" pitchFamily="18" charset="0"/>
+              </a:rPr>
+              <a:t>menită să servească numeroși clienți care doresc să aibă la dispoziție toate </a:t>
+            </a:r>
+            <a:r>
+              <a:rPr lang="en-US" sz="2400" dirty="0" err="1">
+                <a:solidFill>
+                  <a:schemeClr val="tx1"/>
+                </a:solidFill>
+                <a:latin typeface="Times New Roman" panose="02020603050405020304" pitchFamily="18" charset="0"/>
+                <a:cs typeface="Times New Roman" panose="02020603050405020304" pitchFamily="18" charset="0"/>
+              </a:rPr>
+              <a:t>datele</a:t>
+            </a:r>
+            <a:r>
+              <a:rPr lang="en-US" sz="2400" dirty="0">
                 <a:solidFill>
                   <a:schemeClr val="tx1"/>
                 </a:solidFill>
@@ -7488,26 +8149,46 @@
               <a:t> </a:t>
             </a:r>
             <a:r>
-              <a:rPr lang="ro-RO" sz="2800" dirty="0">
-                <a:solidFill>
-                  <a:schemeClr val="tx1"/>
-                </a:solidFill>
-                <a:latin typeface="Times New Roman" panose="02020603050405020304" pitchFamily="18" charset="0"/>
-                <a:cs typeface="Times New Roman" panose="02020603050405020304" pitchFamily="18" charset="0"/>
-              </a:rPr>
-              <a:t>Tehnologii </a:t>
-            </a:r>
-            <a:r>
-              <a:rPr lang="en-US" sz="2800" dirty="0" err="1">
-                <a:solidFill>
-                  <a:schemeClr val="tx1"/>
-                </a:solidFill>
-                <a:latin typeface="Times New Roman" panose="02020603050405020304" pitchFamily="18" charset="0"/>
-                <a:cs typeface="Times New Roman" panose="02020603050405020304" pitchFamily="18" charset="0"/>
-              </a:rPr>
-              <a:t>utilizate</a:t>
-            </a:r>
-            <a:endParaRPr lang="ro-RO" sz="2800" dirty="0">
+              <a:rPr lang="ro-RO" sz="2400" dirty="0">
+                <a:solidFill>
+                  <a:schemeClr val="tx1"/>
+                </a:solidFill>
+                <a:latin typeface="Times New Roman" panose="02020603050405020304" pitchFamily="18" charset="0"/>
+                <a:cs typeface="Times New Roman" panose="02020603050405020304" pitchFamily="18" charset="0"/>
+              </a:rPr>
+              <a:t>consultații</a:t>
+            </a:r>
+            <a:r>
+              <a:rPr lang="en-US" sz="2400" dirty="0" err="1">
+                <a:solidFill>
+                  <a:schemeClr val="tx1"/>
+                </a:solidFill>
+                <a:latin typeface="Times New Roman" panose="02020603050405020304" pitchFamily="18" charset="0"/>
+                <a:cs typeface="Times New Roman" panose="02020603050405020304" pitchFamily="18" charset="0"/>
+              </a:rPr>
+              <a:t>lor</a:t>
+            </a:r>
+            <a:r>
+              <a:rPr lang="ro-RO" sz="2400" dirty="0">
+                <a:solidFill>
+                  <a:schemeClr val="tx1"/>
+                </a:solidFill>
+                <a:latin typeface="Times New Roman" panose="02020603050405020304" pitchFamily="18" charset="0"/>
+                <a:cs typeface="Times New Roman" panose="02020603050405020304" pitchFamily="18" charset="0"/>
+              </a:rPr>
+              <a:t> anterioare</a:t>
+            </a:r>
+            <a:r>
+              <a:rPr lang="en-US" sz="2400" dirty="0">
+                <a:solidFill>
+                  <a:schemeClr val="tx1"/>
+                </a:solidFill>
+                <a:latin typeface="Times New Roman" panose="02020603050405020304" pitchFamily="18" charset="0"/>
+                <a:cs typeface="Times New Roman" panose="02020603050405020304" pitchFamily="18" charset="0"/>
+              </a:rPr>
+              <a:t>.</a:t>
+            </a:r>
+            <a:endParaRPr lang="ro-RO" sz="2400" dirty="0">
               <a:solidFill>
                 <a:schemeClr val="tx1"/>
               </a:solidFill>
@@ -7515,79 +8196,14 @@
               <a:cs typeface="Times New Roman" panose="02020603050405020304" pitchFamily="18" charset="0"/>
             </a:endParaRPr>
           </a:p>
-          <a:p>
-            <a:pPr algn="just">
-              <a:buFont typeface="Arial" panose="020B0604020202020204" pitchFamily="34" charset="0"/>
-              <a:buChar char="•"/>
-            </a:pPr>
-            <a:r>
-              <a:rPr lang="ro-RO" sz="2800" dirty="0">
-                <a:solidFill>
-                  <a:schemeClr val="tx1"/>
-                </a:solidFill>
-                <a:latin typeface="Times New Roman" panose="02020603050405020304" pitchFamily="18" charset="0"/>
-                <a:cs typeface="Times New Roman" panose="02020603050405020304" pitchFamily="18" charset="0"/>
-              </a:rPr>
-              <a:t> Contribuții</a:t>
-            </a:r>
-          </a:p>
-          <a:p>
-            <a:pPr algn="just">
-              <a:buFont typeface="Arial" panose="020B0604020202020204" pitchFamily="34" charset="0"/>
-              <a:buChar char="•"/>
-            </a:pPr>
-            <a:r>
-              <a:rPr lang="ro-RO" sz="2800" dirty="0">
-                <a:solidFill>
-                  <a:schemeClr val="tx1"/>
-                </a:solidFill>
-                <a:latin typeface="Times New Roman" panose="02020603050405020304" pitchFamily="18" charset="0"/>
-                <a:cs typeface="Times New Roman" panose="02020603050405020304" pitchFamily="18" charset="0"/>
-              </a:rPr>
-              <a:t> </a:t>
-            </a:r>
-            <a:r>
-              <a:rPr lang="ro-RO" sz="2800" dirty="0" err="1">
-                <a:solidFill>
-                  <a:schemeClr val="tx1"/>
-                </a:solidFill>
-                <a:latin typeface="Times New Roman" panose="02020603050405020304" pitchFamily="18" charset="0"/>
-                <a:cs typeface="Times New Roman" panose="02020603050405020304" pitchFamily="18" charset="0"/>
-              </a:rPr>
-              <a:t>Demo</a:t>
-            </a:r>
-            <a:endParaRPr lang="ro-RO" sz="2800" dirty="0">
-              <a:solidFill>
-                <a:schemeClr val="tx1"/>
-              </a:solidFill>
-              <a:latin typeface="Times New Roman" panose="02020603050405020304" pitchFamily="18" charset="0"/>
-              <a:cs typeface="Times New Roman" panose="02020603050405020304" pitchFamily="18" charset="0"/>
-            </a:endParaRPr>
-          </a:p>
-          <a:p>
-            <a:pPr algn="just">
-              <a:buFont typeface="Arial" panose="020B0604020202020204" pitchFamily="34" charset="0"/>
-              <a:buChar char="•"/>
-            </a:pPr>
-            <a:r>
-              <a:rPr lang="ro-RO" sz="2800" dirty="0">
-                <a:solidFill>
-                  <a:schemeClr val="tx1"/>
-                </a:solidFill>
-                <a:latin typeface="Times New Roman" panose="02020603050405020304" pitchFamily="18" charset="0"/>
-                <a:cs typeface="Times New Roman" panose="02020603050405020304" pitchFamily="18" charset="0"/>
-              </a:rPr>
-              <a:t> Concluzii</a:t>
-            </a:r>
-          </a:p>
-        </p:txBody>
-      </p:sp>
-      <p:sp>
-        <p:nvSpPr>
-          <p:cNvPr id="4" name="Slide Number Placeholder 3">
+        </p:txBody>
+      </p:sp>
+      <p:sp>
+        <p:nvSpPr>
+          <p:cNvPr id="5" name="Slide Number Placeholder 4">
             <a:extLst>
               <a:ext uri="{FF2B5EF4-FFF2-40B4-BE49-F238E27FC236}">
-                <a16:creationId xmlns:a16="http://schemas.microsoft.com/office/drawing/2014/main" id="{FE830B38-E125-4481-BED6-8B464B6CB7B3}"/>
+                <a16:creationId xmlns:a16="http://schemas.microsoft.com/office/drawing/2014/main" id="{832508AC-41F1-4888-A014-E92F858B4A62}"/>
               </a:ext>
             </a:extLst>
           </p:cNvPr>
@@ -7605,7 +8221,7 @@
           <a:p>
             <a:r>
               <a:rPr lang="ro-RO" dirty="0"/>
-              <a:t>2</a:t>
+              <a:t>3</a:t>
             </a:r>
             <a:endParaRPr lang="en-US" dirty="0"/>
           </a:p>
@@ -7614,7 +8230,7 @@
     </p:spTree>
     <p:extLst>
       <p:ext uri="{BB962C8B-B14F-4D97-AF65-F5344CB8AC3E}">
-        <p14:creationId xmlns:p14="http://schemas.microsoft.com/office/powerpoint/2010/main" val="2671620936"/>
+        <p14:creationId xmlns:p14="http://schemas.microsoft.com/office/powerpoint/2010/main" val="483427451"/>
       </p:ext>
     </p:extLst>
   </p:cSld>
@@ -7655,54 +8271,58 @@
       </p:grpSpPr>
       <p:sp>
         <p:nvSpPr>
-          <p:cNvPr id="7" name="TextBox 6">
+          <p:cNvPr id="2" name="Title 1">
             <a:extLst>
               <a:ext uri="{FF2B5EF4-FFF2-40B4-BE49-F238E27FC236}">
-                <a16:creationId xmlns:a16="http://schemas.microsoft.com/office/drawing/2014/main" id="{2F9DBB9D-B2CD-48C4-9A3C-26C9A524A502}"/>
+                <a16:creationId xmlns:a16="http://schemas.microsoft.com/office/drawing/2014/main" id="{DE1AB039-1E5E-40C6-B9D5-B0D5745D0DE1}"/>
               </a:ext>
             </a:extLst>
           </p:cNvPr>
-          <p:cNvSpPr txBox="1"/>
-          <p:nvPr/>
+          <p:cNvSpPr>
+            <a:spLocks noGrp="1"/>
+          </p:cNvSpPr>
+          <p:nvPr>
+            <p:ph type="title"/>
+          </p:nvPr>
         </p:nvSpPr>
         <p:spPr>
           <a:xfrm>
-            <a:off x="3613256" y="517646"/>
-            <a:ext cx="4965487" cy="584775"/>
+            <a:off x="1828800" y="657012"/>
+            <a:ext cx="8534400" cy="1507067"/>
           </a:xfrm>
-          <a:prstGeom prst="rect">
-            <a:avLst/>
-          </a:prstGeom>
-          <a:noFill/>
         </p:spPr>
         <p:txBody>
-          <a:bodyPr wrap="square" rtlCol="0">
-            <a:spAutoFit/>
+          <a:bodyPr>
+            <a:normAutofit/>
           </a:bodyPr>
           <a:lstStyle/>
           <a:p>
             <a:pPr algn="ctr"/>
             <a:r>
-              <a:rPr lang="en-US" sz="3200" dirty="0">
-                <a:latin typeface="Times New Roman" panose="02020603050405020304" pitchFamily="18" charset="0"/>
-                <a:cs typeface="Times New Roman" panose="02020603050405020304" pitchFamily="18" charset="0"/>
-              </a:rPr>
-              <a:t>Motiva</a:t>
-            </a:r>
-            <a:r>
-              <a:rPr lang="ro-RO" sz="3200" dirty="0" err="1">
-                <a:latin typeface="Times New Roman" panose="02020603050405020304" pitchFamily="18" charset="0"/>
-                <a:cs typeface="Times New Roman" panose="02020603050405020304" pitchFamily="18" charset="0"/>
-              </a:rPr>
-              <a:t>ția</a:t>
-            </a:r>
-            <a:r>
-              <a:rPr lang="ro-RO" sz="3200" dirty="0">
-                <a:latin typeface="Times New Roman" panose="02020603050405020304" pitchFamily="18" charset="0"/>
-                <a:cs typeface="Times New Roman" panose="02020603050405020304" pitchFamily="18" charset="0"/>
-              </a:rPr>
-              <a:t> și tema aplicației</a:t>
-            </a:r>
+              <a:rPr lang="ro-RO" sz="3200" cap="none" dirty="0">
+                <a:latin typeface="Times New Roman" panose="02020603050405020304" pitchFamily="18" charset="0"/>
+                <a:cs typeface="Times New Roman" panose="02020603050405020304" pitchFamily="18" charset="0"/>
+              </a:rPr>
+              <a:t>Tehnologii</a:t>
+            </a:r>
+            <a:r>
+              <a:rPr lang="en-US" sz="3200" cap="none" dirty="0">
+                <a:latin typeface="Times New Roman" panose="02020603050405020304" pitchFamily="18" charset="0"/>
+                <a:cs typeface="Times New Roman" panose="02020603050405020304" pitchFamily="18" charset="0"/>
+              </a:rPr>
+              <a:t> </a:t>
+            </a:r>
+            <a:r>
+              <a:rPr lang="en-US" sz="3200" cap="none" dirty="0" err="1">
+                <a:latin typeface="Times New Roman" panose="02020603050405020304" pitchFamily="18" charset="0"/>
+                <a:cs typeface="Times New Roman" panose="02020603050405020304" pitchFamily="18" charset="0"/>
+              </a:rPr>
+              <a:t>utilizate</a:t>
+            </a:r>
+            <a:endParaRPr lang="ro-RO" sz="3200" cap="none" dirty="0">
+              <a:latin typeface="Times New Roman" panose="02020603050405020304" pitchFamily="18" charset="0"/>
+              <a:cs typeface="Times New Roman" panose="02020603050405020304" pitchFamily="18" charset="0"/>
+            </a:endParaRPr>
           </a:p>
         </p:txBody>
       </p:sp>
@@ -7711,7 +8331,7 @@
           <p:cNvPr id="3" name="Content Placeholder 2">
             <a:extLst>
               <a:ext uri="{FF2B5EF4-FFF2-40B4-BE49-F238E27FC236}">
-                <a16:creationId xmlns:a16="http://schemas.microsoft.com/office/drawing/2014/main" id="{0C216386-99E4-4D88-B0EB-083C6F76DBD5}"/>
+                <a16:creationId xmlns:a16="http://schemas.microsoft.com/office/drawing/2014/main" id="{58AE9B0E-6218-4211-8D36-5D131D5749DD}"/>
               </a:ext>
             </a:extLst>
           </p:cNvPr>
@@ -7724,20 +8344,31 @@
         </p:nvSpPr>
         <p:spPr>
           <a:xfrm>
-            <a:off x="732137" y="1345221"/>
-            <a:ext cx="10727723" cy="3191609"/>
+            <a:off x="1513840" y="1904999"/>
+            <a:ext cx="8534400" cy="4434255"/>
           </a:xfrm>
         </p:spPr>
         <p:txBody>
-          <a:bodyPr anchor="t">
-            <a:noAutofit/>
+          <a:bodyPr>
+            <a:normAutofit lnSpcReduction="10000"/>
           </a:bodyPr>
           <a:lstStyle/>
           <a:p>
-            <a:pPr marL="0" indent="0">
-              <a:buNone/>
+            <a:pPr algn="just">
+              <a:buFont typeface="Arial" panose="020B0604020202020204" pitchFamily="34" charset="0"/>
+              <a:buChar char="•"/>
             </a:pPr>
             <a:r>
+              <a:rPr lang="en-US" sz="2400" dirty="0" err="1">
+                <a:solidFill>
+                  <a:schemeClr val="tx1"/>
+                </a:solidFill>
+                <a:latin typeface="Times New Roman" panose="02020603050405020304" pitchFamily="18" charset="0"/>
+                <a:cs typeface="Times New Roman" panose="02020603050405020304" pitchFamily="18" charset="0"/>
+              </a:rPr>
+              <a:t>Tehnologi</a:t>
+            </a:r>
+            <a:r>
               <a:rPr lang="ro-RO" sz="2400" dirty="0">
                 <a:solidFill>
                   <a:schemeClr val="tx1"/>
@@ -7745,7 +8376,47 @@
                 <a:latin typeface="Times New Roman" panose="02020603050405020304" pitchFamily="18" charset="0"/>
                 <a:cs typeface="Times New Roman" panose="02020603050405020304" pitchFamily="18" charset="0"/>
               </a:rPr>
-              <a:t>  În ultima vreme am observat o dezvoltare din ce în ce mai accentuată a domeniului medical și nevoia tot mai mare a unei platforme prin intermediul căreia pacienții să își acceseze datele </a:t>
+              <a:t>e</a:t>
+            </a:r>
+            <a:r>
+              <a:rPr lang="en-US" sz="2400" dirty="0">
+                <a:solidFill>
+                  <a:schemeClr val="tx1"/>
+                </a:solidFill>
+                <a:latin typeface="Times New Roman" panose="02020603050405020304" pitchFamily="18" charset="0"/>
+                <a:cs typeface="Times New Roman" panose="02020603050405020304" pitchFamily="18" charset="0"/>
+              </a:rPr>
+              <a:t> principal</a:t>
+            </a:r>
+            <a:r>
+              <a:rPr lang="ro-RO" sz="2400" dirty="0">
+                <a:solidFill>
+                  <a:schemeClr val="tx1"/>
+                </a:solidFill>
+                <a:latin typeface="Times New Roman" panose="02020603050405020304" pitchFamily="18" charset="0"/>
+                <a:cs typeface="Times New Roman" panose="02020603050405020304" pitchFamily="18" charset="0"/>
+              </a:rPr>
+              <a:t>ă</a:t>
+            </a:r>
+            <a:r>
+              <a:rPr lang="en-US" sz="2400" dirty="0">
+                <a:solidFill>
+                  <a:schemeClr val="tx1"/>
+                </a:solidFill>
+                <a:latin typeface="Times New Roman" panose="02020603050405020304" pitchFamily="18" charset="0"/>
+                <a:cs typeface="Times New Roman" panose="02020603050405020304" pitchFamily="18" charset="0"/>
+              </a:rPr>
+              <a:t>:</a:t>
+            </a:r>
+            <a:r>
+              <a:rPr lang="ro-RO" sz="2400" dirty="0">
+                <a:solidFill>
+                  <a:schemeClr val="tx1"/>
+                </a:solidFill>
+                <a:latin typeface="Times New Roman" panose="02020603050405020304" pitchFamily="18" charset="0"/>
+                <a:cs typeface="Times New Roman" panose="02020603050405020304" pitchFamily="18" charset="0"/>
+              </a:rPr>
+              <a:t> </a:t>
             </a:r>
             <a:r>
               <a:rPr lang="ro-RO" sz="2400" dirty="0" err="1">
@@ -7755,77 +8426,7 @@
                 <a:latin typeface="Times New Roman" panose="02020603050405020304" pitchFamily="18" charset="0"/>
                 <a:cs typeface="Times New Roman" panose="02020603050405020304" pitchFamily="18" charset="0"/>
               </a:rPr>
-              <a:t>într</a:t>
-            </a:r>
-            <a:r>
-              <a:rPr lang="en-US" sz="2400" dirty="0">
-                <a:solidFill>
-                  <a:schemeClr val="tx1"/>
-                </a:solidFill>
-                <a:latin typeface="Times New Roman" panose="02020603050405020304" pitchFamily="18" charset="0"/>
-                <a:cs typeface="Times New Roman" panose="02020603050405020304" pitchFamily="18" charset="0"/>
-              </a:rPr>
-              <a:t>-</a:t>
-            </a:r>
-            <a:r>
-              <a:rPr lang="ro-RO" sz="2400" dirty="0">
-                <a:solidFill>
-                  <a:schemeClr val="tx1"/>
-                </a:solidFill>
-                <a:latin typeface="Times New Roman" panose="02020603050405020304" pitchFamily="18" charset="0"/>
-                <a:cs typeface="Times New Roman" panose="02020603050405020304" pitchFamily="18" charset="0"/>
-              </a:rPr>
-              <a:t>un mod sigur, oriunde s-ar afla.</a:t>
-            </a:r>
-            <a:r>
-              <a:rPr lang="en-US" sz="2400" dirty="0">
-                <a:solidFill>
-                  <a:schemeClr val="tx1"/>
-                </a:solidFill>
-                <a:latin typeface="Times New Roman" panose="02020603050405020304" pitchFamily="18" charset="0"/>
-                <a:cs typeface="Times New Roman" panose="02020603050405020304" pitchFamily="18" charset="0"/>
-              </a:rPr>
-              <a:t> </a:t>
-            </a:r>
-            <a:r>
-              <a:rPr lang="en-US" sz="2400" dirty="0" err="1">
-                <a:solidFill>
-                  <a:schemeClr val="tx1"/>
-                </a:solidFill>
-                <a:latin typeface="Times New Roman" panose="02020603050405020304" pitchFamily="18" charset="0"/>
-                <a:cs typeface="Times New Roman" panose="02020603050405020304" pitchFamily="18" charset="0"/>
-              </a:rPr>
-              <a:t>Astfel</a:t>
-            </a:r>
-            <a:r>
-              <a:rPr lang="en-US" sz="2400" dirty="0">
-                <a:solidFill>
-                  <a:schemeClr val="tx1"/>
-                </a:solidFill>
-                <a:latin typeface="Times New Roman" panose="02020603050405020304" pitchFamily="18" charset="0"/>
-                <a:cs typeface="Times New Roman" panose="02020603050405020304" pitchFamily="18" charset="0"/>
-              </a:rPr>
-              <a:t> a ap</a:t>
-            </a:r>
-            <a:r>
-              <a:rPr lang="ro-RO" sz="2400" dirty="0" err="1">
-                <a:solidFill>
-                  <a:schemeClr val="tx1"/>
-                </a:solidFill>
-                <a:latin typeface="Times New Roman" panose="02020603050405020304" pitchFamily="18" charset="0"/>
-                <a:cs typeface="Times New Roman" panose="02020603050405020304" pitchFamily="18" charset="0"/>
-              </a:rPr>
-              <a:t>ărut</a:t>
-            </a:r>
-            <a:r>
-              <a:rPr lang="ro-RO" sz="2400" dirty="0">
-                <a:solidFill>
-                  <a:schemeClr val="tx1"/>
-                </a:solidFill>
-                <a:latin typeface="Times New Roman" panose="02020603050405020304" pitchFamily="18" charset="0"/>
-                <a:cs typeface="Times New Roman" panose="02020603050405020304" pitchFamily="18" charset="0"/>
-              </a:rPr>
-              <a:t> tema acestui proiect.</a:t>
+              <a:t>ASP.NET</a:t>
             </a:r>
             <a:endParaRPr lang="en-US" sz="2400" dirty="0">
               <a:solidFill>
@@ -7836,10 +8437,21 @@
             </a:endParaRPr>
           </a:p>
           <a:p>
-            <a:pPr marL="0" indent="0">
-              <a:buNone/>
+            <a:pPr algn="just">
+              <a:buFont typeface="Arial" panose="020B0604020202020204" pitchFamily="34" charset="0"/>
+              <a:buChar char="•"/>
             </a:pPr>
             <a:r>
+              <a:rPr lang="ro-RO" sz="2400" dirty="0">
+                <a:solidFill>
+                  <a:schemeClr val="tx1"/>
+                </a:solidFill>
+                <a:latin typeface="Times New Roman" panose="02020603050405020304" pitchFamily="18" charset="0"/>
+                <a:cs typeface="Times New Roman" panose="02020603050405020304" pitchFamily="18" charset="0"/>
+              </a:rPr>
+              <a:t>Baza de date</a:t>
+            </a:r>
+            <a:r>
               <a:rPr lang="en-US" sz="2400" dirty="0">
                 <a:solidFill>
                   <a:schemeClr val="tx1"/>
@@ -7847,17 +8459,40 @@
                 <a:latin typeface="Times New Roman" panose="02020603050405020304" pitchFamily="18" charset="0"/>
                 <a:cs typeface="Times New Roman" panose="02020603050405020304" pitchFamily="18" charset="0"/>
               </a:rPr>
-              <a:t>  </a:t>
-            </a:r>
-            <a:r>
-              <a:rPr lang="en-US" sz="2400" b="1" dirty="0" err="1">
-                <a:solidFill>
-                  <a:schemeClr val="tx1"/>
-                </a:solidFill>
-                <a:latin typeface="Times New Roman" panose="02020603050405020304" pitchFamily="18" charset="0"/>
-                <a:cs typeface="Times New Roman" panose="02020603050405020304" pitchFamily="18" charset="0"/>
-              </a:rPr>
-              <a:t>MediArch</a:t>
+              <a:t>: SQL Server Express</a:t>
+            </a:r>
+            <a:endParaRPr lang="ro-RO" sz="2400" dirty="0">
+              <a:solidFill>
+                <a:schemeClr val="tx1"/>
+              </a:solidFill>
+              <a:latin typeface="Times New Roman" panose="02020603050405020304" pitchFamily="18" charset="0"/>
+              <a:cs typeface="Times New Roman" panose="02020603050405020304" pitchFamily="18" charset="0"/>
+            </a:endParaRPr>
+          </a:p>
+          <a:p>
+            <a:pPr algn="just">
+              <a:buFont typeface="Arial" panose="020B0604020202020204" pitchFamily="34" charset="0"/>
+              <a:buChar char="•"/>
+            </a:pPr>
+            <a:r>
+              <a:rPr lang="ro-RO" sz="2400" dirty="0" err="1">
+                <a:solidFill>
+                  <a:schemeClr val="tx1"/>
+                </a:solidFill>
+                <a:latin typeface="Times New Roman" panose="02020603050405020304" pitchFamily="18" charset="0"/>
+                <a:cs typeface="Times New Roman" panose="02020603050405020304" pitchFamily="18" charset="0"/>
+              </a:rPr>
+              <a:t>Version</a:t>
+            </a:r>
+            <a:r>
+              <a:rPr lang="ro-RO" sz="2400" dirty="0">
+                <a:solidFill>
+                  <a:schemeClr val="tx1"/>
+                </a:solidFill>
+                <a:latin typeface="Times New Roman" panose="02020603050405020304" pitchFamily="18" charset="0"/>
+                <a:cs typeface="Times New Roman" panose="02020603050405020304" pitchFamily="18" charset="0"/>
+              </a:rPr>
+              <a:t> Control</a:t>
             </a:r>
             <a:r>
               <a:rPr lang="en-US" sz="2400" dirty="0">
@@ -7867,17 +8502,37 @@
                 <a:latin typeface="Times New Roman" panose="02020603050405020304" pitchFamily="18" charset="0"/>
                 <a:cs typeface="Times New Roman" panose="02020603050405020304" pitchFamily="18" charset="0"/>
               </a:rPr>
-              <a:t> (“Medical Archive”) </a:t>
-            </a:r>
-            <a:r>
-              <a:rPr lang="en-US" sz="2400" dirty="0" err="1">
-                <a:solidFill>
-                  <a:schemeClr val="tx1"/>
-                </a:solidFill>
-                <a:latin typeface="Times New Roman" panose="02020603050405020304" pitchFamily="18" charset="0"/>
-                <a:cs typeface="Times New Roman" panose="02020603050405020304" pitchFamily="18" charset="0"/>
-              </a:rPr>
-              <a:t>este</a:t>
+              <a:t>:</a:t>
+            </a:r>
+            <a:r>
+              <a:rPr lang="ro-RO" sz="2400" dirty="0">
+                <a:solidFill>
+                  <a:schemeClr val="tx1"/>
+                </a:solidFill>
+                <a:latin typeface="Times New Roman" panose="02020603050405020304" pitchFamily="18" charset="0"/>
+                <a:cs typeface="Times New Roman" panose="02020603050405020304" pitchFamily="18" charset="0"/>
+              </a:rPr>
+              <a:t> </a:t>
+            </a:r>
+            <a:r>
+              <a:rPr lang="ro-RO" sz="2400" dirty="0" err="1">
+                <a:solidFill>
+                  <a:schemeClr val="tx1"/>
+                </a:solidFill>
+                <a:latin typeface="Times New Roman" panose="02020603050405020304" pitchFamily="18" charset="0"/>
+                <a:cs typeface="Times New Roman" panose="02020603050405020304" pitchFamily="18" charset="0"/>
+              </a:rPr>
+              <a:t>GitHub</a:t>
+            </a:r>
+            <a:r>
+              <a:rPr lang="ro-RO" sz="2400" dirty="0">
+                <a:solidFill>
+                  <a:schemeClr val="tx1"/>
+                </a:solidFill>
+                <a:latin typeface="Times New Roman" panose="02020603050405020304" pitchFamily="18" charset="0"/>
+                <a:cs typeface="Times New Roman" panose="02020603050405020304" pitchFamily="18" charset="0"/>
+              </a:rPr>
+              <a:t> </a:t>
             </a:r>
             <a:r>
               <a:rPr lang="en-US" sz="2400" dirty="0">
@@ -7887,17 +8542,17 @@
                 <a:latin typeface="Times New Roman" panose="02020603050405020304" pitchFamily="18" charset="0"/>
                 <a:cs typeface="Times New Roman" panose="02020603050405020304" pitchFamily="18" charset="0"/>
               </a:rPr>
-              <a:t> o </a:t>
-            </a:r>
-            <a:r>
-              <a:rPr lang="en-US" sz="2400" dirty="0" err="1">
-                <a:solidFill>
-                  <a:schemeClr val="tx1"/>
-                </a:solidFill>
-                <a:latin typeface="Times New Roman" panose="02020603050405020304" pitchFamily="18" charset="0"/>
-                <a:cs typeface="Times New Roman" panose="02020603050405020304" pitchFamily="18" charset="0"/>
-              </a:rPr>
-              <a:t>aplica</a:t>
+              <a:t>(</a:t>
+            </a:r>
+            <a:r>
+              <a:rPr lang="ro-RO" sz="2400" dirty="0" err="1">
+                <a:solidFill>
+                  <a:schemeClr val="tx1"/>
+                </a:solidFill>
+                <a:latin typeface="Times New Roman" panose="02020603050405020304" pitchFamily="18" charset="0"/>
+                <a:cs typeface="Times New Roman" panose="02020603050405020304" pitchFamily="18" charset="0"/>
+              </a:rPr>
+              <a:t>GitKraken</a:t>
             </a:r>
             <a:r>
               <a:rPr lang="ro-RO" sz="2400" dirty="0">
@@ -7907,7 +8562,30 @@
                 <a:latin typeface="Times New Roman" panose="02020603050405020304" pitchFamily="18" charset="0"/>
                 <a:cs typeface="Times New Roman" panose="02020603050405020304" pitchFamily="18" charset="0"/>
               </a:rPr>
-              <a:t>ție web</a:t>
+              <a:t>)</a:t>
+            </a:r>
+            <a:endParaRPr lang="en-US" sz="2400" dirty="0">
+              <a:solidFill>
+                <a:schemeClr val="tx1"/>
+              </a:solidFill>
+              <a:latin typeface="Times New Roman" panose="02020603050405020304" pitchFamily="18" charset="0"/>
+              <a:cs typeface="Times New Roman" panose="02020603050405020304" pitchFamily="18" charset="0"/>
+            </a:endParaRPr>
+          </a:p>
+          <a:p>
+            <a:pPr algn="just">
+              <a:buFont typeface="Arial" panose="020B0604020202020204" pitchFamily="34" charset="0"/>
+              <a:buChar char="•"/>
+            </a:pPr>
+            <a:r>
+              <a:rPr lang="ro-RO" sz="2400" dirty="0">
+                <a:solidFill>
+                  <a:schemeClr val="tx1"/>
+                </a:solidFill>
+                <a:latin typeface="Times New Roman" panose="02020603050405020304" pitchFamily="18" charset="0"/>
+                <a:cs typeface="Times New Roman" panose="02020603050405020304" pitchFamily="18" charset="0"/>
+              </a:rPr>
+              <a:t>Tehnologii secundare</a:t>
             </a:r>
             <a:r>
               <a:rPr lang="en-US" sz="2400" dirty="0">
@@ -7917,8 +8595,31 @@
                 <a:latin typeface="Times New Roman" panose="02020603050405020304" pitchFamily="18" charset="0"/>
                 <a:cs typeface="Times New Roman" panose="02020603050405020304" pitchFamily="18" charset="0"/>
               </a:rPr>
-              <a:t>, </a:t>
-            </a:r>
+              <a:t>: </a:t>
+            </a:r>
+          </a:p>
+          <a:p>
+            <a:pPr lvl="1" algn="just"/>
+            <a:r>
+              <a:rPr lang="ro-RO" sz="2400" dirty="0" err="1">
+                <a:solidFill>
+                  <a:schemeClr val="tx1"/>
+                </a:solidFill>
+                <a:latin typeface="Times New Roman" panose="02020603050405020304" pitchFamily="18" charset="0"/>
+                <a:cs typeface="Times New Roman" panose="02020603050405020304" pitchFamily="18" charset="0"/>
+              </a:rPr>
+              <a:t>HTML</a:t>
+            </a:r>
+            <a:endParaRPr lang="en-US" sz="2400" dirty="0">
+              <a:solidFill>
+                <a:schemeClr val="tx1"/>
+              </a:solidFill>
+              <a:latin typeface="Times New Roman" panose="02020603050405020304" pitchFamily="18" charset="0"/>
+              <a:cs typeface="Times New Roman" panose="02020603050405020304" pitchFamily="18" charset="0"/>
+            </a:endParaRPr>
+          </a:p>
+          <a:p>
+            <a:pPr lvl="1" algn="just"/>
             <a:r>
               <a:rPr lang="ro-RO" sz="2400" dirty="0">
                 <a:solidFill>
@@ -7927,14 +8628,72 @@
                 <a:latin typeface="Times New Roman" panose="02020603050405020304" pitchFamily="18" charset="0"/>
                 <a:cs typeface="Times New Roman" panose="02020603050405020304" pitchFamily="18" charset="0"/>
               </a:rPr>
-              <a:t>menită să servească numeroși clienți care doresc să aibă la dispoziție atât rezultatele la toate consultațiile anterioare, cât și prescripțiile și fișierele adiționale acordate de medicii care au participat la consultațiile respective.</a:t>
-            </a:r>
-          </a:p>
-          <a:p>
-            <a:pPr marL="0" indent="0">
-              <a:buNone/>
+              <a:t>CSS</a:t>
+            </a:r>
+            <a:endParaRPr lang="en-US" sz="2400" dirty="0">
+              <a:solidFill>
+                <a:schemeClr val="tx1"/>
+              </a:solidFill>
+              <a:latin typeface="Times New Roman" panose="02020603050405020304" pitchFamily="18" charset="0"/>
+              <a:cs typeface="Times New Roman" panose="02020603050405020304" pitchFamily="18" charset="0"/>
+            </a:endParaRPr>
+          </a:p>
+          <a:p>
+            <a:pPr lvl="1" algn="just"/>
+            <a:r>
+              <a:rPr lang="ro-RO" sz="2400" dirty="0" err="1">
+                <a:solidFill>
+                  <a:schemeClr val="tx1"/>
+                </a:solidFill>
+                <a:latin typeface="Times New Roman" panose="02020603050405020304" pitchFamily="18" charset="0"/>
+                <a:cs typeface="Times New Roman" panose="02020603050405020304" pitchFamily="18" charset="0"/>
+              </a:rPr>
+              <a:t>JavaScript</a:t>
+            </a:r>
+            <a:endParaRPr lang="en-US" sz="2400" dirty="0">
+              <a:solidFill>
+                <a:schemeClr val="tx1"/>
+              </a:solidFill>
+              <a:latin typeface="Times New Roman" panose="02020603050405020304" pitchFamily="18" charset="0"/>
+              <a:cs typeface="Times New Roman" panose="02020603050405020304" pitchFamily="18" charset="0"/>
+            </a:endParaRPr>
+          </a:p>
+          <a:p>
+            <a:pPr lvl="1" algn="just"/>
+            <a:r>
+              <a:rPr lang="ro-RO" sz="2400" dirty="0" err="1">
+                <a:solidFill>
+                  <a:schemeClr val="tx1"/>
+                </a:solidFill>
+                <a:latin typeface="Times New Roman" panose="02020603050405020304" pitchFamily="18" charset="0"/>
+                <a:cs typeface="Times New Roman" panose="02020603050405020304" pitchFamily="18" charset="0"/>
+              </a:rPr>
+              <a:t>Bootstrap</a:t>
+            </a:r>
+            <a:endParaRPr lang="en-US" sz="2400" dirty="0">
+              <a:solidFill>
+                <a:schemeClr val="tx1"/>
+              </a:solidFill>
+              <a:latin typeface="Times New Roman" panose="02020603050405020304" pitchFamily="18" charset="0"/>
+              <a:cs typeface="Times New Roman" panose="02020603050405020304" pitchFamily="18" charset="0"/>
+            </a:endParaRPr>
+          </a:p>
+          <a:p>
+            <a:pPr algn="just">
+              <a:buFont typeface="Arial" panose="020B0604020202020204" pitchFamily="34" charset="0"/>
+              <a:buChar char="•"/>
             </a:pPr>
             <a:r>
+              <a:rPr lang="en-US" sz="2400" dirty="0">
+                <a:solidFill>
+                  <a:schemeClr val="tx1"/>
+                </a:solidFill>
+                <a:latin typeface="Times New Roman" panose="02020603050405020304" pitchFamily="18" charset="0"/>
+                <a:cs typeface="Times New Roman" panose="02020603050405020304" pitchFamily="18" charset="0"/>
+              </a:rPr>
+              <a:t>Logo </a:t>
+            </a:r>
+            <a:r>
               <a:rPr lang="ro-RO" sz="2400" dirty="0">
                 <a:solidFill>
                   <a:schemeClr val="tx1"/>
@@ -7942,17 +8701,64 @@
                 <a:latin typeface="Times New Roman" panose="02020603050405020304" pitchFamily="18" charset="0"/>
                 <a:cs typeface="Times New Roman" panose="02020603050405020304" pitchFamily="18" charset="0"/>
               </a:rPr>
-              <a:t> </a:t>
-            </a:r>
-          </a:p>
-        </p:txBody>
-      </p:sp>
-      <p:sp>
-        <p:nvSpPr>
-          <p:cNvPr id="5" name="Slide Number Placeholder 4">
+              <a:t>și </a:t>
+            </a:r>
+            <a:r>
+              <a:rPr lang="ro-RO" sz="2400" dirty="0" err="1">
+                <a:solidFill>
+                  <a:schemeClr val="tx1"/>
+                </a:solidFill>
+                <a:latin typeface="Times New Roman" panose="02020603050405020304" pitchFamily="18" charset="0"/>
+                <a:cs typeface="Times New Roman" panose="02020603050405020304" pitchFamily="18" charset="0"/>
+              </a:rPr>
+              <a:t>icons</a:t>
+            </a:r>
+            <a:r>
+              <a:rPr lang="en-US" sz="2400" dirty="0">
+                <a:solidFill>
+                  <a:schemeClr val="tx1"/>
+                </a:solidFill>
+                <a:latin typeface="Times New Roman" panose="02020603050405020304" pitchFamily="18" charset="0"/>
+                <a:cs typeface="Times New Roman" panose="02020603050405020304" pitchFamily="18" charset="0"/>
+              </a:rPr>
+              <a:t>: </a:t>
+            </a:r>
+            <a:r>
+              <a:rPr lang="ro-RO" sz="2400" dirty="0">
+                <a:solidFill>
+                  <a:schemeClr val="tx1"/>
+                </a:solidFill>
+                <a:latin typeface="Times New Roman" panose="02020603050405020304" pitchFamily="18" charset="0"/>
+                <a:cs typeface="Times New Roman" panose="02020603050405020304" pitchFamily="18" charset="0"/>
+              </a:rPr>
+              <a:t>Adobe </a:t>
+            </a:r>
+            <a:r>
+              <a:rPr lang="ro-RO" sz="2400" dirty="0" err="1">
+                <a:solidFill>
+                  <a:schemeClr val="tx1"/>
+                </a:solidFill>
+                <a:latin typeface="Times New Roman" panose="02020603050405020304" pitchFamily="18" charset="0"/>
+                <a:cs typeface="Times New Roman" panose="02020603050405020304" pitchFamily="18" charset="0"/>
+              </a:rPr>
+              <a:t>Illustrator</a:t>
+            </a:r>
+            <a:endParaRPr lang="ro-RO" sz="2400" dirty="0">
+              <a:solidFill>
+                <a:schemeClr val="tx1"/>
+              </a:solidFill>
+              <a:latin typeface="Times New Roman" panose="02020603050405020304" pitchFamily="18" charset="0"/>
+              <a:cs typeface="Times New Roman" panose="02020603050405020304" pitchFamily="18" charset="0"/>
+            </a:endParaRPr>
+          </a:p>
+        </p:txBody>
+      </p:sp>
+      <p:sp>
+        <p:nvSpPr>
+          <p:cNvPr id="6" name="Slide Number Placeholder 5">
             <a:extLst>
               <a:ext uri="{FF2B5EF4-FFF2-40B4-BE49-F238E27FC236}">
-                <a16:creationId xmlns:a16="http://schemas.microsoft.com/office/drawing/2014/main" id="{832508AC-41F1-4888-A014-E92F858B4A62}"/>
+                <a16:creationId xmlns:a16="http://schemas.microsoft.com/office/drawing/2014/main" id="{1A343845-0B29-4F40-AA0F-055A25494808}"/>
               </a:ext>
             </a:extLst>
           </p:cNvPr>
@@ -7963,14 +8769,19 @@
             <p:ph type="sldNum" sz="quarter" idx="12"/>
           </p:nvPr>
         </p:nvSpPr>
-        <p:spPr/>
+        <p:spPr>
+          <a:xfrm>
+            <a:off x="10363200" y="5578475"/>
+            <a:ext cx="1142245" cy="669925"/>
+          </a:xfrm>
+        </p:spPr>
         <p:txBody>
           <a:bodyPr/>
           <a:lstStyle/>
           <a:p>
             <a:r>
               <a:rPr lang="ro-RO" dirty="0"/>
-              <a:t>3</a:t>
+              <a:t>4</a:t>
             </a:r>
             <a:endParaRPr lang="en-US" dirty="0"/>
           </a:p>
@@ -7979,7 +8790,7 @@
     </p:spTree>
     <p:extLst>
       <p:ext uri="{BB962C8B-B14F-4D97-AF65-F5344CB8AC3E}">
-        <p14:creationId xmlns:p14="http://schemas.microsoft.com/office/powerpoint/2010/main" val="483427451"/>
+        <p14:creationId xmlns:p14="http://schemas.microsoft.com/office/powerpoint/2010/main" val="3791107911"/>
       </p:ext>
     </p:extLst>
   </p:cSld>
@@ -8052,26 +8863,8 @@
                 <a:latin typeface="Times New Roman" panose="02020603050405020304" pitchFamily="18" charset="0"/>
                 <a:cs typeface="Times New Roman" panose="02020603050405020304" pitchFamily="18" charset="0"/>
               </a:rPr>
-              <a:t>Tehnologii</a:t>
-            </a:r>
-            <a:r>
-              <a:rPr lang="en-US" sz="3200" cap="none" dirty="0">
-                <a:latin typeface="Times New Roman" panose="02020603050405020304" pitchFamily="18" charset="0"/>
-                <a:cs typeface="Times New Roman" panose="02020603050405020304" pitchFamily="18" charset="0"/>
-              </a:rPr>
-              <a:t> </a:t>
-            </a:r>
-            <a:r>
-              <a:rPr lang="en-US" sz="3200" cap="none" dirty="0" err="1">
-                <a:latin typeface="Times New Roman" panose="02020603050405020304" pitchFamily="18" charset="0"/>
-                <a:cs typeface="Times New Roman" panose="02020603050405020304" pitchFamily="18" charset="0"/>
-              </a:rPr>
-              <a:t>utilizate</a:t>
-            </a:r>
-            <a:endParaRPr lang="ro-RO" sz="3200" cap="none" dirty="0">
-              <a:latin typeface="Times New Roman" panose="02020603050405020304" pitchFamily="18" charset="0"/>
-              <a:cs typeface="Times New Roman" panose="02020603050405020304" pitchFamily="18" charset="0"/>
-            </a:endParaRPr>
+              <a:t>Contribuții</a:t>
+            </a:r>
           </a:p>
         </p:txBody>
       </p:sp>
@@ -8094,16 +8887,16 @@
         <p:spPr>
           <a:xfrm>
             <a:off x="1513840" y="1904999"/>
-            <a:ext cx="8534400" cy="4434255"/>
+            <a:ext cx="9441375" cy="4434255"/>
           </a:xfrm>
         </p:spPr>
         <p:txBody>
-          <a:bodyPr>
+          <a:bodyPr anchor="t">
             <a:normAutofit lnSpcReduction="10000"/>
           </a:bodyPr>
           <a:lstStyle/>
           <a:p>
-            <a:pPr algn="just">
+            <a:pPr>
               <a:buFont typeface="Arial" panose="020B0604020202020204" pitchFamily="34" charset="0"/>
               <a:buChar char="•"/>
             </a:pPr>
@@ -8115,7 +8908,7 @@
                 <a:latin typeface="Times New Roman" panose="02020603050405020304" pitchFamily="18" charset="0"/>
                 <a:cs typeface="Times New Roman" panose="02020603050405020304" pitchFamily="18" charset="0"/>
               </a:rPr>
-              <a:t>Tehnologi</a:t>
+              <a:t>Salvarea</a:t>
             </a:r>
             <a:r>
               <a:rPr lang="ro-RO" sz="2400" dirty="0">
@@ -8125,7 +8918,7 @@
                 <a:latin typeface="Times New Roman" panose="02020603050405020304" pitchFamily="18" charset="0"/>
                 <a:cs typeface="Times New Roman" panose="02020603050405020304" pitchFamily="18" charset="0"/>
               </a:rPr>
-              <a:t>e</a:t>
+              <a:t> într-un mod</a:t>
             </a:r>
             <a:r>
               <a:rPr lang="en-US" sz="2400" dirty="0">
@@ -8135,7 +8928,17 @@
                 <a:latin typeface="Times New Roman" panose="02020603050405020304" pitchFamily="18" charset="0"/>
                 <a:cs typeface="Times New Roman" panose="02020603050405020304" pitchFamily="18" charset="0"/>
               </a:rPr>
-              <a:t> principal</a:t>
+              <a:t> </a:t>
+            </a:r>
+            <a:r>
+              <a:rPr lang="en-US" sz="2400" dirty="0" err="1">
+                <a:solidFill>
+                  <a:schemeClr val="tx1"/>
+                </a:solidFill>
+                <a:latin typeface="Times New Roman" panose="02020603050405020304" pitchFamily="18" charset="0"/>
+                <a:cs typeface="Times New Roman" panose="02020603050405020304" pitchFamily="18" charset="0"/>
+              </a:rPr>
+              <a:t>sigur</a:t>
             </a:r>
             <a:r>
               <a:rPr lang="ro-RO" sz="2400" dirty="0">
@@ -8145,37 +8948,7 @@
                 <a:latin typeface="Times New Roman" panose="02020603050405020304" pitchFamily="18" charset="0"/>
                 <a:cs typeface="Times New Roman" panose="02020603050405020304" pitchFamily="18" charset="0"/>
               </a:rPr>
-              <a:t>ă</a:t>
-            </a:r>
-            <a:r>
-              <a:rPr lang="en-US" sz="2400" dirty="0">
-                <a:solidFill>
-                  <a:schemeClr val="tx1"/>
-                </a:solidFill>
-                <a:latin typeface="Times New Roman" panose="02020603050405020304" pitchFamily="18" charset="0"/>
-                <a:cs typeface="Times New Roman" panose="02020603050405020304" pitchFamily="18" charset="0"/>
-              </a:rPr>
-              <a:t>:</a:t>
-            </a:r>
-            <a:r>
-              <a:rPr lang="ro-RO" sz="2400" dirty="0">
-                <a:solidFill>
-                  <a:schemeClr val="tx1"/>
-                </a:solidFill>
-                <a:latin typeface="Times New Roman" panose="02020603050405020304" pitchFamily="18" charset="0"/>
-                <a:cs typeface="Times New Roman" panose="02020603050405020304" pitchFamily="18" charset="0"/>
-              </a:rPr>
-              <a:t> </a:t>
-            </a:r>
-            <a:r>
-              <a:rPr lang="ro-RO" sz="2400" dirty="0" err="1">
-                <a:solidFill>
-                  <a:schemeClr val="tx1"/>
-                </a:solidFill>
-                <a:latin typeface="Times New Roman" panose="02020603050405020304" pitchFamily="18" charset="0"/>
-                <a:cs typeface="Times New Roman" panose="02020603050405020304" pitchFamily="18" charset="0"/>
-              </a:rPr>
-              <a:t>ASP.NET</a:t>
+              <a:t> a datelor</a:t>
             </a:r>
             <a:endParaRPr lang="en-US" sz="2400" dirty="0">
               <a:solidFill>
@@ -8186,11 +8959,21 @@
             </a:endParaRPr>
           </a:p>
           <a:p>
-            <a:pPr algn="just">
+            <a:pPr>
               <a:buFont typeface="Arial" panose="020B0604020202020204" pitchFamily="34" charset="0"/>
               <a:buChar char="•"/>
             </a:pPr>
             <a:r>
+              <a:rPr lang="en-US" sz="2400" dirty="0">
+                <a:solidFill>
+                  <a:schemeClr val="tx1"/>
+                </a:solidFill>
+                <a:latin typeface="Times New Roman" panose="02020603050405020304" pitchFamily="18" charset="0"/>
+                <a:cs typeface="Times New Roman" panose="02020603050405020304" pitchFamily="18" charset="0"/>
+              </a:rPr>
+              <a:t>Exist</a:t>
+            </a:r>
+            <a:r>
               <a:rPr lang="ro-RO" sz="2400" dirty="0">
                 <a:solidFill>
                   <a:schemeClr val="tx1"/>
@@ -8198,7 +8981,17 @@
                 <a:latin typeface="Times New Roman" panose="02020603050405020304" pitchFamily="18" charset="0"/>
                 <a:cs typeface="Times New Roman" panose="02020603050405020304" pitchFamily="18" charset="0"/>
               </a:rPr>
-              <a:t>Baza de date</a:t>
+              <a:t>ă 2 tipuri de </a:t>
+            </a:r>
+            <a:r>
+              <a:rPr lang="ro-RO" sz="2400" dirty="0" err="1">
+                <a:solidFill>
+                  <a:schemeClr val="tx1"/>
+                </a:solidFill>
+                <a:latin typeface="Times New Roman" panose="02020603050405020304" pitchFamily="18" charset="0"/>
+                <a:cs typeface="Times New Roman" panose="02020603050405020304" pitchFamily="18" charset="0"/>
+              </a:rPr>
+              <a:t>utilizato</a:t>
             </a:r>
             <a:r>
               <a:rPr lang="en-US" sz="2400" dirty="0">
@@ -8208,7 +9001,293 @@
                 <a:latin typeface="Times New Roman" panose="02020603050405020304" pitchFamily="18" charset="0"/>
                 <a:cs typeface="Times New Roman" panose="02020603050405020304" pitchFamily="18" charset="0"/>
               </a:rPr>
-              <a:t>: SQL Server Express</a:t>
+              <a:t>r</a:t>
+            </a:r>
+            <a:r>
+              <a:rPr lang="ro-RO" sz="2400" dirty="0">
+                <a:solidFill>
+                  <a:schemeClr val="tx1"/>
+                </a:solidFill>
+                <a:latin typeface="Times New Roman" panose="02020603050405020304" pitchFamily="18" charset="0"/>
+                <a:cs typeface="Times New Roman" panose="02020603050405020304" pitchFamily="18" charset="0"/>
+              </a:rPr>
+              <a:t>i</a:t>
+            </a:r>
+            <a:r>
+              <a:rPr lang="en-US" sz="2400" dirty="0">
+                <a:solidFill>
+                  <a:schemeClr val="tx1"/>
+                </a:solidFill>
+                <a:latin typeface="Times New Roman" panose="02020603050405020304" pitchFamily="18" charset="0"/>
+                <a:cs typeface="Times New Roman" panose="02020603050405020304" pitchFamily="18" charset="0"/>
+              </a:rPr>
+              <a:t>: </a:t>
+            </a:r>
+            <a:r>
+              <a:rPr lang="en-US" sz="2400" dirty="0" err="1">
+                <a:solidFill>
+                  <a:schemeClr val="tx1"/>
+                </a:solidFill>
+                <a:latin typeface="Times New Roman" panose="02020603050405020304" pitchFamily="18" charset="0"/>
+                <a:cs typeface="Times New Roman" panose="02020603050405020304" pitchFamily="18" charset="0"/>
+              </a:rPr>
+              <a:t>normali</a:t>
+            </a:r>
+            <a:r>
+              <a:rPr lang="en-US" sz="2400" dirty="0">
+                <a:solidFill>
+                  <a:schemeClr val="tx1"/>
+                </a:solidFill>
+                <a:latin typeface="Times New Roman" panose="02020603050405020304" pitchFamily="18" charset="0"/>
+                <a:cs typeface="Times New Roman" panose="02020603050405020304" pitchFamily="18" charset="0"/>
+              </a:rPr>
+              <a:t> </a:t>
+            </a:r>
+            <a:r>
+              <a:rPr lang="ro-RO" sz="2400" dirty="0">
+                <a:solidFill>
+                  <a:schemeClr val="tx1"/>
+                </a:solidFill>
+                <a:latin typeface="Times New Roman" panose="02020603050405020304" pitchFamily="18" charset="0"/>
+                <a:cs typeface="Times New Roman" panose="02020603050405020304" pitchFamily="18" charset="0"/>
+              </a:rPr>
+              <a:t>și speciali</a:t>
+            </a:r>
+          </a:p>
+          <a:p>
+            <a:pPr>
+              <a:buFont typeface="Arial" panose="020B0604020202020204" pitchFamily="34" charset="0"/>
+              <a:buChar char="•"/>
+            </a:pPr>
+            <a:r>
+              <a:rPr lang="ro-RO" sz="2400" dirty="0">
+                <a:solidFill>
+                  <a:schemeClr val="tx1"/>
+                </a:solidFill>
+                <a:latin typeface="Times New Roman" panose="02020603050405020304" pitchFamily="18" charset="0"/>
+                <a:cs typeface="Times New Roman" panose="02020603050405020304" pitchFamily="18" charset="0"/>
+              </a:rPr>
+              <a:t>Se pot găsi doctori aparținând de diverse clinici</a:t>
+            </a:r>
+            <a:endParaRPr lang="en-US" sz="2400" dirty="0">
+              <a:solidFill>
+                <a:schemeClr val="tx1"/>
+              </a:solidFill>
+              <a:latin typeface="Times New Roman" panose="02020603050405020304" pitchFamily="18" charset="0"/>
+              <a:cs typeface="Times New Roman" panose="02020603050405020304" pitchFamily="18" charset="0"/>
+            </a:endParaRPr>
+          </a:p>
+          <a:p>
+            <a:pPr>
+              <a:buFont typeface="Arial" panose="020B0604020202020204" pitchFamily="34" charset="0"/>
+              <a:buChar char="•"/>
+            </a:pPr>
+            <a:r>
+              <a:rPr lang="ro-RO" sz="2400" dirty="0">
+                <a:solidFill>
+                  <a:schemeClr val="tx1"/>
+                </a:solidFill>
+                <a:latin typeface="Times New Roman" panose="02020603050405020304" pitchFamily="18" charset="0"/>
+                <a:cs typeface="Times New Roman" panose="02020603050405020304" pitchFamily="18" charset="0"/>
+              </a:rPr>
+              <a:t>Afișarea informațiilor în mod privat pentru fiecare utilizator în parte</a:t>
+            </a:r>
+          </a:p>
+          <a:p>
+            <a:pPr>
+              <a:buFont typeface="Arial" panose="020B0604020202020204" pitchFamily="34" charset="0"/>
+              <a:buChar char="•"/>
+            </a:pPr>
+            <a:r>
+              <a:rPr lang="ro-RO" sz="2400" dirty="0">
+                <a:solidFill>
+                  <a:schemeClr val="tx1"/>
+                </a:solidFill>
+                <a:latin typeface="Times New Roman" panose="02020603050405020304" pitchFamily="18" charset="0"/>
+                <a:cs typeface="Times New Roman" panose="02020603050405020304" pitchFamily="18" charset="0"/>
+              </a:rPr>
+              <a:t>Existența unei liste de medicamente</a:t>
+            </a:r>
+            <a:r>
+              <a:rPr lang="en-US" sz="2400" dirty="0">
+                <a:solidFill>
+                  <a:schemeClr val="tx1"/>
+                </a:solidFill>
+                <a:latin typeface="Times New Roman" panose="02020603050405020304" pitchFamily="18" charset="0"/>
+                <a:cs typeface="Times New Roman" panose="02020603050405020304" pitchFamily="18" charset="0"/>
+              </a:rPr>
+              <a:t>,</a:t>
+            </a:r>
+            <a:r>
+              <a:rPr lang="ro-RO" sz="2400" dirty="0">
+                <a:solidFill>
+                  <a:schemeClr val="tx1"/>
+                </a:solidFill>
+                <a:latin typeface="Times New Roman" panose="02020603050405020304" pitchFamily="18" charset="0"/>
+                <a:cs typeface="Times New Roman" panose="02020603050405020304" pitchFamily="18" charset="0"/>
+              </a:rPr>
+              <a:t> cu informații suplimentare</a:t>
+            </a:r>
+          </a:p>
+          <a:p>
+            <a:pPr>
+              <a:buFont typeface="Arial" panose="020B0604020202020204" pitchFamily="34" charset="0"/>
+              <a:buChar char="•"/>
+            </a:pPr>
+            <a:r>
+              <a:rPr lang="ro-RO" sz="2400" dirty="0">
+                <a:solidFill>
+                  <a:schemeClr val="tx1"/>
+                </a:solidFill>
+                <a:latin typeface="Times New Roman" panose="02020603050405020304" pitchFamily="18" charset="0"/>
+                <a:cs typeface="Times New Roman" panose="02020603050405020304" pitchFamily="18" charset="0"/>
+              </a:rPr>
+              <a:t>Secțiunea de Asistență (Întrebări și răspunsuri)</a:t>
+            </a:r>
+          </a:p>
+          <a:p>
+            <a:pPr>
+              <a:buFont typeface="Arial" panose="020B0604020202020204" pitchFamily="34" charset="0"/>
+              <a:buChar char="•"/>
+            </a:pPr>
+            <a:r>
+              <a:rPr lang="ro-RO" sz="2400" dirty="0" err="1">
+                <a:solidFill>
+                  <a:schemeClr val="tx1"/>
+                </a:solidFill>
+                <a:latin typeface="Times New Roman" panose="02020603050405020304" pitchFamily="18" charset="0"/>
+                <a:cs typeface="Times New Roman" panose="02020603050405020304" pitchFamily="18" charset="0"/>
+              </a:rPr>
+              <a:t>User</a:t>
+            </a:r>
+            <a:r>
+              <a:rPr lang="ro-RO" sz="2400" dirty="0">
+                <a:solidFill>
+                  <a:schemeClr val="tx1"/>
+                </a:solidFill>
+                <a:latin typeface="Times New Roman" panose="02020603050405020304" pitchFamily="18" charset="0"/>
+                <a:cs typeface="Times New Roman" panose="02020603050405020304" pitchFamily="18" charset="0"/>
+              </a:rPr>
+              <a:t> </a:t>
+            </a:r>
+            <a:r>
+              <a:rPr lang="ro-RO" sz="2400" dirty="0" err="1">
+                <a:solidFill>
+                  <a:schemeClr val="tx1"/>
+                </a:solidFill>
+                <a:latin typeface="Times New Roman" panose="02020603050405020304" pitchFamily="18" charset="0"/>
+                <a:cs typeface="Times New Roman" panose="02020603050405020304" pitchFamily="18" charset="0"/>
+              </a:rPr>
+              <a:t>friendly</a:t>
+            </a:r>
+            <a:endParaRPr lang="en-US" sz="2400" dirty="0">
+              <a:solidFill>
+                <a:schemeClr val="tx1"/>
+              </a:solidFill>
+              <a:latin typeface="Times New Roman" panose="02020603050405020304" pitchFamily="18" charset="0"/>
+              <a:cs typeface="Times New Roman" panose="02020603050405020304" pitchFamily="18" charset="0"/>
+            </a:endParaRPr>
+          </a:p>
+          <a:p>
+            <a:pPr>
+              <a:buFont typeface="Arial" panose="020B0604020202020204" pitchFamily="34" charset="0"/>
+              <a:buChar char="•"/>
+            </a:pPr>
+            <a:r>
+              <a:rPr lang="en-US" sz="2400" dirty="0" err="1">
+                <a:solidFill>
+                  <a:schemeClr val="tx1"/>
+                </a:solidFill>
+                <a:latin typeface="Times New Roman" panose="02020603050405020304" pitchFamily="18" charset="0"/>
+                <a:cs typeface="Times New Roman" panose="02020603050405020304" pitchFamily="18" charset="0"/>
+              </a:rPr>
+              <a:t>Navigabilitate</a:t>
+            </a:r>
+            <a:r>
+              <a:rPr lang="en-US" sz="2400" dirty="0">
+                <a:solidFill>
+                  <a:schemeClr val="tx1"/>
+                </a:solidFill>
+                <a:latin typeface="Times New Roman" panose="02020603050405020304" pitchFamily="18" charset="0"/>
+                <a:cs typeface="Times New Roman" panose="02020603050405020304" pitchFamily="18" charset="0"/>
+              </a:rPr>
+              <a:t> fluent</a:t>
+            </a:r>
+            <a:r>
+              <a:rPr lang="ro-RO" sz="2400" dirty="0">
+                <a:solidFill>
+                  <a:schemeClr val="tx1"/>
+                </a:solidFill>
+                <a:latin typeface="Times New Roman" panose="02020603050405020304" pitchFamily="18" charset="0"/>
+                <a:cs typeface="Times New Roman" panose="02020603050405020304" pitchFamily="18" charset="0"/>
+              </a:rPr>
+              <a:t>ă</a:t>
+            </a:r>
+          </a:p>
+          <a:p>
+            <a:pPr>
+              <a:buFont typeface="Arial" panose="020B0604020202020204" pitchFamily="34" charset="0"/>
+              <a:buChar char="•"/>
+            </a:pPr>
+            <a:r>
+              <a:rPr lang="ro-RO" sz="2400" dirty="0">
+                <a:solidFill>
+                  <a:schemeClr val="tx1"/>
+                </a:solidFill>
+                <a:latin typeface="Times New Roman" panose="02020603050405020304" pitchFamily="18" charset="0"/>
+                <a:cs typeface="Times New Roman" panose="02020603050405020304" pitchFamily="18" charset="0"/>
+              </a:rPr>
+              <a:t>Aplicație ușor de gestionat</a:t>
+            </a:r>
+            <a:r>
+              <a:rPr lang="en-US" sz="2400" dirty="0">
+                <a:solidFill>
+                  <a:schemeClr val="tx1"/>
+                </a:solidFill>
+                <a:latin typeface="Times New Roman" panose="02020603050405020304" pitchFamily="18" charset="0"/>
+                <a:cs typeface="Times New Roman" panose="02020603050405020304" pitchFamily="18" charset="0"/>
+              </a:rPr>
+              <a:t> (</a:t>
+            </a:r>
+            <a:r>
+              <a:rPr lang="en-US" sz="2400" dirty="0" err="1">
+                <a:solidFill>
+                  <a:schemeClr val="tx1"/>
+                </a:solidFill>
+                <a:latin typeface="Times New Roman" panose="02020603050405020304" pitchFamily="18" charset="0"/>
+                <a:cs typeface="Times New Roman" panose="02020603050405020304" pitchFamily="18" charset="0"/>
+              </a:rPr>
+              <a:t>monitorizarea</a:t>
+            </a:r>
+            <a:r>
+              <a:rPr lang="en-US" sz="2400" dirty="0">
+                <a:solidFill>
+                  <a:schemeClr val="tx1"/>
+                </a:solidFill>
+                <a:latin typeface="Times New Roman" panose="02020603050405020304" pitchFamily="18" charset="0"/>
+                <a:cs typeface="Times New Roman" panose="02020603050405020304" pitchFamily="18" charset="0"/>
+              </a:rPr>
+              <a:t> </a:t>
+            </a:r>
+            <a:r>
+              <a:rPr lang="en-US" sz="2400" dirty="0" err="1">
+                <a:solidFill>
+                  <a:schemeClr val="tx1"/>
+                </a:solidFill>
+                <a:latin typeface="Times New Roman" panose="02020603050405020304" pitchFamily="18" charset="0"/>
+                <a:cs typeface="Times New Roman" panose="02020603050405020304" pitchFamily="18" charset="0"/>
+              </a:rPr>
+              <a:t>datelor</a:t>
+            </a:r>
+            <a:r>
+              <a:rPr lang="en-US" sz="2400" dirty="0">
+                <a:solidFill>
+                  <a:schemeClr val="tx1"/>
+                </a:solidFill>
+                <a:latin typeface="Times New Roman" panose="02020603050405020304" pitchFamily="18" charset="0"/>
+                <a:cs typeface="Times New Roman" panose="02020603050405020304" pitchFamily="18" charset="0"/>
+              </a:rPr>
+              <a:t>)</a:t>
             </a:r>
             <a:endParaRPr lang="ro-RO" sz="2400" dirty="0">
               <a:solidFill>
@@ -8219,279 +9298,10 @@
             </a:endParaRPr>
           </a:p>
           <a:p>
-            <a:pPr algn="just">
+            <a:pPr>
               <a:buFont typeface="Arial" panose="020B0604020202020204" pitchFamily="34" charset="0"/>
               <a:buChar char="•"/>
             </a:pPr>
-            <a:r>
-              <a:rPr lang="ro-RO" sz="2400" dirty="0" err="1">
-                <a:solidFill>
-                  <a:schemeClr val="tx1"/>
-                </a:solidFill>
-                <a:latin typeface="Times New Roman" panose="02020603050405020304" pitchFamily="18" charset="0"/>
-                <a:cs typeface="Times New Roman" panose="02020603050405020304" pitchFamily="18" charset="0"/>
-              </a:rPr>
-              <a:t>Version</a:t>
-            </a:r>
-            <a:r>
-              <a:rPr lang="ro-RO" sz="2400" dirty="0">
-                <a:solidFill>
-                  <a:schemeClr val="tx1"/>
-                </a:solidFill>
-                <a:latin typeface="Times New Roman" panose="02020603050405020304" pitchFamily="18" charset="0"/>
-                <a:cs typeface="Times New Roman" panose="02020603050405020304" pitchFamily="18" charset="0"/>
-              </a:rPr>
-              <a:t> Control</a:t>
-            </a:r>
-            <a:r>
-              <a:rPr lang="en-US" sz="2400" dirty="0">
-                <a:solidFill>
-                  <a:schemeClr val="tx1"/>
-                </a:solidFill>
-                <a:latin typeface="Times New Roman" panose="02020603050405020304" pitchFamily="18" charset="0"/>
-                <a:cs typeface="Times New Roman" panose="02020603050405020304" pitchFamily="18" charset="0"/>
-              </a:rPr>
-              <a:t>:</a:t>
-            </a:r>
-            <a:r>
-              <a:rPr lang="ro-RO" sz="2400" dirty="0">
-                <a:solidFill>
-                  <a:schemeClr val="tx1"/>
-                </a:solidFill>
-                <a:latin typeface="Times New Roman" panose="02020603050405020304" pitchFamily="18" charset="0"/>
-                <a:cs typeface="Times New Roman" panose="02020603050405020304" pitchFamily="18" charset="0"/>
-              </a:rPr>
-              <a:t> </a:t>
-            </a:r>
-            <a:r>
-              <a:rPr lang="ro-RO" sz="2400" dirty="0" err="1">
-                <a:solidFill>
-                  <a:schemeClr val="tx1"/>
-                </a:solidFill>
-                <a:latin typeface="Times New Roman" panose="02020603050405020304" pitchFamily="18" charset="0"/>
-                <a:cs typeface="Times New Roman" panose="02020603050405020304" pitchFamily="18" charset="0"/>
-              </a:rPr>
-              <a:t>GitHub</a:t>
-            </a:r>
-            <a:r>
-              <a:rPr lang="ro-RO" sz="2400" dirty="0">
-                <a:solidFill>
-                  <a:schemeClr val="tx1"/>
-                </a:solidFill>
-                <a:latin typeface="Times New Roman" panose="02020603050405020304" pitchFamily="18" charset="0"/>
-                <a:cs typeface="Times New Roman" panose="02020603050405020304" pitchFamily="18" charset="0"/>
-              </a:rPr>
-              <a:t> </a:t>
-            </a:r>
-            <a:r>
-              <a:rPr lang="en-US" sz="2400" dirty="0">
-                <a:solidFill>
-                  <a:schemeClr val="tx1"/>
-                </a:solidFill>
-                <a:latin typeface="Times New Roman" panose="02020603050405020304" pitchFamily="18" charset="0"/>
-                <a:cs typeface="Times New Roman" panose="02020603050405020304" pitchFamily="18" charset="0"/>
-              </a:rPr>
-              <a:t>(</a:t>
-            </a:r>
-            <a:r>
-              <a:rPr lang="ro-RO" sz="2400" dirty="0" err="1">
-                <a:solidFill>
-                  <a:schemeClr val="tx1"/>
-                </a:solidFill>
-                <a:latin typeface="Times New Roman" panose="02020603050405020304" pitchFamily="18" charset="0"/>
-                <a:cs typeface="Times New Roman" panose="02020603050405020304" pitchFamily="18" charset="0"/>
-              </a:rPr>
-              <a:t>GitKraken</a:t>
-            </a:r>
-            <a:r>
-              <a:rPr lang="ro-RO" sz="2400" dirty="0">
-                <a:solidFill>
-                  <a:schemeClr val="tx1"/>
-                </a:solidFill>
-                <a:latin typeface="Times New Roman" panose="02020603050405020304" pitchFamily="18" charset="0"/>
-                <a:cs typeface="Times New Roman" panose="02020603050405020304" pitchFamily="18" charset="0"/>
-              </a:rPr>
-              <a:t>)</a:t>
-            </a:r>
-            <a:endParaRPr lang="en-US" sz="2400" dirty="0">
-              <a:solidFill>
-                <a:schemeClr val="tx1"/>
-              </a:solidFill>
-              <a:latin typeface="Times New Roman" panose="02020603050405020304" pitchFamily="18" charset="0"/>
-              <a:cs typeface="Times New Roman" panose="02020603050405020304" pitchFamily="18" charset="0"/>
-            </a:endParaRPr>
-          </a:p>
-          <a:p>
-            <a:pPr algn="just">
-              <a:buFont typeface="Arial" panose="020B0604020202020204" pitchFamily="34" charset="0"/>
-              <a:buChar char="•"/>
-            </a:pPr>
-            <a:r>
-              <a:rPr lang="ro-RO" sz="2400" dirty="0">
-                <a:solidFill>
-                  <a:schemeClr val="tx1"/>
-                </a:solidFill>
-                <a:latin typeface="Times New Roman" panose="02020603050405020304" pitchFamily="18" charset="0"/>
-                <a:cs typeface="Times New Roman" panose="02020603050405020304" pitchFamily="18" charset="0"/>
-              </a:rPr>
-              <a:t>Tehnologii secundare</a:t>
-            </a:r>
-            <a:r>
-              <a:rPr lang="en-US" sz="2400" dirty="0">
-                <a:solidFill>
-                  <a:schemeClr val="tx1"/>
-                </a:solidFill>
-                <a:latin typeface="Times New Roman" panose="02020603050405020304" pitchFamily="18" charset="0"/>
-                <a:cs typeface="Times New Roman" panose="02020603050405020304" pitchFamily="18" charset="0"/>
-              </a:rPr>
-              <a:t>: </a:t>
-            </a:r>
-          </a:p>
-          <a:p>
-            <a:pPr lvl="1" algn="just"/>
-            <a:r>
-              <a:rPr lang="ro-RO" sz="2400" dirty="0" err="1">
-                <a:solidFill>
-                  <a:schemeClr val="tx1"/>
-                </a:solidFill>
-                <a:latin typeface="Times New Roman" panose="02020603050405020304" pitchFamily="18" charset="0"/>
-                <a:cs typeface="Times New Roman" panose="02020603050405020304" pitchFamily="18" charset="0"/>
-              </a:rPr>
-              <a:t>HTML</a:t>
-            </a:r>
-            <a:endParaRPr lang="en-US" sz="2400" dirty="0">
-              <a:solidFill>
-                <a:schemeClr val="tx1"/>
-              </a:solidFill>
-              <a:latin typeface="Times New Roman" panose="02020603050405020304" pitchFamily="18" charset="0"/>
-              <a:cs typeface="Times New Roman" panose="02020603050405020304" pitchFamily="18" charset="0"/>
-            </a:endParaRPr>
-          </a:p>
-          <a:p>
-            <a:pPr lvl="1" algn="just"/>
-            <a:r>
-              <a:rPr lang="ro-RO" sz="2400" dirty="0">
-                <a:solidFill>
-                  <a:schemeClr val="tx1"/>
-                </a:solidFill>
-                <a:latin typeface="Times New Roman" panose="02020603050405020304" pitchFamily="18" charset="0"/>
-                <a:cs typeface="Times New Roman" panose="02020603050405020304" pitchFamily="18" charset="0"/>
-              </a:rPr>
-              <a:t>CSS</a:t>
-            </a:r>
-            <a:endParaRPr lang="en-US" sz="2400" dirty="0">
-              <a:solidFill>
-                <a:schemeClr val="tx1"/>
-              </a:solidFill>
-              <a:latin typeface="Times New Roman" panose="02020603050405020304" pitchFamily="18" charset="0"/>
-              <a:cs typeface="Times New Roman" panose="02020603050405020304" pitchFamily="18" charset="0"/>
-            </a:endParaRPr>
-          </a:p>
-          <a:p>
-            <a:pPr lvl="1" algn="just"/>
-            <a:r>
-              <a:rPr lang="ro-RO" sz="2400" dirty="0" err="1">
-                <a:solidFill>
-                  <a:schemeClr val="tx1"/>
-                </a:solidFill>
-                <a:latin typeface="Times New Roman" panose="02020603050405020304" pitchFamily="18" charset="0"/>
-                <a:cs typeface="Times New Roman" panose="02020603050405020304" pitchFamily="18" charset="0"/>
-              </a:rPr>
-              <a:t>JavaScript</a:t>
-            </a:r>
-            <a:endParaRPr lang="en-US" sz="2400" dirty="0">
-              <a:solidFill>
-                <a:schemeClr val="tx1"/>
-              </a:solidFill>
-              <a:latin typeface="Times New Roman" panose="02020603050405020304" pitchFamily="18" charset="0"/>
-              <a:cs typeface="Times New Roman" panose="02020603050405020304" pitchFamily="18" charset="0"/>
-            </a:endParaRPr>
-          </a:p>
-          <a:p>
-            <a:pPr lvl="1" algn="just"/>
-            <a:r>
-              <a:rPr lang="ro-RO" sz="2400" dirty="0" err="1">
-                <a:solidFill>
-                  <a:schemeClr val="tx1"/>
-                </a:solidFill>
-                <a:latin typeface="Times New Roman" panose="02020603050405020304" pitchFamily="18" charset="0"/>
-                <a:cs typeface="Times New Roman" panose="02020603050405020304" pitchFamily="18" charset="0"/>
-              </a:rPr>
-              <a:t>Bootstrap</a:t>
-            </a:r>
-            <a:endParaRPr lang="en-US" sz="2400" dirty="0">
-              <a:solidFill>
-                <a:schemeClr val="tx1"/>
-              </a:solidFill>
-              <a:latin typeface="Times New Roman" panose="02020603050405020304" pitchFamily="18" charset="0"/>
-              <a:cs typeface="Times New Roman" panose="02020603050405020304" pitchFamily="18" charset="0"/>
-            </a:endParaRPr>
-          </a:p>
-          <a:p>
-            <a:pPr algn="just">
-              <a:buFont typeface="Arial" panose="020B0604020202020204" pitchFamily="34" charset="0"/>
-              <a:buChar char="•"/>
-            </a:pPr>
-            <a:r>
-              <a:rPr lang="en-US" sz="2400" dirty="0">
-                <a:solidFill>
-                  <a:schemeClr val="tx1"/>
-                </a:solidFill>
-                <a:latin typeface="Times New Roman" panose="02020603050405020304" pitchFamily="18" charset="0"/>
-                <a:cs typeface="Times New Roman" panose="02020603050405020304" pitchFamily="18" charset="0"/>
-              </a:rPr>
-              <a:t>Logo </a:t>
-            </a:r>
-            <a:r>
-              <a:rPr lang="ro-RO" sz="2400" dirty="0">
-                <a:solidFill>
-                  <a:schemeClr val="tx1"/>
-                </a:solidFill>
-                <a:latin typeface="Times New Roman" panose="02020603050405020304" pitchFamily="18" charset="0"/>
-                <a:cs typeface="Times New Roman" panose="02020603050405020304" pitchFamily="18" charset="0"/>
-              </a:rPr>
-              <a:t>și </a:t>
-            </a:r>
-            <a:r>
-              <a:rPr lang="ro-RO" sz="2400" dirty="0" err="1">
-                <a:solidFill>
-                  <a:schemeClr val="tx1"/>
-                </a:solidFill>
-                <a:latin typeface="Times New Roman" panose="02020603050405020304" pitchFamily="18" charset="0"/>
-                <a:cs typeface="Times New Roman" panose="02020603050405020304" pitchFamily="18" charset="0"/>
-              </a:rPr>
-              <a:t>icons</a:t>
-            </a:r>
-            <a:r>
-              <a:rPr lang="en-US" sz="2400" dirty="0">
-                <a:solidFill>
-                  <a:schemeClr val="tx1"/>
-                </a:solidFill>
-                <a:latin typeface="Times New Roman" panose="02020603050405020304" pitchFamily="18" charset="0"/>
-                <a:cs typeface="Times New Roman" panose="02020603050405020304" pitchFamily="18" charset="0"/>
-              </a:rPr>
-              <a:t>: </a:t>
-            </a:r>
-            <a:r>
-              <a:rPr lang="ro-RO" sz="2400" dirty="0">
-                <a:solidFill>
-                  <a:schemeClr val="tx1"/>
-                </a:solidFill>
-                <a:latin typeface="Times New Roman" panose="02020603050405020304" pitchFamily="18" charset="0"/>
-                <a:cs typeface="Times New Roman" panose="02020603050405020304" pitchFamily="18" charset="0"/>
-              </a:rPr>
-              <a:t>Adobe </a:t>
-            </a:r>
-            <a:r>
-              <a:rPr lang="ro-RO" sz="2400" dirty="0" err="1">
-                <a:solidFill>
-                  <a:schemeClr val="tx1"/>
-                </a:solidFill>
-                <a:latin typeface="Times New Roman" panose="02020603050405020304" pitchFamily="18" charset="0"/>
-                <a:cs typeface="Times New Roman" panose="02020603050405020304" pitchFamily="18" charset="0"/>
-              </a:rPr>
-              <a:t>Illustrator</a:t>
-            </a:r>
             <a:endParaRPr lang="ro-RO" sz="2400" dirty="0">
               <a:solidFill>
                 <a:schemeClr val="tx1"/>
@@ -8500,6 +9310,19 @@
               <a:cs typeface="Times New Roman" panose="02020603050405020304" pitchFamily="18" charset="0"/>
             </a:endParaRPr>
           </a:p>
+          <a:p>
+            <a:pPr>
+              <a:buFont typeface="Arial" panose="020B0604020202020204" pitchFamily="34" charset="0"/>
+              <a:buChar char="•"/>
+            </a:pPr>
+            <a:endParaRPr lang="ro-RO" sz="2400" dirty="0">
+              <a:solidFill>
+                <a:schemeClr val="tx1"/>
+              </a:solidFill>
+              <a:latin typeface="Times New Roman" panose="02020603050405020304" pitchFamily="18" charset="0"/>
+              <a:cs typeface="Times New Roman" panose="02020603050405020304" pitchFamily="18" charset="0"/>
+            </a:endParaRPr>
+          </a:p>
         </p:txBody>
       </p:sp>
       <p:sp>
@@ -8507,7 +9330,7 @@
           <p:cNvPr id="6" name="Slide Number Placeholder 5">
             <a:extLst>
               <a:ext uri="{FF2B5EF4-FFF2-40B4-BE49-F238E27FC236}">
-                <a16:creationId xmlns:a16="http://schemas.microsoft.com/office/drawing/2014/main" id="{1A343845-0B29-4F40-AA0F-055A25494808}"/>
+                <a16:creationId xmlns:a16="http://schemas.microsoft.com/office/drawing/2014/main" id="{D1C60C3E-00A9-4360-B070-F8058FF9E61B}"/>
               </a:ext>
             </a:extLst>
           </p:cNvPr>
@@ -8518,19 +9341,14 @@
             <p:ph type="sldNum" sz="quarter" idx="12"/>
           </p:nvPr>
         </p:nvSpPr>
-        <p:spPr>
-          <a:xfrm>
-            <a:off x="10363200" y="5578475"/>
-            <a:ext cx="1142245" cy="669925"/>
-          </a:xfrm>
-        </p:spPr>
+        <p:spPr/>
         <p:txBody>
           <a:bodyPr/>
           <a:lstStyle/>
           <a:p>
             <a:r>
               <a:rPr lang="ro-RO" dirty="0"/>
-              <a:t>4</a:t>
+              <a:t>5</a:t>
             </a:r>
             <a:endParaRPr lang="en-US" dirty="0"/>
           </a:p>
@@ -8539,7 +9357,7 @@
     </p:spTree>
     <p:extLst>
       <p:ext uri="{BB962C8B-B14F-4D97-AF65-F5344CB8AC3E}">
-        <p14:creationId xmlns:p14="http://schemas.microsoft.com/office/powerpoint/2010/main" val="3791107911"/>
+        <p14:creationId xmlns:p14="http://schemas.microsoft.com/office/powerpoint/2010/main" val="3335911691"/>
       </p:ext>
     </p:extLst>
   </p:cSld>
@@ -8583,7 +9401,7 @@
           <p:cNvPr id="2" name="Title 1">
             <a:extLst>
               <a:ext uri="{FF2B5EF4-FFF2-40B4-BE49-F238E27FC236}">
-                <a16:creationId xmlns:a16="http://schemas.microsoft.com/office/drawing/2014/main" id="{DE1AB039-1E5E-40C6-B9D5-B0D5745D0DE1}"/>
+                <a16:creationId xmlns:a16="http://schemas.microsoft.com/office/drawing/2014/main" id="{EB351EDB-81AB-48ED-B327-A968CC61293A}"/>
               </a:ext>
             </a:extLst>
           </p:cNvPr>
@@ -8596,7 +9414,7 @@
         </p:nvSpPr>
         <p:spPr>
           <a:xfrm>
-            <a:off x="1828800" y="657012"/>
+            <a:off x="1828800" y="2675466"/>
             <a:ext cx="8534400" cy="1507067"/>
           </a:xfrm>
         </p:spPr>
@@ -8608,21 +9426,25 @@
           <a:p>
             <a:pPr algn="ctr"/>
             <a:r>
-              <a:rPr lang="ro-RO" sz="3200" cap="none" dirty="0">
-                <a:latin typeface="Times New Roman" panose="02020603050405020304" pitchFamily="18" charset="0"/>
-                <a:cs typeface="Times New Roman" panose="02020603050405020304" pitchFamily="18" charset="0"/>
-              </a:rPr>
-              <a:t>Contribuții</a:t>
-            </a:r>
-          </a:p>
-        </p:txBody>
-      </p:sp>
-      <p:sp>
-        <p:nvSpPr>
-          <p:cNvPr id="3" name="Content Placeholder 2">
+              <a:rPr lang="ro-RO" sz="8800" cap="none" dirty="0" err="1">
+                <a:latin typeface="Times New Roman" panose="02020603050405020304" pitchFamily="18" charset="0"/>
+                <a:cs typeface="Times New Roman" panose="02020603050405020304" pitchFamily="18" charset="0"/>
+              </a:rPr>
+              <a:t>Demo</a:t>
+            </a:r>
+            <a:endParaRPr lang="ro-RO" sz="8800" cap="none" dirty="0">
+              <a:latin typeface="Times New Roman" panose="02020603050405020304" pitchFamily="18" charset="0"/>
+              <a:cs typeface="Times New Roman" panose="02020603050405020304" pitchFamily="18" charset="0"/>
+            </a:endParaRPr>
+          </a:p>
+        </p:txBody>
+      </p:sp>
+      <p:sp>
+        <p:nvSpPr>
+          <p:cNvPr id="5" name="Slide Number Placeholder 4">
             <a:extLst>
               <a:ext uri="{FF2B5EF4-FFF2-40B4-BE49-F238E27FC236}">
-                <a16:creationId xmlns:a16="http://schemas.microsoft.com/office/drawing/2014/main" id="{58AE9B0E-6218-4211-8D36-5D131D5749DD}"/>
+                <a16:creationId xmlns:a16="http://schemas.microsoft.com/office/drawing/2014/main" id="{3C1B2175-FEA2-40C8-AB0B-EBFD1640A7D9}"/>
               </a:ext>
             </a:extLst>
           </p:cNvPr>
@@ -8630,240 +9452,122 @@
             <a:spLocks noGrp="1"/>
           </p:cNvSpPr>
           <p:nvPr>
-            <p:ph idx="1"/>
-          </p:nvPr>
+            <p:ph type="sldNum" sz="quarter" idx="12"/>
+          </p:nvPr>
+        </p:nvSpPr>
+        <p:spPr/>
+        <p:txBody>
+          <a:bodyPr/>
+          <a:lstStyle/>
+          <a:p>
+            <a:r>
+              <a:rPr lang="ro-RO" dirty="0"/>
+              <a:t>6</a:t>
+            </a:r>
+            <a:endParaRPr lang="en-US" dirty="0"/>
+          </a:p>
+        </p:txBody>
+      </p:sp>
+      <p:sp>
+        <p:nvSpPr>
+          <p:cNvPr id="3" name="TextBox 2">
+            <a:extLst>
+              <a:ext uri="{FF2B5EF4-FFF2-40B4-BE49-F238E27FC236}">
+                <a16:creationId xmlns:a16="http://schemas.microsoft.com/office/drawing/2014/main" id="{F7323618-52DA-48D3-8594-A9C8781E3237}"/>
+              </a:ext>
+            </a:extLst>
+          </p:cNvPr>
+          <p:cNvSpPr txBox="1"/>
+          <p:nvPr/>
         </p:nvSpPr>
         <p:spPr>
           <a:xfrm>
-            <a:off x="1513840" y="1904999"/>
-            <a:ext cx="9441375" cy="4434255"/>
+            <a:off x="3414963" y="4283240"/>
+            <a:ext cx="5362073" cy="461665"/>
           </a:xfrm>
+          <a:prstGeom prst="rect">
+            <a:avLst/>
+          </a:prstGeom>
+          <a:noFill/>
         </p:spPr>
         <p:txBody>
-          <a:bodyPr anchor="t">
-            <a:normAutofit/>
+          <a:bodyPr wrap="square" rtlCol="0">
+            <a:spAutoFit/>
           </a:bodyPr>
           <a:lstStyle/>
           <a:p>
-            <a:pPr algn="just">
-              <a:buFont typeface="Arial" panose="020B0604020202020204" pitchFamily="34" charset="0"/>
-              <a:buChar char="•"/>
-            </a:pPr>
             <a:r>
               <a:rPr lang="ro-RO" sz="2400" dirty="0">
-                <a:solidFill>
-                  <a:schemeClr val="tx1"/>
-                </a:solidFill>
-                <a:latin typeface="Times New Roman" panose="02020603050405020304" pitchFamily="18" charset="0"/>
-                <a:cs typeface="Times New Roman" panose="02020603050405020304" pitchFamily="18" charset="0"/>
-              </a:rPr>
-              <a:t>Afișarea informațiilor în mod privat pentru fiecare utilizator în parte</a:t>
-            </a:r>
-          </a:p>
-          <a:p>
-            <a:pPr algn="just">
-              <a:buFont typeface="Arial" panose="020B0604020202020204" pitchFamily="34" charset="0"/>
-              <a:buChar char="•"/>
-            </a:pPr>
+                <a:latin typeface="Times New Roman" panose="02020603050405020304" pitchFamily="18" charset="0"/>
+                <a:cs typeface="Times New Roman" panose="02020603050405020304" pitchFamily="18" charset="0"/>
+              </a:rPr>
+              <a:t>Backup</a:t>
+            </a:r>
+            <a:r>
+              <a:rPr lang="en-US" sz="2400" dirty="0">
+                <a:latin typeface="Times New Roman" panose="02020603050405020304" pitchFamily="18" charset="0"/>
+                <a:cs typeface="Times New Roman" panose="02020603050405020304" pitchFamily="18" charset="0"/>
+              </a:rPr>
+              <a:t>: </a:t>
+            </a:r>
+            <a:r>
+              <a:rPr lang="ro-RO" sz="2400" dirty="0" err="1">
+                <a:latin typeface="Times New Roman" panose="02020603050405020304" pitchFamily="18" charset="0"/>
+                <a:cs typeface="Times New Roman" panose="02020603050405020304" pitchFamily="18" charset="0"/>
+                <a:hlinkClick r:id="rId3"/>
+              </a:rPr>
+              <a:t>https</a:t>
+            </a:r>
             <a:r>
               <a:rPr lang="ro-RO" sz="2400" dirty="0">
-                <a:solidFill>
-                  <a:schemeClr val="tx1"/>
-                </a:solidFill>
-                <a:latin typeface="Times New Roman" panose="02020603050405020304" pitchFamily="18" charset="0"/>
-                <a:cs typeface="Times New Roman" panose="02020603050405020304" pitchFamily="18" charset="0"/>
-              </a:rPr>
-              <a:t>Lista cu toți Doctorii înregistrați</a:t>
-            </a:r>
-          </a:p>
-          <a:p>
-            <a:pPr algn="just">
-              <a:buFont typeface="Arial" panose="020B0604020202020204" pitchFamily="34" charset="0"/>
-              <a:buChar char="•"/>
-            </a:pPr>
+                <a:latin typeface="Times New Roman" panose="02020603050405020304" pitchFamily="18" charset="0"/>
+                <a:cs typeface="Times New Roman" panose="02020603050405020304" pitchFamily="18" charset="0"/>
+                <a:hlinkClick r:id="rId3"/>
+              </a:rPr>
+              <a:t>://</a:t>
+            </a:r>
+            <a:r>
+              <a:rPr lang="ro-RO" sz="2400" dirty="0" err="1">
+                <a:latin typeface="Times New Roman" panose="02020603050405020304" pitchFamily="18" charset="0"/>
+                <a:cs typeface="Times New Roman" panose="02020603050405020304" pitchFamily="18" charset="0"/>
+                <a:hlinkClick r:id="rId3"/>
+              </a:rPr>
+              <a:t>youtu.be</a:t>
+            </a:r>
             <a:r>
               <a:rPr lang="ro-RO" sz="2400" dirty="0">
-                <a:solidFill>
-                  <a:schemeClr val="tx1"/>
-                </a:solidFill>
-                <a:latin typeface="Times New Roman" panose="02020603050405020304" pitchFamily="18" charset="0"/>
-                <a:cs typeface="Times New Roman" panose="02020603050405020304" pitchFamily="18" charset="0"/>
-              </a:rPr>
-              <a:t>Existența unei liste de medicamente cu informații suplimentare</a:t>
-            </a:r>
-          </a:p>
-          <a:p>
-            <a:pPr algn="just">
-              <a:buFont typeface="Arial" panose="020B0604020202020204" pitchFamily="34" charset="0"/>
-              <a:buChar char="•"/>
-            </a:pPr>
-            <a:r>
-              <a:rPr lang="ro-RO" sz="2400" dirty="0">
-                <a:solidFill>
-                  <a:schemeClr val="tx1"/>
-                </a:solidFill>
-                <a:latin typeface="Times New Roman" panose="02020603050405020304" pitchFamily="18" charset="0"/>
-                <a:cs typeface="Times New Roman" panose="02020603050405020304" pitchFamily="18" charset="0"/>
-              </a:rPr>
-              <a:t>Secțiunea de Asistență (Întrebări și răspunsuri)</a:t>
-            </a:r>
-          </a:p>
-          <a:p>
-            <a:pPr algn="just">
-              <a:buFont typeface="Arial" panose="020B0604020202020204" pitchFamily="34" charset="0"/>
-              <a:buChar char="•"/>
-            </a:pPr>
+                <a:latin typeface="Times New Roman" panose="02020603050405020304" pitchFamily="18" charset="0"/>
+                <a:cs typeface="Times New Roman" panose="02020603050405020304" pitchFamily="18" charset="0"/>
+                <a:hlinkClick r:id="rId3"/>
+              </a:rPr>
+              <a:t>/</a:t>
+            </a:r>
             <a:r>
               <a:rPr lang="ro-RO" sz="2400" dirty="0" err="1">
-                <a:solidFill>
-                  <a:schemeClr val="tx1"/>
-                </a:solidFill>
-                <a:latin typeface="Times New Roman" panose="02020603050405020304" pitchFamily="18" charset="0"/>
-                <a:cs typeface="Times New Roman" panose="02020603050405020304" pitchFamily="18" charset="0"/>
-              </a:rPr>
-              <a:t>User</a:t>
-            </a:r>
-            <a:r>
-              <a:rPr lang="ro-RO" sz="2400" dirty="0">
-                <a:solidFill>
-                  <a:schemeClr val="tx1"/>
-                </a:solidFill>
+                <a:latin typeface="Times New Roman" panose="02020603050405020304" pitchFamily="18" charset="0"/>
+                <a:cs typeface="Times New Roman" panose="02020603050405020304" pitchFamily="18" charset="0"/>
+                <a:hlinkClick r:id="rId3"/>
+              </a:rPr>
+              <a:t>3wNYpVMhC1I</a:t>
+            </a:r>
+            <a:r>
+              <a:rPr lang="en-US" sz="2400" dirty="0">
                 <a:latin typeface="Times New Roman" panose="02020603050405020304" pitchFamily="18" charset="0"/>
                 <a:cs typeface="Times New Roman" panose="02020603050405020304" pitchFamily="18" charset="0"/>
               </a:rPr>
               <a:t> </a:t>
             </a:r>
-            <a:r>
-              <a:rPr lang="ro-RO" sz="2400" dirty="0" err="1">
-                <a:solidFill>
-                  <a:schemeClr val="tx1"/>
-                </a:solidFill>
-                <a:latin typeface="Times New Roman" panose="02020603050405020304" pitchFamily="18" charset="0"/>
-                <a:cs typeface="Times New Roman" panose="02020603050405020304" pitchFamily="18" charset="0"/>
-              </a:rPr>
-              <a:t>friendly</a:t>
-            </a:r>
-            <a:endParaRPr lang="en-US" sz="2400" dirty="0">
-              <a:solidFill>
-                <a:schemeClr val="tx1"/>
-              </a:solidFill>
+            <a:endParaRPr lang="ro-RO" sz="2400" dirty="0">
               <a:latin typeface="Times New Roman" panose="02020603050405020304" pitchFamily="18" charset="0"/>
               <a:cs typeface="Times New Roman" panose="02020603050405020304" pitchFamily="18" charset="0"/>
             </a:endParaRPr>
           </a:p>
-          <a:p>
-            <a:pPr algn="just">
-              <a:buFont typeface="Arial" panose="020B0604020202020204" pitchFamily="34" charset="0"/>
-              <a:buChar char="•"/>
-            </a:pPr>
-            <a:r>
-              <a:rPr lang="en-US" sz="2400" dirty="0" err="1">
-                <a:solidFill>
-                  <a:schemeClr val="tx1"/>
-                </a:solidFill>
-                <a:latin typeface="Times New Roman" panose="02020603050405020304" pitchFamily="18" charset="0"/>
-                <a:cs typeface="Times New Roman" panose="02020603050405020304" pitchFamily="18" charset="0"/>
-              </a:rPr>
-              <a:t>Navigabilitate</a:t>
-            </a:r>
-            <a:r>
-              <a:rPr lang="en-US" sz="2400" dirty="0">
-                <a:solidFill>
-                  <a:schemeClr val="tx1"/>
-                </a:solidFill>
-                <a:latin typeface="Times New Roman" panose="02020603050405020304" pitchFamily="18" charset="0"/>
-                <a:cs typeface="Times New Roman" panose="02020603050405020304" pitchFamily="18" charset="0"/>
-              </a:rPr>
-              <a:t> fluent</a:t>
-            </a:r>
-            <a:r>
-              <a:rPr lang="ro-RO" sz="2400" dirty="0">
-                <a:solidFill>
-                  <a:schemeClr val="tx1"/>
-                </a:solidFill>
-                <a:latin typeface="Times New Roman" panose="02020603050405020304" pitchFamily="18" charset="0"/>
-                <a:cs typeface="Times New Roman" panose="02020603050405020304" pitchFamily="18" charset="0"/>
-              </a:rPr>
-              <a:t>ă</a:t>
-            </a:r>
-          </a:p>
-          <a:p>
-            <a:pPr algn="just">
-              <a:buFont typeface="Arial" panose="020B0604020202020204" pitchFamily="34" charset="0"/>
-              <a:buChar char="•"/>
-            </a:pPr>
-            <a:r>
-              <a:rPr lang="ro-RO" sz="2400" dirty="0">
-                <a:solidFill>
-                  <a:schemeClr val="tx1"/>
-                </a:solidFill>
-                <a:latin typeface="Times New Roman" panose="02020603050405020304" pitchFamily="18" charset="0"/>
-                <a:cs typeface="Times New Roman" panose="02020603050405020304" pitchFamily="18" charset="0"/>
-              </a:rPr>
-              <a:t>Aplicație ușor de gestionat</a:t>
-            </a:r>
-          </a:p>
-          <a:p>
-            <a:pPr algn="just">
-              <a:buFont typeface="Arial" panose="020B0604020202020204" pitchFamily="34" charset="0"/>
-              <a:buChar char="•"/>
-            </a:pPr>
-            <a:endParaRPr lang="ro-RO" sz="2400" dirty="0">
-              <a:solidFill>
-                <a:schemeClr val="tx1"/>
-              </a:solidFill>
-              <a:latin typeface="Times New Roman" panose="02020603050405020304" pitchFamily="18" charset="0"/>
-              <a:cs typeface="Times New Roman" panose="02020603050405020304" pitchFamily="18" charset="0"/>
-            </a:endParaRPr>
-          </a:p>
-          <a:p>
-            <a:pPr algn="just">
-              <a:buFont typeface="Arial" panose="020B0604020202020204" pitchFamily="34" charset="0"/>
-              <a:buChar char="•"/>
-            </a:pPr>
-            <a:endParaRPr lang="ro-RO" sz="2400" dirty="0">
-              <a:solidFill>
-                <a:schemeClr val="tx1"/>
-              </a:solidFill>
-              <a:latin typeface="Times New Roman" panose="02020603050405020304" pitchFamily="18" charset="0"/>
-              <a:cs typeface="Times New Roman" panose="02020603050405020304" pitchFamily="18" charset="0"/>
-            </a:endParaRPr>
-          </a:p>
-        </p:txBody>
-      </p:sp>
-      <p:sp>
-        <p:nvSpPr>
-          <p:cNvPr id="6" name="Slide Number Placeholder 5">
-            <a:extLst>
-              <a:ext uri="{FF2B5EF4-FFF2-40B4-BE49-F238E27FC236}">
-                <a16:creationId xmlns:a16="http://schemas.microsoft.com/office/drawing/2014/main" id="{D1C60C3E-00A9-4360-B070-F8058FF9E61B}"/>
-              </a:ext>
-            </a:extLst>
-          </p:cNvPr>
-          <p:cNvSpPr>
-            <a:spLocks noGrp="1"/>
-          </p:cNvSpPr>
-          <p:nvPr>
-            <p:ph type="sldNum" sz="quarter" idx="12"/>
-          </p:nvPr>
-        </p:nvSpPr>
-        <p:spPr/>
-        <p:txBody>
-          <a:bodyPr/>
-          <a:lstStyle/>
-          <a:p>
-            <a:r>
-              <a:rPr lang="ro-RO" dirty="0"/>
-              <a:t>5</a:t>
-            </a:r>
-            <a:endParaRPr lang="en-US" dirty="0"/>
-          </a:p>
         </p:txBody>
       </p:sp>
     </p:spTree>
     <p:extLst>
       <p:ext uri="{BB962C8B-B14F-4D97-AF65-F5344CB8AC3E}">
-        <p14:creationId xmlns:p14="http://schemas.microsoft.com/office/powerpoint/2010/main" val="3335911691"/>
+        <p14:creationId xmlns:p14="http://schemas.microsoft.com/office/powerpoint/2010/main" val="2567799820"/>
       </p:ext>
     </p:extLst>
   </p:cSld>
@@ -8907,7 +9611,7 @@
           <p:cNvPr id="2" name="Title 1">
             <a:extLst>
               <a:ext uri="{FF2B5EF4-FFF2-40B4-BE49-F238E27FC236}">
-                <a16:creationId xmlns:a16="http://schemas.microsoft.com/office/drawing/2014/main" id="{EB351EDB-81AB-48ED-B327-A968CC61293A}"/>
+                <a16:creationId xmlns:a16="http://schemas.microsoft.com/office/drawing/2014/main" id="{DE1AB039-1E5E-40C6-B9D5-B0D5745D0DE1}"/>
               </a:ext>
             </a:extLst>
           </p:cNvPr>
@@ -8920,7 +9624,7 @@
         </p:nvSpPr>
         <p:spPr>
           <a:xfrm>
-            <a:off x="1828800" y="2675466"/>
+            <a:off x="1828800" y="657012"/>
             <a:ext cx="8534400" cy="1507067"/>
           </a:xfrm>
         </p:spPr>
@@ -8932,13 +9636,13 @@
           <a:p>
             <a:pPr algn="ctr"/>
             <a:r>
-              <a:rPr lang="ro-RO" sz="8800" cap="none" dirty="0" err="1">
-                <a:latin typeface="Times New Roman" panose="02020603050405020304" pitchFamily="18" charset="0"/>
-                <a:cs typeface="Times New Roman" panose="02020603050405020304" pitchFamily="18" charset="0"/>
-              </a:rPr>
-              <a:t>Demo</a:t>
-            </a:r>
-            <a:endParaRPr lang="ro-RO" sz="8800" cap="none" dirty="0">
+              <a:rPr lang="en-US" sz="3200" cap="none" dirty="0" err="1">
+                <a:latin typeface="Times New Roman" panose="02020603050405020304" pitchFamily="18" charset="0"/>
+                <a:cs typeface="Times New Roman" panose="02020603050405020304" pitchFamily="18" charset="0"/>
+              </a:rPr>
+              <a:t>Concluzii</a:t>
+            </a:r>
+            <a:endParaRPr lang="ro-RO" sz="3200" cap="none" dirty="0">
               <a:latin typeface="Times New Roman" panose="02020603050405020304" pitchFamily="18" charset="0"/>
               <a:cs typeface="Times New Roman" panose="02020603050405020304" pitchFamily="18" charset="0"/>
             </a:endParaRPr>
@@ -8947,10 +9651,10 @@
       </p:sp>
       <p:sp>
         <p:nvSpPr>
-          <p:cNvPr id="5" name="Slide Number Placeholder 4">
+          <p:cNvPr id="3" name="Content Placeholder 2">
             <a:extLst>
               <a:ext uri="{FF2B5EF4-FFF2-40B4-BE49-F238E27FC236}">
-                <a16:creationId xmlns:a16="http://schemas.microsoft.com/office/drawing/2014/main" id="{3C1B2175-FEA2-40C8-AB0B-EBFD1640A7D9}"/>
+                <a16:creationId xmlns:a16="http://schemas.microsoft.com/office/drawing/2014/main" id="{58AE9B0E-6218-4211-8D36-5D131D5749DD}"/>
               </a:ext>
             </a:extLst>
           </p:cNvPr>
@@ -8958,6 +9662,135 @@
             <a:spLocks noGrp="1"/>
           </p:cNvSpPr>
           <p:nvPr>
+            <p:ph idx="1"/>
+          </p:nvPr>
+        </p:nvSpPr>
+        <p:spPr>
+          <a:xfrm>
+            <a:off x="1513840" y="1904999"/>
+            <a:ext cx="9441375" cy="4434255"/>
+          </a:xfrm>
+        </p:spPr>
+        <p:txBody>
+          <a:bodyPr anchor="t">
+            <a:normAutofit/>
+          </a:bodyPr>
+          <a:lstStyle/>
+          <a:p>
+            <a:pPr marL="0" indent="0">
+              <a:buNone/>
+            </a:pPr>
+            <a:r>
+              <a:rPr lang="ro-RO" sz="2400" dirty="0">
+                <a:solidFill>
+                  <a:schemeClr val="tx1"/>
+                </a:solidFill>
+                <a:latin typeface="Times New Roman" panose="02020603050405020304" pitchFamily="18" charset="0"/>
+                <a:cs typeface="Times New Roman" panose="02020603050405020304" pitchFamily="18" charset="0"/>
+              </a:rPr>
+              <a:t>  </a:t>
+            </a:r>
+            <a:r>
+              <a:rPr lang="ro-RO" sz="2400" b="1" dirty="0" err="1">
+                <a:solidFill>
+                  <a:schemeClr val="tx1"/>
+                </a:solidFill>
+                <a:latin typeface="Times New Roman" panose="02020603050405020304" pitchFamily="18" charset="0"/>
+                <a:cs typeface="Times New Roman" panose="02020603050405020304" pitchFamily="18" charset="0"/>
+              </a:rPr>
+              <a:t>MediArch</a:t>
+            </a:r>
+            <a:r>
+              <a:rPr lang="ro-RO" sz="2400" dirty="0">
+                <a:solidFill>
+                  <a:schemeClr val="tx1"/>
+                </a:solidFill>
+                <a:latin typeface="Times New Roman" panose="02020603050405020304" pitchFamily="18" charset="0"/>
+                <a:cs typeface="Times New Roman" panose="02020603050405020304" pitchFamily="18" charset="0"/>
+              </a:rPr>
+              <a:t> este o aplicație web, conturată pe domeniul medical, care va ține la loc sigur toate datele din istoricul medical al unei persoane.</a:t>
+            </a:r>
+          </a:p>
+          <a:p>
+            <a:pPr marL="0" indent="0">
+              <a:buNone/>
+            </a:pPr>
+            <a:r>
+              <a:rPr lang="ro-RO" sz="2400" dirty="0">
+                <a:solidFill>
+                  <a:schemeClr val="tx1"/>
+                </a:solidFill>
+                <a:latin typeface="Times New Roman" panose="02020603050405020304" pitchFamily="18" charset="0"/>
+                <a:cs typeface="Times New Roman" panose="02020603050405020304" pitchFamily="18" charset="0"/>
+              </a:rPr>
+              <a:t>  Poate fi utilizată de doctori aparținând de diverse clinici.</a:t>
+            </a:r>
+          </a:p>
+          <a:p>
+            <a:pPr marL="0" indent="0">
+              <a:buNone/>
+            </a:pPr>
+            <a:r>
+              <a:rPr lang="ro-RO" sz="2400" dirty="0">
+                <a:solidFill>
+                  <a:schemeClr val="tx1"/>
+                </a:solidFill>
+                <a:latin typeface="Times New Roman" panose="02020603050405020304" pitchFamily="18" charset="0"/>
+                <a:cs typeface="Times New Roman" panose="02020603050405020304" pitchFamily="18" charset="0"/>
+              </a:rPr>
+              <a:t>  A reprezentat o provocare dusă la bun sfârșit.</a:t>
+            </a:r>
+          </a:p>
+          <a:p>
+            <a:pPr marL="0" indent="0">
+              <a:buNone/>
+            </a:pPr>
+            <a:r>
+              <a:rPr lang="ro-RO" sz="2400" dirty="0">
+                <a:solidFill>
+                  <a:schemeClr val="tx1"/>
+                </a:solidFill>
+                <a:latin typeface="Times New Roman" panose="02020603050405020304" pitchFamily="18" charset="0"/>
+                <a:cs typeface="Times New Roman" panose="02020603050405020304" pitchFamily="18" charset="0"/>
+              </a:rPr>
+              <a:t> </a:t>
+            </a:r>
+            <a:r>
+              <a:rPr lang="en-US" sz="2400" dirty="0">
+                <a:solidFill>
+                  <a:schemeClr val="tx1"/>
+                </a:solidFill>
+                <a:latin typeface="Times New Roman" panose="02020603050405020304" pitchFamily="18" charset="0"/>
+                <a:cs typeface="Times New Roman" panose="02020603050405020304" pitchFamily="18" charset="0"/>
+              </a:rPr>
+              <a:t> </a:t>
+            </a:r>
+            <a:r>
+              <a:rPr lang="ro-RO" sz="2400" dirty="0">
+                <a:solidFill>
+                  <a:schemeClr val="tx1"/>
+                </a:solidFill>
+                <a:latin typeface="Times New Roman" panose="02020603050405020304" pitchFamily="18" charset="0"/>
+                <a:cs typeface="Times New Roman" panose="02020603050405020304" pitchFamily="18" charset="0"/>
+              </a:rPr>
+              <a:t>Consider că această aplicație va ajuta extrem de mulți oameni pe viitor.</a:t>
+            </a:r>
+          </a:p>
+        </p:txBody>
+      </p:sp>
+      <p:sp>
+        <p:nvSpPr>
+          <p:cNvPr id="6" name="Slide Number Placeholder 5">
+            <a:extLst>
+              <a:ext uri="{FF2B5EF4-FFF2-40B4-BE49-F238E27FC236}">
+                <a16:creationId xmlns:a16="http://schemas.microsoft.com/office/drawing/2014/main" id="{86BADD99-1D18-428C-8A7A-66E14AA64E4E}"/>
+              </a:ext>
+            </a:extLst>
+          </p:cNvPr>
+          <p:cNvSpPr>
+            <a:spLocks noGrp="1"/>
+          </p:cNvSpPr>
+          <p:nvPr>
             <p:ph type="sldNum" sz="quarter" idx="12"/>
           </p:nvPr>
         </p:nvSpPr>
@@ -8968,7 +9801,7 @@
           <a:p>
             <a:r>
               <a:rPr lang="ro-RO" dirty="0"/>
-              <a:t>6</a:t>
+              <a:t>7</a:t>
             </a:r>
             <a:endParaRPr lang="en-US" dirty="0"/>
           </a:p>
@@ -8977,7 +9810,7 @@
     </p:spTree>
     <p:extLst>
       <p:ext uri="{BB962C8B-B14F-4D97-AF65-F5344CB8AC3E}">
-        <p14:creationId xmlns:p14="http://schemas.microsoft.com/office/powerpoint/2010/main" val="2567799820"/>
+        <p14:creationId xmlns:p14="http://schemas.microsoft.com/office/powerpoint/2010/main" val="900295600"/>
       </p:ext>
     </p:extLst>
   </p:cSld>
@@ -9021,7 +9854,7 @@
           <p:cNvPr id="2" name="Title 1">
             <a:extLst>
               <a:ext uri="{FF2B5EF4-FFF2-40B4-BE49-F238E27FC236}">
-                <a16:creationId xmlns:a16="http://schemas.microsoft.com/office/drawing/2014/main" id="{DE1AB039-1E5E-40C6-B9D5-B0D5745D0DE1}"/>
+                <a16:creationId xmlns:a16="http://schemas.microsoft.com/office/drawing/2014/main" id="{EB351EDB-81AB-48ED-B327-A968CC61293A}"/>
               </a:ext>
             </a:extLst>
           </p:cNvPr>
@@ -9034,7 +9867,7 @@
         </p:nvSpPr>
         <p:spPr>
           <a:xfrm>
-            <a:off x="1828800" y="657012"/>
+            <a:off x="1828800" y="2675466"/>
             <a:ext cx="8534400" cy="1507067"/>
           </a:xfrm>
         </p:spPr>
@@ -9046,13 +9879,13 @@
           <a:p>
             <a:pPr algn="ctr"/>
             <a:r>
-              <a:rPr lang="en-US" sz="3200" cap="none" dirty="0" err="1">
-                <a:latin typeface="Times New Roman" panose="02020603050405020304" pitchFamily="18" charset="0"/>
-                <a:cs typeface="Times New Roman" panose="02020603050405020304" pitchFamily="18" charset="0"/>
-              </a:rPr>
-              <a:t>Concluzii</a:t>
-            </a:r>
-            <a:endParaRPr lang="ro-RO" sz="3200" cap="none" dirty="0">
+              <a:rPr lang="en-US" sz="8800" cap="none" dirty="0">
+                <a:latin typeface="Times New Roman" panose="02020603050405020304" pitchFamily="18" charset="0"/>
+                <a:cs typeface="Times New Roman" panose="02020603050405020304" pitchFamily="18" charset="0"/>
+              </a:rPr>
+              <a:t>Q&amp;A</a:t>
+            </a:r>
+            <a:endParaRPr lang="ro-RO" sz="8800" cap="none" dirty="0">
               <a:latin typeface="Times New Roman" panose="02020603050405020304" pitchFamily="18" charset="0"/>
               <a:cs typeface="Times New Roman" panose="02020603050405020304" pitchFamily="18" charset="0"/>
             </a:endParaRPr>
@@ -9061,10 +9894,10 @@
       </p:sp>
       <p:sp>
         <p:nvSpPr>
-          <p:cNvPr id="3" name="Content Placeholder 2">
+          <p:cNvPr id="5" name="Slide Number Placeholder 4">
             <a:extLst>
               <a:ext uri="{FF2B5EF4-FFF2-40B4-BE49-F238E27FC236}">
-                <a16:creationId xmlns:a16="http://schemas.microsoft.com/office/drawing/2014/main" id="{58AE9B0E-6218-4211-8D36-5D131D5749DD}"/>
+                <a16:creationId xmlns:a16="http://schemas.microsoft.com/office/drawing/2014/main" id="{3C1B2175-FEA2-40C8-AB0B-EBFD1640A7D9}"/>
               </a:ext>
             </a:extLst>
           </p:cNvPr>
@@ -9072,132 +9905,6 @@
             <a:spLocks noGrp="1"/>
           </p:cNvSpPr>
           <p:nvPr>
-            <p:ph idx="1"/>
-          </p:nvPr>
-        </p:nvSpPr>
-        <p:spPr>
-          <a:xfrm>
-            <a:off x="1513840" y="1904999"/>
-            <a:ext cx="9441375" cy="4434255"/>
-          </a:xfrm>
-        </p:spPr>
-        <p:txBody>
-          <a:bodyPr anchor="t">
-            <a:normAutofit/>
-          </a:bodyPr>
-          <a:lstStyle/>
-          <a:p>
-            <a:pPr marL="0" indent="0">
-              <a:buNone/>
-            </a:pPr>
-            <a:r>
-              <a:rPr lang="ro-RO" sz="2400" dirty="0">
-                <a:solidFill>
-                  <a:schemeClr val="tx1"/>
-                </a:solidFill>
-                <a:latin typeface="Times New Roman" panose="02020603050405020304" pitchFamily="18" charset="0"/>
-                <a:cs typeface="Times New Roman" panose="02020603050405020304" pitchFamily="18" charset="0"/>
-              </a:rPr>
-              <a:t>  </a:t>
-            </a:r>
-            <a:r>
-              <a:rPr lang="ro-RO" sz="2400" b="1" dirty="0" err="1">
-                <a:solidFill>
-                  <a:schemeClr val="tx1"/>
-                </a:solidFill>
-                <a:latin typeface="Times New Roman" panose="02020603050405020304" pitchFamily="18" charset="0"/>
-                <a:cs typeface="Times New Roman" panose="02020603050405020304" pitchFamily="18" charset="0"/>
-              </a:rPr>
-              <a:t>MediArch</a:t>
-            </a:r>
-            <a:r>
-              <a:rPr lang="ro-RO" sz="2400" dirty="0">
-                <a:solidFill>
-                  <a:schemeClr val="tx1"/>
-                </a:solidFill>
-                <a:latin typeface="Times New Roman" panose="02020603050405020304" pitchFamily="18" charset="0"/>
-                <a:cs typeface="Times New Roman" panose="02020603050405020304" pitchFamily="18" charset="0"/>
-              </a:rPr>
-              <a:t> este o aplicație web, conturată pe domeniul medical, care va ține la loc sigur toate datele din istoricul medical al unei persoane.</a:t>
-            </a:r>
-          </a:p>
-          <a:p>
-            <a:pPr marL="0" indent="0">
-              <a:buNone/>
-            </a:pPr>
-            <a:r>
-              <a:rPr lang="ro-RO" sz="2400" dirty="0">
-                <a:solidFill>
-                  <a:schemeClr val="tx1"/>
-                </a:solidFill>
-                <a:latin typeface="Times New Roman" panose="02020603050405020304" pitchFamily="18" charset="0"/>
-                <a:cs typeface="Times New Roman" panose="02020603050405020304" pitchFamily="18" charset="0"/>
-              </a:rPr>
-              <a:t>  Poate fi utilizată de doctori aparținând de diverse clinici.</a:t>
-            </a:r>
-          </a:p>
-          <a:p>
-            <a:pPr marL="0" indent="0">
-              <a:buNone/>
-            </a:pPr>
-            <a:r>
-              <a:rPr lang="ro-RO" sz="2400" dirty="0">
-                <a:solidFill>
-                  <a:schemeClr val="tx1"/>
-                </a:solidFill>
-                <a:latin typeface="Times New Roman" panose="02020603050405020304" pitchFamily="18" charset="0"/>
-                <a:cs typeface="Times New Roman" panose="02020603050405020304" pitchFamily="18" charset="0"/>
-              </a:rPr>
-              <a:t>  A reprezentat o provocare dusă la bun sfârșit.</a:t>
-            </a:r>
-            <a:endParaRPr lang="en-US" sz="2400" dirty="0">
-              <a:solidFill>
-                <a:schemeClr val="tx1"/>
-              </a:solidFill>
-              <a:latin typeface="Times New Roman" panose="02020603050405020304" pitchFamily="18" charset="0"/>
-              <a:cs typeface="Times New Roman" panose="02020603050405020304" pitchFamily="18" charset="0"/>
-            </a:endParaRPr>
-          </a:p>
-          <a:p>
-            <a:pPr marL="0" indent="0">
-              <a:buNone/>
-            </a:pPr>
-            <a:r>
-              <a:rPr lang="en-US" sz="2400" dirty="0">
-                <a:solidFill>
-                  <a:schemeClr val="tx1"/>
-                </a:solidFill>
-                <a:latin typeface="Times New Roman" panose="02020603050405020304" pitchFamily="18" charset="0"/>
-                <a:cs typeface="Times New Roman" panose="02020603050405020304" pitchFamily="18" charset="0"/>
-              </a:rPr>
-              <a:t>  </a:t>
-            </a:r>
-            <a:r>
-              <a:rPr lang="ro-RO" sz="2400" dirty="0">
-                <a:solidFill>
-                  <a:schemeClr val="tx1"/>
-                </a:solidFill>
-                <a:latin typeface="Times New Roman" panose="02020603050405020304" pitchFamily="18" charset="0"/>
-                <a:cs typeface="Times New Roman" panose="02020603050405020304" pitchFamily="18" charset="0"/>
-              </a:rPr>
-              <a:t>Consider că această aplicație va ajuta extrem de mulți oameni pe viitor.</a:t>
-            </a:r>
-          </a:p>
-        </p:txBody>
-      </p:sp>
-      <p:sp>
-        <p:nvSpPr>
-          <p:cNvPr id="6" name="Slide Number Placeholder 5">
-            <a:extLst>
-              <a:ext uri="{FF2B5EF4-FFF2-40B4-BE49-F238E27FC236}">
-                <a16:creationId xmlns:a16="http://schemas.microsoft.com/office/drawing/2014/main" id="{86BADD99-1D18-428C-8A7A-66E14AA64E4E}"/>
-              </a:ext>
-            </a:extLst>
-          </p:cNvPr>
-          <p:cNvSpPr>
-            <a:spLocks noGrp="1"/>
-          </p:cNvSpPr>
-          <p:nvPr>
             <p:ph type="sldNum" sz="quarter" idx="12"/>
           </p:nvPr>
         </p:nvSpPr>
@@ -9207,17 +9914,16 @@
           <a:lstStyle/>
           <a:p>
             <a:r>
-              <a:rPr lang="ro-RO" dirty="0"/>
-              <a:t>7</a:t>
-            </a:r>
-            <a:endParaRPr lang="en-US" dirty="0"/>
+              <a:rPr lang="en-US" dirty="0"/>
+              <a:t>8</a:t>
+            </a:r>
           </a:p>
         </p:txBody>
       </p:sp>
     </p:spTree>
     <p:extLst>
       <p:ext uri="{BB962C8B-B14F-4D97-AF65-F5344CB8AC3E}">
-        <p14:creationId xmlns:p14="http://schemas.microsoft.com/office/powerpoint/2010/main" val="900295600"/>
+        <p14:creationId xmlns:p14="http://schemas.microsoft.com/office/powerpoint/2010/main" val="3638393348"/>
       </p:ext>
     </p:extLst>
   </p:cSld>
@@ -9311,16 +10017,20 @@
             <p:ph type="sldNum" sz="quarter" idx="12"/>
           </p:nvPr>
         </p:nvSpPr>
-        <p:spPr/>
+        <p:spPr>
+          <a:xfrm>
+            <a:off x="10363200" y="5578475"/>
+            <a:ext cx="1142245" cy="669925"/>
+          </a:xfrm>
+        </p:spPr>
         <p:txBody>
           <a:bodyPr/>
           <a:lstStyle/>
           <a:p>
             <a:r>
-              <a:rPr lang="ro-RO" dirty="0"/>
-              <a:t>8</a:t>
-            </a:r>
-            <a:endParaRPr lang="en-US" dirty="0"/>
+              <a:rPr lang="en-US" dirty="0"/>
+              <a:t>9</a:t>
+            </a:r>
           </a:p>
         </p:txBody>
       </p:sp>

--- a/Prezentare/MediArch.pptx
+++ b/Prezentare/MediArch.pptx
@@ -1133,6 +1133,65 @@
               </a:rPr>
               <a:t>…</a:t>
             </a:r>
+            <a:endParaRPr lang="ro-RO" dirty="0">
+              <a:latin typeface="Times New Roman" panose="02020603050405020304" pitchFamily="18" charset="0"/>
+              <a:cs typeface="Times New Roman" panose="02020603050405020304" pitchFamily="18" charset="0"/>
+            </a:endParaRPr>
+          </a:p>
+          <a:p>
+            <a:endParaRPr lang="ro-RO" dirty="0">
+              <a:latin typeface="Times New Roman" panose="02020603050405020304" pitchFamily="18" charset="0"/>
+              <a:cs typeface="Times New Roman" panose="02020603050405020304" pitchFamily="18" charset="0"/>
+            </a:endParaRPr>
+          </a:p>
+          <a:p>
+            <a:r>
+              <a:rPr lang="ro-RO" dirty="0">
+                <a:latin typeface="Times New Roman" panose="02020603050405020304" pitchFamily="18" charset="0"/>
+                <a:cs typeface="Times New Roman" panose="02020603050405020304" pitchFamily="18" charset="0"/>
+              </a:rPr>
+              <a:t>Utilizatori normali – Doctori și Pacienți</a:t>
+            </a:r>
+          </a:p>
+          <a:p>
+            <a:r>
+              <a:rPr lang="ro-RO" dirty="0">
+                <a:latin typeface="Times New Roman" panose="02020603050405020304" pitchFamily="18" charset="0"/>
+                <a:cs typeface="Times New Roman" panose="02020603050405020304" pitchFamily="18" charset="0"/>
+              </a:rPr>
+              <a:t>Utilizatori speciali – </a:t>
+            </a:r>
+            <a:r>
+              <a:rPr lang="ro-RO" dirty="0" err="1">
+                <a:latin typeface="Times New Roman" panose="02020603050405020304" pitchFamily="18" charset="0"/>
+                <a:cs typeface="Times New Roman" panose="02020603050405020304" pitchFamily="18" charset="0"/>
+              </a:rPr>
+              <a:t>Ownerul</a:t>
+            </a:r>
+            <a:r>
+              <a:rPr lang="ro-RO" dirty="0">
+                <a:latin typeface="Times New Roman" panose="02020603050405020304" pitchFamily="18" charset="0"/>
+                <a:cs typeface="Times New Roman" panose="02020603050405020304" pitchFamily="18" charset="0"/>
+              </a:rPr>
+              <a:t> </a:t>
+            </a:r>
+            <a:r>
+              <a:rPr lang="ro-RO">
+                <a:latin typeface="Times New Roman" panose="02020603050405020304" pitchFamily="18" charset="0"/>
+                <a:cs typeface="Times New Roman" panose="02020603050405020304" pitchFamily="18" charset="0"/>
+              </a:rPr>
+              <a:t>și Moderatorii</a:t>
+            </a:r>
+            <a:endParaRPr lang="ro-RO" dirty="0">
+              <a:latin typeface="Times New Roman" panose="02020603050405020304" pitchFamily="18" charset="0"/>
+              <a:cs typeface="Times New Roman" panose="02020603050405020304" pitchFamily="18" charset="0"/>
+            </a:endParaRPr>
+          </a:p>
+          <a:p>
+            <a:endParaRPr lang="en-US" dirty="0">
+              <a:latin typeface="Times New Roman" panose="02020603050405020304" pitchFamily="18" charset="0"/>
+              <a:cs typeface="Times New Roman" panose="02020603050405020304" pitchFamily="18" charset="0"/>
+            </a:endParaRPr>
           </a:p>
           <a:p>
             <a:r>

--- a/Prezentare/MediArch.pptx
+++ b/Prezentare/MediArch.pptx
@@ -205,7 +205,7 @@
           <a:p>
             <a:fld id="{75ACD4F3-15DE-4D4F-AEC6-1F5D6AEE56EA}" type="datetimeFigureOut">
               <a:rPr lang="ro-RO" smtClean="0"/>
-              <a:t>01.07.2018</a:t>
+              <a:t>02.07.2018</a:t>
             </a:fld>
             <a:endParaRPr lang="ro-RO"/>
           </a:p>
@@ -1173,19 +1173,8 @@
                 <a:latin typeface="Times New Roman" panose="02020603050405020304" pitchFamily="18" charset="0"/>
                 <a:cs typeface="Times New Roman" panose="02020603050405020304" pitchFamily="18" charset="0"/>
               </a:rPr>
-              <a:t> </a:t>
-            </a:r>
-            <a:r>
-              <a:rPr lang="ro-RO">
-                <a:latin typeface="Times New Roman" panose="02020603050405020304" pitchFamily="18" charset="0"/>
-                <a:cs typeface="Times New Roman" panose="02020603050405020304" pitchFamily="18" charset="0"/>
-              </a:rPr>
-              <a:t>și Moderatorii</a:t>
-            </a:r>
-            <a:endParaRPr lang="ro-RO" dirty="0">
-              <a:latin typeface="Times New Roman" panose="02020603050405020304" pitchFamily="18" charset="0"/>
-              <a:cs typeface="Times New Roman" panose="02020603050405020304" pitchFamily="18" charset="0"/>
-            </a:endParaRPr>
+              <a:t> și Moderatorii</a:t>
+            </a:r>
           </a:p>
           <a:p>
             <a:endParaRPr lang="en-US" dirty="0">
@@ -1971,7 +1960,7 @@
           <a:p>
             <a:fld id="{C958B2B8-5FD4-4030-B628-1B443C369329}" type="datetime1">
               <a:rPr lang="en-US" smtClean="0"/>
-              <a:t>7/1/2018</a:t>
+              <a:t>7/2/2018</a:t>
             </a:fld>
             <a:endParaRPr lang="en-US" dirty="0"/>
           </a:p>
@@ -2403,7 +2392,7 @@
           <a:p>
             <a:fld id="{1D802565-6F02-4A1A-83AC-1EA7FE8603A1}" type="datetime1">
               <a:rPr lang="en-US" smtClean="0"/>
-              <a:t>7/1/2018</a:t>
+              <a:t>7/2/2018</a:t>
             </a:fld>
             <a:endParaRPr lang="en-US" dirty="0"/>
           </a:p>
@@ -2649,7 +2638,7 @@
           <a:p>
             <a:fld id="{0A6C096E-90A1-4C77-BB68-5F1F79236B47}" type="datetime1">
               <a:rPr lang="en-US" smtClean="0"/>
-              <a:t>7/1/2018</a:t>
+              <a:t>7/2/2018</a:t>
             </a:fld>
             <a:endParaRPr lang="en-US" dirty="0"/>
           </a:p>
@@ -2953,7 +2942,7 @@
           <a:p>
             <a:fld id="{2AF27C5E-9936-47B0-A7AB-8B5F9D97BF7F}" type="datetime1">
               <a:rPr lang="en-US" smtClean="0"/>
-              <a:t>7/1/2018</a:t>
+              <a:t>7/2/2018</a:t>
             </a:fld>
             <a:endParaRPr lang="en-US" dirty="0"/>
           </a:p>
@@ -3267,7 +3256,7 @@
           <a:p>
             <a:fld id="{45B85652-381A-43F0-83E5-5E7143C0D722}" type="datetime1">
               <a:rPr lang="en-US" smtClean="0"/>
-              <a:t>7/1/2018</a:t>
+              <a:t>7/2/2018</a:t>
             </a:fld>
             <a:endParaRPr lang="en-US" dirty="0"/>
           </a:p>
@@ -3565,7 +3554,7 @@
           <a:p>
             <a:fld id="{58252319-1FA4-4855-BFE5-707997E6B1B2}" type="datetime1">
               <a:rPr lang="en-US" smtClean="0"/>
-              <a:t>7/1/2018</a:t>
+              <a:t>7/2/2018</a:t>
             </a:fld>
             <a:endParaRPr lang="en-US" dirty="0"/>
           </a:p>
@@ -3928,7 +3917,7 @@
           <a:p>
             <a:fld id="{896CFD1C-58B6-4B7E-80C5-C431EDCE5E80}" type="datetime1">
               <a:rPr lang="en-US" smtClean="0"/>
-              <a:t>7/1/2018</a:t>
+              <a:t>7/2/2018</a:t>
             </a:fld>
             <a:endParaRPr lang="en-US" dirty="0"/>
           </a:p>
@@ -4098,7 +4087,7 @@
           <a:p>
             <a:fld id="{175F9B8A-C049-496A-B282-30964A6CE656}" type="datetime1">
               <a:rPr lang="en-US" smtClean="0"/>
-              <a:t>7/1/2018</a:t>
+              <a:t>7/2/2018</a:t>
             </a:fld>
             <a:endParaRPr lang="en-US" dirty="0"/>
           </a:p>
@@ -4274,7 +4263,7 @@
           <a:p>
             <a:fld id="{4F78F913-0A29-416B-9809-244D70044AE6}" type="datetime1">
               <a:rPr lang="en-US" smtClean="0"/>
-              <a:t>7/1/2018</a:t>
+              <a:t>7/2/2018</a:t>
             </a:fld>
             <a:endParaRPr lang="en-US" dirty="0"/>
           </a:p>
@@ -4440,7 +4429,7 @@
           <a:p>
             <a:fld id="{51F6254D-21E2-429F-B828-59B6F855C1D6}" type="datetime1">
               <a:rPr lang="en-US" smtClean="0"/>
-              <a:t>7/1/2018</a:t>
+              <a:t>7/2/2018</a:t>
             </a:fld>
             <a:endParaRPr lang="en-US" dirty="0"/>
           </a:p>
@@ -4686,7 +4675,7 @@
           <a:p>
             <a:fld id="{E06C85DE-F8B0-4C19-8645-E1AAF8C11D03}" type="datetime1">
               <a:rPr lang="en-US" smtClean="0"/>
-              <a:t>7/1/2018</a:t>
+              <a:t>7/2/2018</a:t>
             </a:fld>
             <a:endParaRPr lang="en-US" dirty="0"/>
           </a:p>
@@ -4918,7 +4907,7 @@
           <a:p>
             <a:fld id="{14665515-A5A2-45E2-9A85-819308C1EC03}" type="datetime1">
               <a:rPr lang="en-US" smtClean="0"/>
-              <a:t>7/1/2018</a:t>
+              <a:t>7/2/2018</a:t>
             </a:fld>
             <a:endParaRPr lang="en-US" dirty="0"/>
           </a:p>
@@ -5296,7 +5285,7 @@
           <a:p>
             <a:fld id="{0E9F3CE2-3339-45DD-AE9F-90F9BDB0384B}" type="datetime1">
               <a:rPr lang="en-US" smtClean="0"/>
-              <a:t>7/1/2018</a:t>
+              <a:t>7/2/2018</a:t>
             </a:fld>
             <a:endParaRPr lang="en-US" dirty="0"/>
           </a:p>
@@ -5410,7 +5399,7 @@
           <a:p>
             <a:fld id="{B722747C-D21A-4C05-AE56-93898B266987}" type="datetime1">
               <a:rPr lang="en-US" smtClean="0"/>
-              <a:t>7/1/2018</a:t>
+              <a:t>7/2/2018</a:t>
             </a:fld>
             <a:endParaRPr lang="en-US" dirty="0"/>
           </a:p>
@@ -5501,7 +5490,7 @@
           <a:p>
             <a:fld id="{1357CAB8-2962-4BCB-9060-900D11BE3456}" type="datetime1">
               <a:rPr lang="en-US" smtClean="0"/>
-              <a:t>7/1/2018</a:t>
+              <a:t>7/2/2018</a:t>
             </a:fld>
             <a:endParaRPr lang="en-US" dirty="0"/>
           </a:p>
@@ -5752,7 +5741,7 @@
           <a:p>
             <a:fld id="{5D8138E5-C557-4625-96B1-9DEC121BA909}" type="datetime1">
               <a:rPr lang="en-US" smtClean="0"/>
-              <a:t>7/1/2018</a:t>
+              <a:t>7/2/2018</a:t>
             </a:fld>
             <a:endParaRPr lang="en-US" dirty="0"/>
           </a:p>
@@ -6031,7 +6020,7 @@
           <a:p>
             <a:fld id="{674720CD-71A8-4CD4-8D68-650339AF4228}" type="datetime1">
               <a:rPr lang="en-US" smtClean="0"/>
-              <a:t>7/1/2018</a:t>
+              <a:t>7/2/2018</a:t>
             </a:fld>
             <a:endParaRPr lang="en-US" dirty="0"/>
           </a:p>
@@ -6433,7 +6422,7 @@
           <a:p>
             <a:fld id="{355DA942-3E01-4482-923D-88CEBE6B88B5}" type="datetime1">
               <a:rPr lang="en-US" smtClean="0"/>
-              <a:t>7/1/2018</a:t>
+              <a:t>7/2/2018</a:t>
             </a:fld>
             <a:endParaRPr lang="en-US" dirty="0"/>
           </a:p>
@@ -8945,7 +8934,7 @@
         </p:nvSpPr>
         <p:spPr>
           <a:xfrm>
-            <a:off x="1513840" y="1904999"/>
+            <a:off x="1375312" y="1904999"/>
             <a:ext cx="9441375" cy="4434255"/>
           </a:xfrm>
         </p:spPr>
@@ -9542,7 +9531,7 @@
         <p:spPr>
           <a:xfrm>
             <a:off x="3414963" y="4283240"/>
-            <a:ext cx="5362073" cy="461665"/>
+            <a:ext cx="5362073" cy="830997"/>
           </a:xfrm>
           <a:prstGeom prst="rect">
             <a:avLst/>
@@ -9556,6 +9545,46 @@
           <a:lstStyle/>
           <a:p>
             <a:r>
+              <a:rPr lang="en-US" sz="2400" dirty="0">
+                <a:latin typeface="Times New Roman" panose="02020603050405020304" pitchFamily="18" charset="0"/>
+                <a:cs typeface="Times New Roman" panose="02020603050405020304" pitchFamily="18" charset="0"/>
+              </a:rPr>
+              <a:t>Link: </a:t>
+            </a:r>
+            <a:r>
+              <a:rPr lang="en-US" sz="2400" dirty="0">
+                <a:latin typeface="Times New Roman" panose="02020603050405020304" pitchFamily="18" charset="0"/>
+                <a:cs typeface="Times New Roman" panose="02020603050405020304" pitchFamily="18" charset="0"/>
+                <a:hlinkClick r:id="rId3"/>
+              </a:rPr>
+              <a:t>https://</a:t>
+            </a:r>
+            <a:r>
+              <a:rPr lang="en-US" sz="2400" dirty="0" err="1">
+                <a:latin typeface="Times New Roman" panose="02020603050405020304" pitchFamily="18" charset="0"/>
+                <a:cs typeface="Times New Roman" panose="02020603050405020304" pitchFamily="18" charset="0"/>
+                <a:hlinkClick r:id="rId3"/>
+              </a:rPr>
+              <a:t>localhost:44371</a:t>
+            </a:r>
+            <a:r>
+              <a:rPr lang="en-US" sz="2400" dirty="0">
+                <a:latin typeface="Times New Roman" panose="02020603050405020304" pitchFamily="18" charset="0"/>
+                <a:cs typeface="Times New Roman" panose="02020603050405020304" pitchFamily="18" charset="0"/>
+                <a:hlinkClick r:id="rId3"/>
+              </a:rPr>
+              <a:t>/</a:t>
+            </a:r>
+            <a:r>
+              <a:rPr lang="en-US" sz="2400" dirty="0">
+                <a:latin typeface="Times New Roman" panose="02020603050405020304" pitchFamily="18" charset="0"/>
+                <a:cs typeface="Times New Roman" panose="02020603050405020304" pitchFamily="18" charset="0"/>
+              </a:rPr>
+              <a:t> </a:t>
+            </a:r>
+          </a:p>
+          <a:p>
+            <a:r>
               <a:rPr lang="ro-RO" sz="2400" dirty="0">
                 <a:latin typeface="Times New Roman" panose="02020603050405020304" pitchFamily="18" charset="0"/>
                 <a:cs typeface="Times New Roman" panose="02020603050405020304" pitchFamily="18" charset="0"/>
@@ -9573,7 +9602,7 @@
               <a:rPr lang="ro-RO" sz="2400" dirty="0" err="1">
                 <a:latin typeface="Times New Roman" panose="02020603050405020304" pitchFamily="18" charset="0"/>
                 <a:cs typeface="Times New Roman" panose="02020603050405020304" pitchFamily="18" charset="0"/>
-                <a:hlinkClick r:id="rId3"/>
+                <a:hlinkClick r:id="rId4"/>
               </a:rPr>
               <a:t>https</a:t>
             </a:r>
@@ -9581,7 +9610,7 @@
               <a:rPr lang="ro-RO" sz="2400" dirty="0">
                 <a:latin typeface="Times New Roman" panose="02020603050405020304" pitchFamily="18" charset="0"/>
                 <a:cs typeface="Times New Roman" panose="02020603050405020304" pitchFamily="18" charset="0"/>
-                <a:hlinkClick r:id="rId3"/>
+                <a:hlinkClick r:id="rId4"/>
               </a:rPr>
               <a:t>://</a:t>
             </a:r>
@@ -9589,7 +9618,7 @@
               <a:rPr lang="ro-RO" sz="2400" dirty="0" err="1">
                 <a:latin typeface="Times New Roman" panose="02020603050405020304" pitchFamily="18" charset="0"/>
                 <a:cs typeface="Times New Roman" panose="02020603050405020304" pitchFamily="18" charset="0"/>
-                <a:hlinkClick r:id="rId3"/>
+                <a:hlinkClick r:id="rId4"/>
               </a:rPr>
               <a:t>youtu.be</a:t>
             </a:r>
@@ -9597,7 +9626,7 @@
               <a:rPr lang="ro-RO" sz="2400" dirty="0">
                 <a:latin typeface="Times New Roman" panose="02020603050405020304" pitchFamily="18" charset="0"/>
                 <a:cs typeface="Times New Roman" panose="02020603050405020304" pitchFamily="18" charset="0"/>
-                <a:hlinkClick r:id="rId3"/>
+                <a:hlinkClick r:id="rId4"/>
               </a:rPr>
               <a:t>/</a:t>
             </a:r>
@@ -9605,7 +9634,7 @@
               <a:rPr lang="ro-RO" sz="2400" dirty="0" err="1">
                 <a:latin typeface="Times New Roman" panose="02020603050405020304" pitchFamily="18" charset="0"/>
                 <a:cs typeface="Times New Roman" panose="02020603050405020304" pitchFamily="18" charset="0"/>
-                <a:hlinkClick r:id="rId3"/>
+                <a:hlinkClick r:id="rId4"/>
               </a:rPr>
               <a:t>3wNYpVMhC1I</a:t>
             </a:r>

--- a/Prezentare/MediArch.pptx
+++ b/Prezentare/MediArch.pptx
@@ -205,7 +205,7 @@
           <a:p>
             <a:fld id="{75ACD4F3-15DE-4D4F-AEC6-1F5D6AEE56EA}" type="datetimeFigureOut">
               <a:rPr lang="ro-RO" smtClean="0"/>
-              <a:t>02.07.2018</a:t>
+              <a:t>03.07.2018</a:t>
             </a:fld>
             <a:endParaRPr lang="ro-RO"/>
           </a:p>
@@ -970,7 +970,28 @@
                 <a:latin typeface="Times New Roman" panose="02020603050405020304" pitchFamily="18" charset="0"/>
                 <a:cs typeface="Times New Roman" panose="02020603050405020304" pitchFamily="18" charset="0"/>
               </a:rPr>
-              <a:t>), aplicația mea aduce următoarele </a:t>
+              <a:t>), aplicația mea aduce</a:t>
+            </a:r>
+            <a:r>
+              <a:rPr lang="en-US">
+                <a:latin typeface="Times New Roman" panose="02020603050405020304" pitchFamily="18" charset="0"/>
+                <a:cs typeface="Times New Roman" panose="02020603050405020304" pitchFamily="18" charset="0"/>
+              </a:rPr>
+              <a:t> in plus</a:t>
+            </a:r>
+            <a:r>
+              <a:rPr lang="ro-RO">
+                <a:latin typeface="Times New Roman" panose="02020603050405020304" pitchFamily="18" charset="0"/>
+                <a:cs typeface="Times New Roman" panose="02020603050405020304" pitchFamily="18" charset="0"/>
+              </a:rPr>
+              <a:t> </a:t>
+            </a:r>
+            <a:r>
+              <a:rPr lang="ro-RO" dirty="0">
+                <a:latin typeface="Times New Roman" panose="02020603050405020304" pitchFamily="18" charset="0"/>
+                <a:cs typeface="Times New Roman" panose="02020603050405020304" pitchFamily="18" charset="0"/>
+              </a:rPr>
+              <a:t>următoarele </a:t>
             </a:r>
             <a:r>
               <a:rPr lang="ro-RO" dirty="0" err="1">
@@ -1960,7 +1981,7 @@
           <a:p>
             <a:fld id="{C958B2B8-5FD4-4030-B628-1B443C369329}" type="datetime1">
               <a:rPr lang="en-US" smtClean="0"/>
-              <a:t>7/2/2018</a:t>
+              <a:t>7/3/2018</a:t>
             </a:fld>
             <a:endParaRPr lang="en-US" dirty="0"/>
           </a:p>
@@ -2392,7 +2413,7 @@
           <a:p>
             <a:fld id="{1D802565-6F02-4A1A-83AC-1EA7FE8603A1}" type="datetime1">
               <a:rPr lang="en-US" smtClean="0"/>
-              <a:t>7/2/2018</a:t>
+              <a:t>7/3/2018</a:t>
             </a:fld>
             <a:endParaRPr lang="en-US" dirty="0"/>
           </a:p>
@@ -2638,7 +2659,7 @@
           <a:p>
             <a:fld id="{0A6C096E-90A1-4C77-BB68-5F1F79236B47}" type="datetime1">
               <a:rPr lang="en-US" smtClean="0"/>
-              <a:t>7/2/2018</a:t>
+              <a:t>7/3/2018</a:t>
             </a:fld>
             <a:endParaRPr lang="en-US" dirty="0"/>
           </a:p>
@@ -2942,7 +2963,7 @@
           <a:p>
             <a:fld id="{2AF27C5E-9936-47B0-A7AB-8B5F9D97BF7F}" type="datetime1">
               <a:rPr lang="en-US" smtClean="0"/>
-              <a:t>7/2/2018</a:t>
+              <a:t>7/3/2018</a:t>
             </a:fld>
             <a:endParaRPr lang="en-US" dirty="0"/>
           </a:p>
@@ -3256,7 +3277,7 @@
           <a:p>
             <a:fld id="{45B85652-381A-43F0-83E5-5E7143C0D722}" type="datetime1">
               <a:rPr lang="en-US" smtClean="0"/>
-              <a:t>7/2/2018</a:t>
+              <a:t>7/3/2018</a:t>
             </a:fld>
             <a:endParaRPr lang="en-US" dirty="0"/>
           </a:p>
@@ -3554,7 +3575,7 @@
           <a:p>
             <a:fld id="{58252319-1FA4-4855-BFE5-707997E6B1B2}" type="datetime1">
               <a:rPr lang="en-US" smtClean="0"/>
-              <a:t>7/2/2018</a:t>
+              <a:t>7/3/2018</a:t>
             </a:fld>
             <a:endParaRPr lang="en-US" dirty="0"/>
           </a:p>
@@ -3917,7 +3938,7 @@
           <a:p>
             <a:fld id="{896CFD1C-58B6-4B7E-80C5-C431EDCE5E80}" type="datetime1">
               <a:rPr lang="en-US" smtClean="0"/>
-              <a:t>7/2/2018</a:t>
+              <a:t>7/3/2018</a:t>
             </a:fld>
             <a:endParaRPr lang="en-US" dirty="0"/>
           </a:p>
@@ -4087,7 +4108,7 @@
           <a:p>
             <a:fld id="{175F9B8A-C049-496A-B282-30964A6CE656}" type="datetime1">
               <a:rPr lang="en-US" smtClean="0"/>
-              <a:t>7/2/2018</a:t>
+              <a:t>7/3/2018</a:t>
             </a:fld>
             <a:endParaRPr lang="en-US" dirty="0"/>
           </a:p>
@@ -4263,7 +4284,7 @@
           <a:p>
             <a:fld id="{4F78F913-0A29-416B-9809-244D70044AE6}" type="datetime1">
               <a:rPr lang="en-US" smtClean="0"/>
-              <a:t>7/2/2018</a:t>
+              <a:t>7/3/2018</a:t>
             </a:fld>
             <a:endParaRPr lang="en-US" dirty="0"/>
           </a:p>
@@ -4429,7 +4450,7 @@
           <a:p>
             <a:fld id="{51F6254D-21E2-429F-B828-59B6F855C1D6}" type="datetime1">
               <a:rPr lang="en-US" smtClean="0"/>
-              <a:t>7/2/2018</a:t>
+              <a:t>7/3/2018</a:t>
             </a:fld>
             <a:endParaRPr lang="en-US" dirty="0"/>
           </a:p>
@@ -4675,7 +4696,7 @@
           <a:p>
             <a:fld id="{E06C85DE-F8B0-4C19-8645-E1AAF8C11D03}" type="datetime1">
               <a:rPr lang="en-US" smtClean="0"/>
-              <a:t>7/2/2018</a:t>
+              <a:t>7/3/2018</a:t>
             </a:fld>
             <a:endParaRPr lang="en-US" dirty="0"/>
           </a:p>
@@ -4907,7 +4928,7 @@
           <a:p>
             <a:fld id="{14665515-A5A2-45E2-9A85-819308C1EC03}" type="datetime1">
               <a:rPr lang="en-US" smtClean="0"/>
-              <a:t>7/2/2018</a:t>
+              <a:t>7/3/2018</a:t>
             </a:fld>
             <a:endParaRPr lang="en-US" dirty="0"/>
           </a:p>
@@ -5285,7 +5306,7 @@
           <a:p>
             <a:fld id="{0E9F3CE2-3339-45DD-AE9F-90F9BDB0384B}" type="datetime1">
               <a:rPr lang="en-US" smtClean="0"/>
-              <a:t>7/2/2018</a:t>
+              <a:t>7/3/2018</a:t>
             </a:fld>
             <a:endParaRPr lang="en-US" dirty="0"/>
           </a:p>
@@ -5399,7 +5420,7 @@
           <a:p>
             <a:fld id="{B722747C-D21A-4C05-AE56-93898B266987}" type="datetime1">
               <a:rPr lang="en-US" smtClean="0"/>
-              <a:t>7/2/2018</a:t>
+              <a:t>7/3/2018</a:t>
             </a:fld>
             <a:endParaRPr lang="en-US" dirty="0"/>
           </a:p>
@@ -5490,7 +5511,7 @@
           <a:p>
             <a:fld id="{1357CAB8-2962-4BCB-9060-900D11BE3456}" type="datetime1">
               <a:rPr lang="en-US" smtClean="0"/>
-              <a:t>7/2/2018</a:t>
+              <a:t>7/3/2018</a:t>
             </a:fld>
             <a:endParaRPr lang="en-US" dirty="0"/>
           </a:p>
@@ -5741,7 +5762,7 @@
           <a:p>
             <a:fld id="{5D8138E5-C557-4625-96B1-9DEC121BA909}" type="datetime1">
               <a:rPr lang="en-US" smtClean="0"/>
-              <a:t>7/2/2018</a:t>
+              <a:t>7/3/2018</a:t>
             </a:fld>
             <a:endParaRPr lang="en-US" dirty="0"/>
           </a:p>
@@ -6020,7 +6041,7 @@
           <a:p>
             <a:fld id="{674720CD-71A8-4CD4-8D68-650339AF4228}" type="datetime1">
               <a:rPr lang="en-US" smtClean="0"/>
-              <a:t>7/2/2018</a:t>
+              <a:t>7/3/2018</a:t>
             </a:fld>
             <a:endParaRPr lang="en-US" dirty="0"/>
           </a:p>
@@ -6422,7 +6443,7 @@
           <a:p>
             <a:fld id="{355DA942-3E01-4482-923D-88CEBE6B88B5}" type="datetime1">
               <a:rPr lang="en-US" smtClean="0"/>
-              <a:t>7/2/2018</a:t>
+              <a:t>7/3/2018</a:t>
             </a:fld>
             <a:endParaRPr lang="en-US" dirty="0"/>
           </a:p>
